--- a/Cosmos PPT.pptx
+++ b/Cosmos PPT.pptx
@@ -5,24 +5,33 @@
     <p:sldMasterId id="2147483731" r:id="rId1"/>
   </p:sldMasterIdLst>
   <p:notesMasterIdLst>
-    <p:notesMasterId r:id="rId14"/>
+    <p:notesMasterId r:id="rId23"/>
   </p:notesMasterIdLst>
   <p:handoutMasterIdLst>
-    <p:handoutMasterId r:id="rId15"/>
+    <p:handoutMasterId r:id="rId24"/>
   </p:handoutMasterIdLst>
   <p:sldIdLst>
     <p:sldId id="256" r:id="rId2"/>
     <p:sldId id="257" r:id="rId3"/>
     <p:sldId id="259" r:id="rId4"/>
     <p:sldId id="268" r:id="rId5"/>
-    <p:sldId id="267" r:id="rId6"/>
-    <p:sldId id="260" r:id="rId7"/>
-    <p:sldId id="261" r:id="rId8"/>
-    <p:sldId id="266" r:id="rId9"/>
-    <p:sldId id="262" r:id="rId10"/>
-    <p:sldId id="263" r:id="rId11"/>
-    <p:sldId id="258" r:id="rId12"/>
-    <p:sldId id="264" r:id="rId13"/>
+    <p:sldId id="269" r:id="rId6"/>
+    <p:sldId id="267" r:id="rId7"/>
+    <p:sldId id="260" r:id="rId8"/>
+    <p:sldId id="270" r:id="rId9"/>
+    <p:sldId id="271" r:id="rId10"/>
+    <p:sldId id="272" r:id="rId11"/>
+    <p:sldId id="261" r:id="rId12"/>
+    <p:sldId id="266" r:id="rId13"/>
+    <p:sldId id="273" r:id="rId14"/>
+    <p:sldId id="278" r:id="rId15"/>
+    <p:sldId id="275" r:id="rId16"/>
+    <p:sldId id="274" r:id="rId17"/>
+    <p:sldId id="277" r:id="rId18"/>
+    <p:sldId id="262" r:id="rId19"/>
+    <p:sldId id="263" r:id="rId20"/>
+    <p:sldId id="258" r:id="rId21"/>
+    <p:sldId id="264" r:id="rId22"/>
   </p:sldIdLst>
   <p:sldSz cx="12192000" cy="6858000"/>
   <p:notesSz cx="6858000" cy="9144000"/>
@@ -134,18 +143,27 @@
           <p14:sldIdLst>
             <p14:sldId id="259"/>
             <p14:sldId id="268"/>
+            <p14:sldId id="269"/>
             <p14:sldId id="267"/>
           </p14:sldIdLst>
         </p14:section>
         <p14:section name="System Model" id="{0016D989-A777-490E-85FF-1A593676DF1B}">
           <p14:sldIdLst>
             <p14:sldId id="260"/>
+            <p14:sldId id="270"/>
+            <p14:sldId id="271"/>
+            <p14:sldId id="272"/>
           </p14:sldIdLst>
         </p14:section>
         <p14:section name="Analytical Model" id="{710D54E0-0A31-4FED-9C3C-8DAAE3577DC7}">
           <p14:sldIdLst>
             <p14:sldId id="261"/>
             <p14:sldId id="266"/>
+            <p14:sldId id="273"/>
+            <p14:sldId id="278"/>
+            <p14:sldId id="275"/>
+            <p14:sldId id="274"/>
+            <p14:sldId id="277"/>
           </p14:sldIdLst>
         </p14:section>
         <p14:section name="Numerical Result" id="{E1C7940B-D6B0-451E-A48F-227E1BFB43C3}">
@@ -161,6 +179,12 @@
           </p14:sldIdLst>
         </p14:section>
       </p14:sectionLst>
+    </p:ext>
+    <p:ext uri="{EFAFB233-063F-42B5-8137-9DF3F51BA10A}">
+      <p15:sldGuideLst xmlns:p15="http://schemas.microsoft.com/office/powerpoint/2012/main"/>
+    </p:ext>
+    <p:ext uri="{2D200454-40CA-4A62-9FC3-DE9A4176ACB9}">
+      <p15:notesGuideLst xmlns:p15="http://schemas.microsoft.com/office/powerpoint/2012/main"/>
     </p:ext>
   </p:extLst>
 </p:presentation>
@@ -260,7 +284,7 @@
           <a:p>
             <a:fld id="{3EDBE6CB-BD5E-442E-9493-4111C3A2874C}" type="datetimeFigureOut">
               <a:rPr lang="zh-TW" altLang="en-US" smtClean="0"/>
-              <a:t>2025/6/17</a:t>
+              <a:t>2025/6/18</a:t>
             </a:fld>
             <a:endParaRPr lang="zh-TW" altLang="en-US"/>
           </a:p>
@@ -437,7 +461,7 @@
           <a:p>
             <a:fld id="{48C4A521-691A-45AC-80F9-8E484ED712C1}" type="datetimeFigureOut">
               <a:rPr lang="zh-TW" altLang="en-US" smtClean="0"/>
-              <a:t>2025/6/17</a:t>
+              <a:t>2025/6/18</a:t>
             </a:fld>
             <a:endParaRPr lang="zh-TW" altLang="en-US"/>
           </a:p>
@@ -748,7 +772,49 @@
           <a:bodyPr/>
           <a:lstStyle/>
           <a:p>
-            <a:endParaRPr lang="zh-TW" altLang="en-US" dirty="0"/>
+            <a:r>
+              <a:rPr lang="zh-TW" altLang="en-US" dirty="0"/>
+              <a:t>區塊鏈目前已迅速發展成為數位信任與去中心化系統的基礎架構。</a:t>
+            </a:r>
+            <a:endParaRPr lang="en-US" altLang="zh-TW" dirty="0"/>
+          </a:p>
+          <a:p>
+            <a:r>
+              <a:rPr lang="zh-TW" altLang="en-US" dirty="0"/>
+              <a:t>有著去中心化、透明性與不可篡改性等特性，適用於資料的安全儲存。</a:t>
+            </a:r>
+            <a:endParaRPr lang="en-US" altLang="zh-TW" dirty="0"/>
+          </a:p>
+          <a:p>
+            <a:r>
+              <a:rPr lang="zh-TW" altLang="en-US" dirty="0"/>
+              <a:t>區塊鏈原先設計用於支持比特幣等加密貨幣，但如今已廣泛應用於金融、醫療、媒體、物流與能源等多個領域。</a:t>
+            </a:r>
+            <a:endParaRPr lang="en-US" altLang="zh-TW" dirty="0"/>
+          </a:p>
+          <a:p>
+            <a:endParaRPr lang="en-US" altLang="zh-TW" dirty="0"/>
+          </a:p>
+          <a:p>
+            <a:r>
+              <a:rPr lang="zh-TW" altLang="en-US" dirty="0"/>
+              <a:t>然而，當今區塊鏈技術面臨的一項重大挑戰是「跨鏈互通性」，也就是讓獨立運作的區塊鏈網路之間能夠互相溝通與交換資產或資訊。</a:t>
+            </a:r>
+            <a:endParaRPr lang="en-US" altLang="zh-TW" dirty="0"/>
+          </a:p>
+          <a:p>
+            <a:r>
+              <a:rPr lang="zh-TW" altLang="en-US" dirty="0"/>
+              <a:t>為解決此問題，開發出了「跨鏈橋接（</a:t>
+            </a:r>
+            <a:r>
+              <a:rPr lang="en-US" altLang="zh-TW" dirty="0"/>
+              <a:t>cross-chain bridges</a:t>
+            </a:r>
+            <a:r>
+              <a:rPr lang="zh-TW" altLang="en-US" dirty="0"/>
+              <a:t>）」</a:t>
+            </a:r>
           </a:p>
         </p:txBody>
       </p:sp>
@@ -769,7 +835,259 @@
           <a:p>
             <a:fld id="{A8B1DB68-DA2F-485E-BF37-2158D2F609CB}" type="slidenum">
               <a:rPr lang="zh-TW" altLang="en-US" smtClean="0"/>
+              <a:t>4</a:t>
+            </a:fld>
+            <a:endParaRPr lang="zh-TW" altLang="en-US"/>
+          </a:p>
+        </p:txBody>
+      </p:sp>
+    </p:spTree>
+    <p:extLst>
+      <p:ext uri="{BB962C8B-B14F-4D97-AF65-F5344CB8AC3E}">
+        <p14:creationId xmlns:p14="http://schemas.microsoft.com/office/powerpoint/2010/main" val="1654416018"/>
+      </p:ext>
+    </p:extLst>
+  </p:cSld>
+  <p:clrMapOvr>
+    <a:masterClrMapping/>
+  </p:clrMapOvr>
+</p:notes>
+</file>
+
+<file path=ppt/notesSlides/notesSlide2.xml><?xml version="1.0" encoding="utf-8"?>
+<p:notes xmlns:a="http://schemas.openxmlformats.org/drawingml/2006/main" xmlns:r="http://schemas.openxmlformats.org/officeDocument/2006/relationships" xmlns:p="http://schemas.openxmlformats.org/presentationml/2006/main">
+  <p:cSld>
+    <p:spTree>
+      <p:nvGrpSpPr>
+        <p:cNvPr id="1" name=""/>
+        <p:cNvGrpSpPr/>
+        <p:nvPr/>
+      </p:nvGrpSpPr>
+      <p:grpSpPr>
+        <a:xfrm>
+          <a:off x="0" y="0"/>
+          <a:ext cx="0" cy="0"/>
+          <a:chOff x="0" y="0"/>
+          <a:chExt cx="0" cy="0"/>
+        </a:xfrm>
+      </p:grpSpPr>
+      <p:sp>
+        <p:nvSpPr>
+          <p:cNvPr id="2" name="投影片影像版面配置區 1"/>
+          <p:cNvSpPr>
+            <a:spLocks noGrp="1" noRot="1" noChangeAspect="1"/>
+          </p:cNvSpPr>
+          <p:nvPr>
+            <p:ph type="sldImg"/>
+          </p:nvPr>
+        </p:nvSpPr>
+        <p:spPr/>
+      </p:sp>
+      <p:sp>
+        <p:nvSpPr>
+          <p:cNvPr id="3" name="備忘稿版面配置區 2"/>
+          <p:cNvSpPr>
+            <a:spLocks noGrp="1"/>
+          </p:cNvSpPr>
+          <p:nvPr>
+            <p:ph type="body" idx="1"/>
+          </p:nvPr>
+        </p:nvSpPr>
+        <p:spPr/>
+        <p:txBody>
+          <a:bodyPr/>
+          <a:lstStyle/>
+          <a:p>
+            <a:endParaRPr lang="zh-TW" altLang="en-US" dirty="0"/>
+          </a:p>
+        </p:txBody>
+      </p:sp>
+      <p:sp>
+        <p:nvSpPr>
+          <p:cNvPr id="4" name="投影片編號版面配置區 3"/>
+          <p:cNvSpPr>
+            <a:spLocks noGrp="1"/>
+          </p:cNvSpPr>
+          <p:nvPr>
+            <p:ph type="sldNum" sz="quarter" idx="5"/>
+          </p:nvPr>
+        </p:nvSpPr>
+        <p:spPr/>
+        <p:txBody>
+          <a:bodyPr/>
+          <a:lstStyle/>
+          <a:p>
+            <a:fld id="{A8B1DB68-DA2F-485E-BF37-2158D2F609CB}" type="slidenum">
+              <a:rPr lang="zh-TW" altLang="en-US" smtClean="0"/>
               <a:t>8</a:t>
+            </a:fld>
+            <a:endParaRPr lang="zh-TW" altLang="en-US"/>
+          </a:p>
+        </p:txBody>
+      </p:sp>
+    </p:spTree>
+    <p:extLst>
+      <p:ext uri="{BB962C8B-B14F-4D97-AF65-F5344CB8AC3E}">
+        <p14:creationId xmlns:p14="http://schemas.microsoft.com/office/powerpoint/2010/main" val="2839720579"/>
+      </p:ext>
+    </p:extLst>
+  </p:cSld>
+  <p:clrMapOvr>
+    <a:masterClrMapping/>
+  </p:clrMapOvr>
+</p:notes>
+</file>
+
+<file path=ppt/notesSlides/notesSlide3.xml><?xml version="1.0" encoding="utf-8"?>
+<p:notes xmlns:a="http://schemas.openxmlformats.org/drawingml/2006/main" xmlns:r="http://schemas.openxmlformats.org/officeDocument/2006/relationships" xmlns:p="http://schemas.openxmlformats.org/presentationml/2006/main">
+  <p:cSld>
+    <p:spTree>
+      <p:nvGrpSpPr>
+        <p:cNvPr id="1" name=""/>
+        <p:cNvGrpSpPr/>
+        <p:nvPr/>
+      </p:nvGrpSpPr>
+      <p:grpSpPr>
+        <a:xfrm>
+          <a:off x="0" y="0"/>
+          <a:ext cx="0" cy="0"/>
+          <a:chOff x="0" y="0"/>
+          <a:chExt cx="0" cy="0"/>
+        </a:xfrm>
+      </p:grpSpPr>
+      <p:sp>
+        <p:nvSpPr>
+          <p:cNvPr id="2" name="投影片影像版面配置區 1"/>
+          <p:cNvSpPr>
+            <a:spLocks noGrp="1" noRot="1" noChangeAspect="1"/>
+          </p:cNvSpPr>
+          <p:nvPr>
+            <p:ph type="sldImg"/>
+          </p:nvPr>
+        </p:nvSpPr>
+        <p:spPr/>
+      </p:sp>
+      <p:sp>
+        <p:nvSpPr>
+          <p:cNvPr id="3" name="備忘稿版面配置區 2"/>
+          <p:cNvSpPr>
+            <a:spLocks noGrp="1"/>
+          </p:cNvSpPr>
+          <p:nvPr>
+            <p:ph type="body" idx="1"/>
+          </p:nvPr>
+        </p:nvSpPr>
+        <p:spPr/>
+        <p:txBody>
+          <a:bodyPr/>
+          <a:lstStyle/>
+          <a:p>
+            <a:endParaRPr lang="zh-TW" altLang="en-US" dirty="0"/>
+          </a:p>
+        </p:txBody>
+      </p:sp>
+      <p:sp>
+        <p:nvSpPr>
+          <p:cNvPr id="4" name="投影片編號版面配置區 3"/>
+          <p:cNvSpPr>
+            <a:spLocks noGrp="1"/>
+          </p:cNvSpPr>
+          <p:nvPr>
+            <p:ph type="sldNum" sz="quarter" idx="5"/>
+          </p:nvPr>
+        </p:nvSpPr>
+        <p:spPr/>
+        <p:txBody>
+          <a:bodyPr/>
+          <a:lstStyle/>
+          <a:p>
+            <a:fld id="{A8B1DB68-DA2F-485E-BF37-2158D2F609CB}" type="slidenum">
+              <a:rPr lang="zh-TW" altLang="en-US" smtClean="0"/>
+              <a:t>9</a:t>
+            </a:fld>
+            <a:endParaRPr lang="zh-TW" altLang="en-US"/>
+          </a:p>
+        </p:txBody>
+      </p:sp>
+    </p:spTree>
+    <p:extLst>
+      <p:ext uri="{BB962C8B-B14F-4D97-AF65-F5344CB8AC3E}">
+        <p14:creationId xmlns:p14="http://schemas.microsoft.com/office/powerpoint/2010/main" val="2935360855"/>
+      </p:ext>
+    </p:extLst>
+  </p:cSld>
+  <p:clrMapOvr>
+    <a:masterClrMapping/>
+  </p:clrMapOvr>
+</p:notes>
+</file>
+
+<file path=ppt/notesSlides/notesSlide4.xml><?xml version="1.0" encoding="utf-8"?>
+<p:notes xmlns:a="http://schemas.openxmlformats.org/drawingml/2006/main" xmlns:r="http://schemas.openxmlformats.org/officeDocument/2006/relationships" xmlns:p="http://schemas.openxmlformats.org/presentationml/2006/main">
+  <p:cSld>
+    <p:spTree>
+      <p:nvGrpSpPr>
+        <p:cNvPr id="1" name=""/>
+        <p:cNvGrpSpPr/>
+        <p:nvPr/>
+      </p:nvGrpSpPr>
+      <p:grpSpPr>
+        <a:xfrm>
+          <a:off x="0" y="0"/>
+          <a:ext cx="0" cy="0"/>
+          <a:chOff x="0" y="0"/>
+          <a:chExt cx="0" cy="0"/>
+        </a:xfrm>
+      </p:grpSpPr>
+      <p:sp>
+        <p:nvSpPr>
+          <p:cNvPr id="2" name="投影片影像版面配置區 1"/>
+          <p:cNvSpPr>
+            <a:spLocks noGrp="1" noRot="1" noChangeAspect="1"/>
+          </p:cNvSpPr>
+          <p:nvPr>
+            <p:ph type="sldImg"/>
+          </p:nvPr>
+        </p:nvSpPr>
+        <p:spPr/>
+      </p:sp>
+      <p:sp>
+        <p:nvSpPr>
+          <p:cNvPr id="3" name="備忘稿版面配置區 2"/>
+          <p:cNvSpPr>
+            <a:spLocks noGrp="1"/>
+          </p:cNvSpPr>
+          <p:nvPr>
+            <p:ph type="body" idx="1"/>
+          </p:nvPr>
+        </p:nvSpPr>
+        <p:spPr/>
+        <p:txBody>
+          <a:bodyPr/>
+          <a:lstStyle/>
+          <a:p>
+            <a:endParaRPr lang="zh-TW" altLang="en-US" dirty="0"/>
+          </a:p>
+        </p:txBody>
+      </p:sp>
+      <p:sp>
+        <p:nvSpPr>
+          <p:cNvPr id="4" name="投影片編號版面配置區 3"/>
+          <p:cNvSpPr>
+            <a:spLocks noGrp="1"/>
+          </p:cNvSpPr>
+          <p:nvPr>
+            <p:ph type="sldNum" sz="quarter" idx="5"/>
+          </p:nvPr>
+        </p:nvSpPr>
+        <p:spPr/>
+        <p:txBody>
+          <a:bodyPr/>
+          <a:lstStyle/>
+          <a:p>
+            <a:fld id="{A8B1DB68-DA2F-485E-BF37-2158D2F609CB}" type="slidenum">
+              <a:rPr lang="zh-TW" altLang="en-US" smtClean="0"/>
+              <a:t>12</a:t>
             </a:fld>
             <a:endParaRPr lang="zh-TW" altLang="en-US"/>
           </a:p>
@@ -951,7 +1269,7 @@
           <a:p>
             <a:fld id="{9DFC1498-B339-4F99-847D-6F2E95EA39AF}" type="datetime1">
               <a:rPr lang="en-US" altLang="zh-TW" smtClean="0"/>
-              <a:t>6/17/2025</a:t>
+              <a:t>6/18/2025</a:t>
             </a:fld>
             <a:endParaRPr lang="en-US" dirty="0"/>
           </a:p>
@@ -1122,7 +1440,7 @@
           <a:p>
             <a:fld id="{0CA43BD4-02C5-47FD-A756-A9121D6A0B71}" type="datetime1">
               <a:rPr lang="en-US" altLang="zh-TW" smtClean="0"/>
-              <a:t>6/17/2025</a:t>
+              <a:t>6/18/2025</a:t>
             </a:fld>
             <a:endParaRPr lang="en-US" dirty="0"/>
           </a:p>
@@ -1302,7 +1620,7 @@
           <a:p>
             <a:fld id="{09030791-49CD-47C3-B8C9-1544CE755BD9}" type="datetime1">
               <a:rPr lang="en-US" altLang="zh-TW" smtClean="0"/>
-              <a:t>6/17/2025</a:t>
+              <a:t>6/18/2025</a:t>
             </a:fld>
             <a:endParaRPr lang="en-US" dirty="0"/>
           </a:p>
@@ -1435,7 +1753,7 @@
           </a:xfrm>
         </p:spPr>
         <p:txBody>
-          <a:bodyPr/>
+          <a:bodyPr anchor="ctr"/>
           <a:lstStyle>
             <a:lvl1pPr>
               <a:defRPr sz="2400">
@@ -1528,7 +1846,7 @@
           <a:p>
             <a:fld id="{C091C529-580C-4261-AC72-415FCA30A7ED}" type="datetime1">
               <a:rPr lang="en-US" altLang="zh-TW" smtClean="0"/>
-              <a:t>6/17/2025</a:t>
+              <a:t>6/18/2025</a:t>
             </a:fld>
             <a:endParaRPr lang="en-US" dirty="0"/>
           </a:p>
@@ -1796,7 +2114,7 @@
           <a:p>
             <a:fld id="{C4DBCBAE-7E4B-4FDE-A806-547B92C69CC5}" type="datetime1">
               <a:rPr lang="en-US" altLang="zh-TW" smtClean="0"/>
-              <a:t>6/17/2025</a:t>
+              <a:t>6/18/2025</a:t>
             </a:fld>
             <a:endParaRPr lang="en-US" dirty="0"/>
           </a:p>
@@ -2029,7 +2347,7 @@
           <a:p>
             <a:fld id="{80EDBA7D-9675-4A79-B47A-6598BDAC5107}" type="datetime1">
               <a:rPr lang="en-US" altLang="zh-TW" smtClean="0"/>
-              <a:t>6/17/2025</a:t>
+              <a:t>6/18/2025</a:t>
             </a:fld>
             <a:endParaRPr lang="en-US" dirty="0"/>
           </a:p>
@@ -2388,7 +2706,7 @@
           <a:p>
             <a:fld id="{14A036D4-1B90-4C8A-9F01-CF52CD636A80}" type="datetime1">
               <a:rPr lang="en-US" altLang="zh-TW" smtClean="0"/>
-              <a:t>6/17/2025</a:t>
+              <a:t>6/18/2025</a:t>
             </a:fld>
             <a:endParaRPr lang="en-US" dirty="0"/>
           </a:p>
@@ -2530,7 +2848,7 @@
           <a:p>
             <a:fld id="{D58272C3-4F97-4184-9D7B-411DDAED9C5E}" type="datetime1">
               <a:rPr lang="en-US" altLang="zh-TW" smtClean="0"/>
-              <a:t>6/17/2025</a:t>
+              <a:t>6/18/2025</a:t>
             </a:fld>
             <a:endParaRPr lang="en-US" dirty="0"/>
           </a:p>
@@ -2625,7 +2943,7 @@
           <a:p>
             <a:fld id="{C86B68CC-4590-4DC8-ADD5-E515E908BDA3}" type="datetime1">
               <a:rPr lang="en-US" altLang="zh-TW" smtClean="0"/>
-              <a:t>6/17/2025</a:t>
+              <a:t>6/18/2025</a:t>
             </a:fld>
             <a:endParaRPr lang="en-US" dirty="0"/>
           </a:p>
@@ -2982,7 +3300,7 @@
           <a:p>
             <a:fld id="{3609F672-AB26-4523-9114-767A829D4D2C}" type="datetime1">
               <a:rPr lang="en-US" altLang="zh-TW" smtClean="0"/>
-              <a:t>6/17/2025</a:t>
+              <a:t>6/18/2025</a:t>
             </a:fld>
             <a:endParaRPr lang="en-US" dirty="0"/>
           </a:p>
@@ -3340,7 +3658,7 @@
           <a:p>
             <a:fld id="{C9C5FB4F-35F6-4158-9ACB-242C0D5DBB0E}" type="datetime1">
               <a:rPr lang="en-US" altLang="zh-TW" smtClean="0"/>
-              <a:t>6/17/2025</a:t>
+              <a:t>6/18/2025</a:t>
             </a:fld>
             <a:endParaRPr lang="en-US" dirty="0"/>
           </a:p>
@@ -3579,7 +3897,7 @@
           <a:p>
             <a:fld id="{E31641C9-B83C-4E03-A33C-63CEF0F8E593}" type="datetime1">
               <a:rPr lang="en-US" altLang="zh-TW" smtClean="0"/>
-              <a:t>6/17/2025</a:t>
+              <a:t>6/18/2025</a:t>
             </a:fld>
             <a:endParaRPr lang="en-US" dirty="0"/>
           </a:p>
@@ -4736,7 +5054,7 @@
           <p:cNvPr id="2" name="標題 1">
             <a:extLst>
               <a:ext uri="{FF2B5EF4-FFF2-40B4-BE49-F238E27FC236}">
-                <a16:creationId xmlns:a16="http://schemas.microsoft.com/office/drawing/2014/main" id="{C7E843D0-356E-4ADE-A166-FF0CAD8A696E}"/>
+                <a16:creationId xmlns:a16="http://schemas.microsoft.com/office/drawing/2014/main" id="{28844C0C-FB90-477D-963C-5152E05F424F}"/>
               </a:ext>
             </a:extLst>
           </p:cNvPr>
@@ -4749,114 +5067,23 @@
         </p:nvSpPr>
         <p:spPr/>
         <p:txBody>
-          <a:bodyPr>
-            <a:normAutofit/>
-          </a:bodyPr>
+          <a:bodyPr/>
           <a:lstStyle/>
           <a:p>
-            <a:pPr algn="l"/>
-            <a:r>
-              <a:rPr lang="en-US" altLang="zh-TW" sz="4000" b="1" dirty="0"/>
-              <a:t>Outline</a:t>
-            </a:r>
-            <a:endParaRPr lang="zh-TW" altLang="en-US" sz="4000" b="1" dirty="0"/>
+            <a:r>
+              <a:rPr lang="en-US" altLang="zh-TW" dirty="0"/>
+              <a:t>System Model</a:t>
+            </a:r>
+            <a:endParaRPr lang="zh-TW" altLang="en-US" dirty="0"/>
           </a:p>
         </p:txBody>
       </p:sp>
       <p:sp>
         <p:nvSpPr>
-          <p:cNvPr id="3" name="內容版面配置區 2">
+          <p:cNvPr id="4" name="投影片編號版面配置區 3">
             <a:extLst>
               <a:ext uri="{FF2B5EF4-FFF2-40B4-BE49-F238E27FC236}">
-                <a16:creationId xmlns:a16="http://schemas.microsoft.com/office/drawing/2014/main" id="{75121BD4-30C7-4F3C-AD2C-6553106AF8D9}"/>
-              </a:ext>
-            </a:extLst>
-          </p:cNvPr>
-          <p:cNvSpPr>
-            <a:spLocks noGrp="1"/>
-          </p:cNvSpPr>
-          <p:nvPr>
-            <p:ph idx="1"/>
-          </p:nvPr>
-        </p:nvSpPr>
-        <p:spPr/>
-        <p:txBody>
-          <a:bodyPr anchor="ctr">
-            <a:normAutofit/>
-          </a:bodyPr>
-          <a:lstStyle/>
-          <a:p>
-            <a:r>
-              <a:rPr lang="en-US" altLang="zh-TW" sz="2800" dirty="0">
-                <a:solidFill>
-                  <a:schemeClr val="bg1">
-                    <a:lumMod val="65000"/>
-                  </a:schemeClr>
-                </a:solidFill>
-              </a:rPr>
-              <a:t>Motivation</a:t>
-            </a:r>
-          </a:p>
-          <a:p>
-            <a:r>
-              <a:rPr lang="en-US" altLang="zh-TW" sz="2800" dirty="0">
-                <a:solidFill>
-                  <a:schemeClr val="bg1">
-                    <a:lumMod val="65000"/>
-                  </a:schemeClr>
-                </a:solidFill>
-              </a:rPr>
-              <a:t>System Model</a:t>
-            </a:r>
-          </a:p>
-          <a:p>
-            <a:r>
-              <a:rPr lang="en-US" altLang="zh-TW" sz="2800" dirty="0">
-                <a:solidFill>
-                  <a:schemeClr val="bg1">
-                    <a:lumMod val="65000"/>
-                  </a:schemeClr>
-                </a:solidFill>
-              </a:rPr>
-              <a:t>Analytical Model</a:t>
-            </a:r>
-          </a:p>
-          <a:p>
-            <a:r>
-              <a:rPr lang="en-US" altLang="zh-TW" sz="2800" dirty="0">
-                <a:solidFill>
-                  <a:schemeClr val="bg1">
-                    <a:lumMod val="65000"/>
-                  </a:schemeClr>
-                </a:solidFill>
-              </a:rPr>
-              <a:t>Numerical Results</a:t>
-            </a:r>
-          </a:p>
-          <a:p>
-            <a:r>
-              <a:rPr lang="en-US" altLang="zh-TW" sz="2800" dirty="0">
-                <a:latin typeface="Times New Roman" panose="02020603050405020304" pitchFamily="18" charset="0"/>
-                <a:cs typeface="Times New Roman" panose="02020603050405020304" pitchFamily="18" charset="0"/>
-              </a:rPr>
-              <a:t>Conclusions and Future Works</a:t>
-            </a:r>
-            <a:endParaRPr lang="zh-TW" altLang="zh-TW" sz="2800" dirty="0">
-              <a:latin typeface="Times New Roman" panose="02020603050405020304" pitchFamily="18" charset="0"/>
-              <a:cs typeface="Times New Roman" panose="02020603050405020304" pitchFamily="18" charset="0"/>
-            </a:endParaRPr>
-          </a:p>
-          <a:p>
-            <a:endParaRPr lang="zh-TW" altLang="en-US" sz="2800" dirty="0"/>
-          </a:p>
-        </p:txBody>
-      </p:sp>
-      <p:sp>
-        <p:nvSpPr>
-          <p:cNvPr id="5" name="投影片編號版面配置區 4">
-            <a:extLst>
-              <a:ext uri="{FF2B5EF4-FFF2-40B4-BE49-F238E27FC236}">
-                <a16:creationId xmlns:a16="http://schemas.microsoft.com/office/drawing/2014/main" id="{121747F0-CA9D-42D0-80A7-BAA33AA29E7A}"/>
+                <a16:creationId xmlns:a16="http://schemas.microsoft.com/office/drawing/2014/main" id="{95050E97-45E4-470E-8911-16F8B3D7F0C2}"/>
               </a:ext>
             </a:extLst>
           </p:cNvPr>
@@ -4880,193 +5107,1956 @@
           </a:p>
         </p:txBody>
       </p:sp>
+      <p:pic>
+        <p:nvPicPr>
+          <p:cNvPr id="14" name="圖片 13">
+            <a:extLst>
+              <a:ext uri="{FF2B5EF4-FFF2-40B4-BE49-F238E27FC236}">
+                <a16:creationId xmlns:a16="http://schemas.microsoft.com/office/drawing/2014/main" id="{D6A48A7B-D1AB-4B2F-9380-9963D71B6C13}"/>
+              </a:ext>
+            </a:extLst>
+          </p:cNvPr>
+          <p:cNvPicPr>
+            <a:picLocks noChangeAspect="1"/>
+          </p:cNvPicPr>
+          <p:nvPr/>
+        </p:nvPicPr>
+        <p:blipFill>
+          <a:blip r:embed="rId2"/>
+          <a:srcRect/>
+          <a:stretch/>
+        </p:blipFill>
+        <p:spPr>
+          <a:xfrm>
+            <a:off x="1263545" y="2296899"/>
+            <a:ext cx="9664910" cy="2307020"/>
+          </a:xfrm>
+          <a:prstGeom prst="rect">
+            <a:avLst/>
+          </a:prstGeom>
+        </p:spPr>
+      </p:pic>
+      <p:sp>
+        <p:nvSpPr>
+          <p:cNvPr id="27" name="矩形: 圓角 26">
+            <a:extLst>
+              <a:ext uri="{FF2B5EF4-FFF2-40B4-BE49-F238E27FC236}">
+                <a16:creationId xmlns:a16="http://schemas.microsoft.com/office/drawing/2014/main" id="{C2A557E9-B472-42BE-B9A1-108345756D03}"/>
+              </a:ext>
+            </a:extLst>
+          </p:cNvPr>
+          <p:cNvSpPr/>
+          <p:nvPr/>
+        </p:nvSpPr>
+        <p:spPr>
+          <a:xfrm>
+            <a:off x="4716517" y="2910246"/>
+            <a:ext cx="383627" cy="872358"/>
+          </a:xfrm>
+          <a:prstGeom prst="roundRect">
+            <a:avLst/>
+          </a:prstGeom>
+        </p:spPr>
+        <p:style>
+          <a:lnRef idx="1">
+            <a:schemeClr val="accent2"/>
+          </a:lnRef>
+          <a:fillRef idx="2">
+            <a:schemeClr val="accent2"/>
+          </a:fillRef>
+          <a:effectRef idx="1">
+            <a:schemeClr val="accent2"/>
+          </a:effectRef>
+          <a:fontRef idx="minor">
+            <a:schemeClr val="dk1"/>
+          </a:fontRef>
+        </p:style>
+        <p:txBody>
+          <a:bodyPr rtlCol="0" anchor="ctr"/>
+          <a:lstStyle/>
+          <a:p>
+            <a:pPr algn="ctr"/>
+            <a:r>
+              <a:rPr lang="en-US" altLang="zh-TW" dirty="0"/>
+              <a:t>1</a:t>
+            </a:r>
+            <a:endParaRPr lang="zh-TW" altLang="en-US" dirty="0"/>
+          </a:p>
+        </p:txBody>
+      </p:sp>
+      <p:sp>
+        <p:nvSpPr>
+          <p:cNvPr id="28" name="矩形: 圓角 27">
+            <a:extLst>
+              <a:ext uri="{FF2B5EF4-FFF2-40B4-BE49-F238E27FC236}">
+                <a16:creationId xmlns:a16="http://schemas.microsoft.com/office/drawing/2014/main" id="{088A1DAE-2AC7-450B-AE48-FCFAAAFB0018}"/>
+              </a:ext>
+            </a:extLst>
+          </p:cNvPr>
+          <p:cNvSpPr/>
+          <p:nvPr/>
+        </p:nvSpPr>
+        <p:spPr>
+          <a:xfrm>
+            <a:off x="4201187" y="2910246"/>
+            <a:ext cx="383627" cy="872358"/>
+          </a:xfrm>
+          <a:prstGeom prst="roundRect">
+            <a:avLst/>
+          </a:prstGeom>
+        </p:spPr>
+        <p:style>
+          <a:lnRef idx="1">
+            <a:schemeClr val="accent2"/>
+          </a:lnRef>
+          <a:fillRef idx="2">
+            <a:schemeClr val="accent2"/>
+          </a:fillRef>
+          <a:effectRef idx="1">
+            <a:schemeClr val="accent2"/>
+          </a:effectRef>
+          <a:fontRef idx="minor">
+            <a:schemeClr val="dk1"/>
+          </a:fontRef>
+        </p:style>
+        <p:txBody>
+          <a:bodyPr rtlCol="0" anchor="ctr"/>
+          <a:lstStyle/>
+          <a:p>
+            <a:pPr algn="ctr"/>
+            <a:r>
+              <a:rPr lang="en-US" altLang="zh-TW" dirty="0"/>
+              <a:t>2</a:t>
+            </a:r>
+            <a:endParaRPr lang="zh-TW" altLang="en-US" dirty="0"/>
+          </a:p>
+        </p:txBody>
+      </p:sp>
+      <p:sp>
+        <p:nvSpPr>
+          <p:cNvPr id="30" name="橢圓 29">
+            <a:extLst>
+              <a:ext uri="{FF2B5EF4-FFF2-40B4-BE49-F238E27FC236}">
+                <a16:creationId xmlns:a16="http://schemas.microsoft.com/office/drawing/2014/main" id="{29A4476B-1E9A-438B-8ABF-56FF93E1F9C3}"/>
+              </a:ext>
+            </a:extLst>
+          </p:cNvPr>
+          <p:cNvSpPr/>
+          <p:nvPr/>
+        </p:nvSpPr>
+        <p:spPr>
+          <a:xfrm>
+            <a:off x="7295816" y="2910246"/>
+            <a:ext cx="1436966" cy="872358"/>
+          </a:xfrm>
+          <a:prstGeom prst="ellipse">
+            <a:avLst/>
+          </a:prstGeom>
+        </p:spPr>
+        <p:style>
+          <a:lnRef idx="1">
+            <a:schemeClr val="accent2"/>
+          </a:lnRef>
+          <a:fillRef idx="2">
+            <a:schemeClr val="accent2"/>
+          </a:fillRef>
+          <a:effectRef idx="1">
+            <a:schemeClr val="accent2"/>
+          </a:effectRef>
+          <a:fontRef idx="minor">
+            <a:schemeClr val="dk1"/>
+          </a:fontRef>
+        </p:style>
+        <p:txBody>
+          <a:bodyPr rtlCol="0" anchor="ctr"/>
+          <a:lstStyle/>
+          <a:p>
+            <a:pPr algn="ctr"/>
+            <a:r>
+              <a:rPr lang="en-US" altLang="zh-TW" dirty="0"/>
+              <a:t>block</a:t>
+            </a:r>
+            <a:endParaRPr lang="zh-TW" altLang="en-US" dirty="0"/>
+          </a:p>
+        </p:txBody>
+      </p:sp>
+      <p:sp>
+        <p:nvSpPr>
+          <p:cNvPr id="15" name="橢圓 14">
+            <a:extLst>
+              <a:ext uri="{FF2B5EF4-FFF2-40B4-BE49-F238E27FC236}">
+                <a16:creationId xmlns:a16="http://schemas.microsoft.com/office/drawing/2014/main" id="{EDC83DB4-2A92-4A92-B9A8-048BACCAD3E6}"/>
+              </a:ext>
+            </a:extLst>
+          </p:cNvPr>
+          <p:cNvSpPr/>
+          <p:nvPr/>
+        </p:nvSpPr>
+        <p:spPr>
+          <a:xfrm>
+            <a:off x="7299100" y="2910246"/>
+            <a:ext cx="1436966" cy="872358"/>
+          </a:xfrm>
+          <a:prstGeom prst="ellipse">
+            <a:avLst/>
+          </a:prstGeom>
+        </p:spPr>
+        <p:style>
+          <a:lnRef idx="1">
+            <a:schemeClr val="accent2"/>
+          </a:lnRef>
+          <a:fillRef idx="2">
+            <a:schemeClr val="accent2"/>
+          </a:fillRef>
+          <a:effectRef idx="1">
+            <a:schemeClr val="accent2"/>
+          </a:effectRef>
+          <a:fontRef idx="minor">
+            <a:schemeClr val="dk1"/>
+          </a:fontRef>
+        </p:style>
+        <p:txBody>
+          <a:bodyPr rtlCol="0" anchor="ctr"/>
+          <a:lstStyle/>
+          <a:p>
+            <a:pPr algn="ctr"/>
+            <a:r>
+              <a:rPr lang="en-US" altLang="zh-TW" dirty="0"/>
+              <a:t>LP block</a:t>
+            </a:r>
+            <a:endParaRPr lang="zh-TW" altLang="en-US" dirty="0"/>
+          </a:p>
+        </p:txBody>
+      </p:sp>
+      <p:sp>
+        <p:nvSpPr>
+          <p:cNvPr id="18" name="矩形: 圓角 17">
+            <a:extLst>
+              <a:ext uri="{FF2B5EF4-FFF2-40B4-BE49-F238E27FC236}">
+                <a16:creationId xmlns:a16="http://schemas.microsoft.com/office/drawing/2014/main" id="{FA154E58-5728-455F-9043-375FB18F9DF3}"/>
+              </a:ext>
+            </a:extLst>
+          </p:cNvPr>
+          <p:cNvSpPr/>
+          <p:nvPr/>
+        </p:nvSpPr>
+        <p:spPr>
+          <a:xfrm>
+            <a:off x="4716516" y="2899737"/>
+            <a:ext cx="383627" cy="872358"/>
+          </a:xfrm>
+          <a:prstGeom prst="roundRect">
+            <a:avLst/>
+          </a:prstGeom>
+        </p:spPr>
+        <p:style>
+          <a:lnRef idx="1">
+            <a:schemeClr val="accent3"/>
+          </a:lnRef>
+          <a:fillRef idx="2">
+            <a:schemeClr val="accent3"/>
+          </a:fillRef>
+          <a:effectRef idx="1">
+            <a:schemeClr val="accent3"/>
+          </a:effectRef>
+          <a:fontRef idx="minor">
+            <a:schemeClr val="dk1"/>
+          </a:fontRef>
+        </p:style>
+        <p:txBody>
+          <a:bodyPr rtlCol="0" anchor="ctr"/>
+          <a:lstStyle/>
+          <a:p>
+            <a:pPr algn="ctr"/>
+            <a:r>
+              <a:rPr lang="en-US" altLang="zh-TW" dirty="0"/>
+              <a:t>H</a:t>
+            </a:r>
+            <a:endParaRPr lang="zh-TW" altLang="en-US" dirty="0"/>
+          </a:p>
+        </p:txBody>
+      </p:sp>
+      <p:sp>
+        <p:nvSpPr>
+          <p:cNvPr id="19" name="矩形: 圓角 18">
+            <a:extLst>
+              <a:ext uri="{FF2B5EF4-FFF2-40B4-BE49-F238E27FC236}">
+                <a16:creationId xmlns:a16="http://schemas.microsoft.com/office/drawing/2014/main" id="{E8B2A71B-9A8B-498D-8C0D-3F332C7709AA}"/>
+              </a:ext>
+            </a:extLst>
+          </p:cNvPr>
+          <p:cNvSpPr/>
+          <p:nvPr/>
+        </p:nvSpPr>
+        <p:spPr>
+          <a:xfrm>
+            <a:off x="4184269" y="2899737"/>
+            <a:ext cx="383627" cy="872358"/>
+          </a:xfrm>
+          <a:prstGeom prst="roundRect">
+            <a:avLst/>
+          </a:prstGeom>
+        </p:spPr>
+        <p:style>
+          <a:lnRef idx="1">
+            <a:schemeClr val="accent2"/>
+          </a:lnRef>
+          <a:fillRef idx="2">
+            <a:schemeClr val="accent2"/>
+          </a:fillRef>
+          <a:effectRef idx="1">
+            <a:schemeClr val="accent2"/>
+          </a:effectRef>
+          <a:fontRef idx="minor">
+            <a:schemeClr val="dk1"/>
+          </a:fontRef>
+        </p:style>
+        <p:txBody>
+          <a:bodyPr rtlCol="0" anchor="ctr"/>
+          <a:lstStyle/>
+          <a:p>
+            <a:pPr algn="ctr"/>
+            <a:r>
+              <a:rPr lang="en-US" altLang="zh-TW" dirty="0"/>
+              <a:t>L</a:t>
+            </a:r>
+            <a:endParaRPr lang="zh-TW" altLang="en-US" dirty="0"/>
+          </a:p>
+        </p:txBody>
+      </p:sp>
+      <p:sp>
+        <p:nvSpPr>
+          <p:cNvPr id="20" name="矩形: 圓角 19">
+            <a:extLst>
+              <a:ext uri="{FF2B5EF4-FFF2-40B4-BE49-F238E27FC236}">
+                <a16:creationId xmlns:a16="http://schemas.microsoft.com/office/drawing/2014/main" id="{AF29F947-731F-4CB0-87D8-11FF90A6AAF0}"/>
+              </a:ext>
+            </a:extLst>
+          </p:cNvPr>
+          <p:cNvSpPr/>
+          <p:nvPr/>
+        </p:nvSpPr>
+        <p:spPr>
+          <a:xfrm>
+            <a:off x="1425465" y="2899737"/>
+            <a:ext cx="383627" cy="872358"/>
+          </a:xfrm>
+          <a:prstGeom prst="roundRect">
+            <a:avLst/>
+          </a:prstGeom>
+        </p:spPr>
+        <p:style>
+          <a:lnRef idx="1">
+            <a:schemeClr val="accent3"/>
+          </a:lnRef>
+          <a:fillRef idx="2">
+            <a:schemeClr val="accent3"/>
+          </a:fillRef>
+          <a:effectRef idx="1">
+            <a:schemeClr val="accent3"/>
+          </a:effectRef>
+          <a:fontRef idx="minor">
+            <a:schemeClr val="dk1"/>
+          </a:fontRef>
+        </p:style>
+        <p:txBody>
+          <a:bodyPr rtlCol="0" anchor="ctr"/>
+          <a:lstStyle/>
+          <a:p>
+            <a:pPr algn="ctr"/>
+            <a:r>
+              <a:rPr lang="en-US" altLang="zh-TW" dirty="0"/>
+              <a:t>H</a:t>
+            </a:r>
+            <a:endParaRPr lang="zh-TW" altLang="en-US" dirty="0"/>
+          </a:p>
+        </p:txBody>
+      </p:sp>
+      <p:sp>
+        <p:nvSpPr>
+          <p:cNvPr id="21" name="箭號: 弧形下彎 20">
+            <a:extLst>
+              <a:ext uri="{FF2B5EF4-FFF2-40B4-BE49-F238E27FC236}">
+                <a16:creationId xmlns:a16="http://schemas.microsoft.com/office/drawing/2014/main" id="{938A5345-4394-4DB2-93EF-B0622FB291DA}"/>
+              </a:ext>
+            </a:extLst>
+          </p:cNvPr>
+          <p:cNvSpPr/>
+          <p:nvPr/>
+        </p:nvSpPr>
+        <p:spPr>
+          <a:xfrm>
+            <a:off x="1617279" y="2192461"/>
+            <a:ext cx="3174124" cy="633701"/>
+          </a:xfrm>
+          <a:prstGeom prst="curvedDownArrow">
+            <a:avLst>
+              <a:gd name="adj1" fmla="val 25000"/>
+              <a:gd name="adj2" fmla="val 50000"/>
+              <a:gd name="adj3" fmla="val 26659"/>
+            </a:avLst>
+          </a:prstGeom>
+        </p:spPr>
+        <p:style>
+          <a:lnRef idx="1">
+            <a:schemeClr val="accent6"/>
+          </a:lnRef>
+          <a:fillRef idx="2">
+            <a:schemeClr val="accent6"/>
+          </a:fillRef>
+          <a:effectRef idx="1">
+            <a:schemeClr val="accent6"/>
+          </a:effectRef>
+          <a:fontRef idx="minor">
+            <a:schemeClr val="dk1"/>
+          </a:fontRef>
+        </p:style>
+        <p:txBody>
+          <a:bodyPr rtlCol="0" anchor="ctr"/>
+          <a:lstStyle/>
+          <a:p>
+            <a:pPr algn="ctr"/>
+            <a:endParaRPr lang="zh-TW" altLang="en-US">
+              <a:solidFill>
+                <a:schemeClr val="tx1"/>
+              </a:solidFill>
+            </a:endParaRPr>
+          </a:p>
+        </p:txBody>
+      </p:sp>
+      <p:cxnSp>
+        <p:nvCxnSpPr>
+          <p:cNvPr id="38" name="直線單箭頭接點 37">
+            <a:extLst>
+              <a:ext uri="{FF2B5EF4-FFF2-40B4-BE49-F238E27FC236}">
+                <a16:creationId xmlns:a16="http://schemas.microsoft.com/office/drawing/2014/main" id="{E12FA797-49EA-402B-9473-F2CDDE5AE772}"/>
+              </a:ext>
+            </a:extLst>
+          </p:cNvPr>
+          <p:cNvCxnSpPr/>
+          <p:nvPr/>
+        </p:nvCxnSpPr>
+        <p:spPr>
+          <a:xfrm>
+            <a:off x="4908329" y="3909848"/>
+            <a:ext cx="0" cy="1156138"/>
+          </a:xfrm>
+          <a:prstGeom prst="straightConnector1">
+            <a:avLst/>
+          </a:prstGeom>
+          <a:ln>
+            <a:tailEnd type="triangle"/>
+          </a:ln>
+        </p:spPr>
+        <p:style>
+          <a:lnRef idx="3">
+            <a:schemeClr val="accent6"/>
+          </a:lnRef>
+          <a:fillRef idx="0">
+            <a:schemeClr val="accent6"/>
+          </a:fillRef>
+          <a:effectRef idx="2">
+            <a:schemeClr val="accent6"/>
+          </a:effectRef>
+          <a:fontRef idx="minor">
+            <a:schemeClr val="tx1"/>
+          </a:fontRef>
+        </p:style>
+      </p:cxnSp>
+      <mc:AlternateContent xmlns:mc="http://schemas.openxmlformats.org/markup-compatibility/2006">
+        <mc:Choice xmlns:a14="http://schemas.microsoft.com/office/drawing/2010/main" Requires="a14">
+          <p:sp>
+            <p:nvSpPr>
+              <p:cNvPr id="39" name="文字方塊 38">
+                <a:extLst>
+                  <a:ext uri="{FF2B5EF4-FFF2-40B4-BE49-F238E27FC236}">
+                    <a16:creationId xmlns:a16="http://schemas.microsoft.com/office/drawing/2014/main" id="{2EBC6EE2-3B2C-463A-81B9-22A2E08D1EFD}"/>
+                  </a:ext>
+                </a:extLst>
+              </p:cNvPr>
+              <p:cNvSpPr txBox="1"/>
+              <p:nvPr/>
+            </p:nvSpPr>
+            <p:spPr>
+              <a:xfrm>
+                <a:off x="4716516" y="5065986"/>
+                <a:ext cx="383625" cy="369332"/>
+              </a:xfrm>
+              <a:prstGeom prst="rect">
+                <a:avLst/>
+              </a:prstGeom>
+              <a:noFill/>
+            </p:spPr>
+            <p:txBody>
+              <a:bodyPr wrap="square" rtlCol="0">
+                <a:spAutoFit/>
+              </a:bodyPr>
+              <a:lstStyle/>
+              <a:p>
+                <a14:m>
+                  <m:oMathPara xmlns:m="http://schemas.openxmlformats.org/officeDocument/2006/math">
+                    <m:oMathParaPr>
+                      <m:jc m:val="centerGroup"/>
+                    </m:oMathParaPr>
+                    <m:oMath xmlns:m="http://schemas.openxmlformats.org/officeDocument/2006/math">
+                      <m:r>
+                        <a:rPr lang="en-US" altLang="zh-TW" b="0" i="1" smtClean="0">
+                          <a:latin typeface="Cambria Math" panose="02040503050406030204" pitchFamily="18" charset="0"/>
+                        </a:rPr>
+                        <m:t>𝛾</m:t>
+                      </m:r>
+                    </m:oMath>
+                  </m:oMathPara>
+                </a14:m>
+                <a:endParaRPr lang="zh-TW" altLang="en-US" dirty="0"/>
+              </a:p>
+            </p:txBody>
+          </p:sp>
+        </mc:Choice>
+        <mc:Fallback>
+          <p:sp>
+            <p:nvSpPr>
+              <p:cNvPr id="39" name="文字方塊 38">
+                <a:extLst>
+                  <a:ext uri="{FF2B5EF4-FFF2-40B4-BE49-F238E27FC236}">
+                    <a16:creationId xmlns:a16="http://schemas.microsoft.com/office/drawing/2014/main" id="{2EBC6EE2-3B2C-463A-81B9-22A2E08D1EFD}"/>
+                  </a:ext>
+                </a:extLst>
+              </p:cNvPr>
+              <p:cNvSpPr txBox="1">
+                <a:spLocks noRot="1" noChangeAspect="1" noMove="1" noResize="1" noEditPoints="1" noAdjustHandles="1" noChangeArrowheads="1" noChangeShapeType="1" noTextEdit="1"/>
+              </p:cNvSpPr>
+              <p:nvPr/>
+            </p:nvSpPr>
+            <p:spPr>
+              <a:xfrm>
+                <a:off x="4716516" y="5065986"/>
+                <a:ext cx="383625" cy="369332"/>
+              </a:xfrm>
+              <a:prstGeom prst="rect">
+                <a:avLst/>
+              </a:prstGeom>
+              <a:blipFill>
+                <a:blip r:embed="rId3"/>
+                <a:stretch>
+                  <a:fillRect b="-4918"/>
+                </a:stretch>
+              </a:blipFill>
+            </p:spPr>
+            <p:txBody>
+              <a:bodyPr/>
+              <a:lstStyle/>
+              <a:p>
+                <a:r>
+                  <a:rPr lang="zh-TW" altLang="en-US">
+                    <a:noFill/>
+                  </a:rPr>
+                  <a:t> </a:t>
+                </a:r>
+              </a:p>
+            </p:txBody>
+          </p:sp>
+        </mc:Fallback>
+      </mc:AlternateContent>
+      <p:sp>
+        <p:nvSpPr>
+          <p:cNvPr id="40" name="文字方塊 39">
+            <a:extLst>
+              <a:ext uri="{FF2B5EF4-FFF2-40B4-BE49-F238E27FC236}">
+                <a16:creationId xmlns:a16="http://schemas.microsoft.com/office/drawing/2014/main" id="{4256CAE9-B076-4A44-9998-3C6CCF48EB6E}"/>
+              </a:ext>
+            </a:extLst>
+          </p:cNvPr>
+          <p:cNvSpPr txBox="1"/>
+          <p:nvPr/>
+        </p:nvSpPr>
+        <p:spPr>
+          <a:xfrm>
+            <a:off x="850900" y="1487986"/>
+            <a:ext cx="1164101" cy="369332"/>
+          </a:xfrm>
+          <a:prstGeom prst="rect">
+            <a:avLst/>
+          </a:prstGeom>
+          <a:noFill/>
+        </p:spPr>
+        <p:txBody>
+          <a:bodyPr wrap="none" rtlCol="0">
+            <a:spAutoFit/>
+          </a:bodyPr>
+          <a:lstStyle/>
+          <a:p>
+            <a:r>
+              <a:rPr lang="en-US" altLang="zh-TW" dirty="0">
+                <a:latin typeface="Times New Roman" panose="02020603050405020304" pitchFamily="18" charset="0"/>
+                <a:cs typeface="Times New Roman" panose="02020603050405020304" pitchFamily="18" charset="0"/>
+              </a:rPr>
+              <a:t>Scenario 1</a:t>
+            </a:r>
+            <a:endParaRPr lang="zh-TW" altLang="en-US" dirty="0">
+              <a:latin typeface="Times New Roman" panose="02020603050405020304" pitchFamily="18" charset="0"/>
+              <a:cs typeface="Times New Roman" panose="02020603050405020304" pitchFamily="18" charset="0"/>
+            </a:endParaRPr>
+          </a:p>
+        </p:txBody>
+      </p:sp>
+      <p:sp>
+        <p:nvSpPr>
+          <p:cNvPr id="41" name="文字方塊 40">
+            <a:extLst>
+              <a:ext uri="{FF2B5EF4-FFF2-40B4-BE49-F238E27FC236}">
+                <a16:creationId xmlns:a16="http://schemas.microsoft.com/office/drawing/2014/main" id="{64B2FB3D-1FC9-48B3-B71F-E4C0D83FA381}"/>
+              </a:ext>
+            </a:extLst>
+          </p:cNvPr>
+          <p:cNvSpPr txBox="1"/>
+          <p:nvPr/>
+        </p:nvSpPr>
+        <p:spPr>
+          <a:xfrm>
+            <a:off x="848724" y="1486669"/>
+            <a:ext cx="1164101" cy="369332"/>
+          </a:xfrm>
+          <a:prstGeom prst="rect">
+            <a:avLst/>
+          </a:prstGeom>
+          <a:noFill/>
+        </p:spPr>
+        <p:txBody>
+          <a:bodyPr wrap="none" rtlCol="0">
+            <a:spAutoFit/>
+          </a:bodyPr>
+          <a:lstStyle/>
+          <a:p>
+            <a:r>
+              <a:rPr lang="en-US" altLang="zh-TW" dirty="0">
+                <a:latin typeface="Times New Roman" panose="02020603050405020304" pitchFamily="18" charset="0"/>
+                <a:cs typeface="Times New Roman" panose="02020603050405020304" pitchFamily="18" charset="0"/>
+              </a:rPr>
+              <a:t>Scenario 2</a:t>
+            </a:r>
+            <a:endParaRPr lang="zh-TW" altLang="en-US" dirty="0">
+              <a:latin typeface="Times New Roman" panose="02020603050405020304" pitchFamily="18" charset="0"/>
+              <a:cs typeface="Times New Roman" panose="02020603050405020304" pitchFamily="18" charset="0"/>
+            </a:endParaRPr>
+          </a:p>
+        </p:txBody>
+      </p:sp>
+      <p:sp>
+        <p:nvSpPr>
+          <p:cNvPr id="42" name="文字方塊 41">
+            <a:extLst>
+              <a:ext uri="{FF2B5EF4-FFF2-40B4-BE49-F238E27FC236}">
+                <a16:creationId xmlns:a16="http://schemas.microsoft.com/office/drawing/2014/main" id="{E336D54B-2ED9-41BD-85AA-331206990C0D}"/>
+              </a:ext>
+            </a:extLst>
+          </p:cNvPr>
+          <p:cNvSpPr txBox="1"/>
+          <p:nvPr/>
+        </p:nvSpPr>
+        <p:spPr>
+          <a:xfrm>
+            <a:off x="850098" y="1489985"/>
+            <a:ext cx="1165704" cy="369332"/>
+          </a:xfrm>
+          <a:prstGeom prst="rect">
+            <a:avLst/>
+          </a:prstGeom>
+          <a:noFill/>
+        </p:spPr>
+        <p:txBody>
+          <a:bodyPr wrap="none" rtlCol="0">
+            <a:spAutoFit/>
+          </a:bodyPr>
+          <a:lstStyle/>
+          <a:p>
+            <a:r>
+              <a:rPr lang="en-US" altLang="zh-TW" dirty="0">
+                <a:latin typeface="Times New Roman" panose="02020603050405020304" pitchFamily="18" charset="0"/>
+                <a:cs typeface="Times New Roman" panose="02020603050405020304" pitchFamily="18" charset="0"/>
+              </a:rPr>
+              <a:t>Scenario 3</a:t>
+            </a:r>
+            <a:endParaRPr lang="zh-TW" altLang="en-US" dirty="0">
+              <a:latin typeface="Times New Roman" panose="02020603050405020304" pitchFamily="18" charset="0"/>
+              <a:cs typeface="Times New Roman" panose="02020603050405020304" pitchFamily="18" charset="0"/>
+            </a:endParaRPr>
+          </a:p>
+        </p:txBody>
+      </p:sp>
+      <p:sp>
+        <p:nvSpPr>
+          <p:cNvPr id="43" name="文字方塊 42">
+            <a:extLst>
+              <a:ext uri="{FF2B5EF4-FFF2-40B4-BE49-F238E27FC236}">
+                <a16:creationId xmlns:a16="http://schemas.microsoft.com/office/drawing/2014/main" id="{B2642742-2B0F-4857-B44D-F24C09D01916}"/>
+              </a:ext>
+            </a:extLst>
+          </p:cNvPr>
+          <p:cNvSpPr txBox="1"/>
+          <p:nvPr/>
+        </p:nvSpPr>
+        <p:spPr>
+          <a:xfrm>
+            <a:off x="850098" y="1493301"/>
+            <a:ext cx="1165704" cy="369332"/>
+          </a:xfrm>
+          <a:prstGeom prst="rect">
+            <a:avLst/>
+          </a:prstGeom>
+          <a:noFill/>
+        </p:spPr>
+        <p:txBody>
+          <a:bodyPr wrap="none" rtlCol="0">
+            <a:spAutoFit/>
+          </a:bodyPr>
+          <a:lstStyle/>
+          <a:p>
+            <a:r>
+              <a:rPr lang="en-US" altLang="zh-TW" dirty="0">
+                <a:latin typeface="Times New Roman" panose="02020603050405020304" pitchFamily="18" charset="0"/>
+                <a:cs typeface="Times New Roman" panose="02020603050405020304" pitchFamily="18" charset="0"/>
+              </a:rPr>
+              <a:t>Scenario 4</a:t>
+            </a:r>
+          </a:p>
+        </p:txBody>
+      </p:sp>
     </p:spTree>
     <p:extLst>
       <p:ext uri="{BB962C8B-B14F-4D97-AF65-F5344CB8AC3E}">
-        <p14:creationId xmlns:p14="http://schemas.microsoft.com/office/powerpoint/2010/main" val="264090915"/>
+        <p14:creationId xmlns:p14="http://schemas.microsoft.com/office/powerpoint/2010/main" val="2296075878"/>
       </p:ext>
     </p:extLst>
   </p:cSld>
   <p:clrMapOvr>
     <a:masterClrMapping/>
   </p:clrMapOvr>
+  <p:timing>
+    <p:tnLst>
+      <p:par>
+        <p:cTn id="1" dur="indefinite" restart="never" nodeType="tmRoot">
+          <p:childTnLst>
+            <p:seq concurrent="1" nextAc="seek">
+              <p:cTn id="2" dur="indefinite" nodeType="mainSeq">
+                <p:childTnLst>
+                  <p:par>
+                    <p:cTn id="3" fill="hold">
+                      <p:stCondLst>
+                        <p:cond delay="indefinite"/>
+                      </p:stCondLst>
+                      <p:childTnLst>
+                        <p:par>
+                          <p:cTn id="4" fill="hold">
+                            <p:stCondLst>
+                              <p:cond delay="0"/>
+                            </p:stCondLst>
+                            <p:childTnLst>
+                              <p:par>
+                                <p:cTn id="5" presetID="1" presetClass="entr" presetSubtype="0" fill="hold" grpId="1" nodeType="clickEffect">
+                                  <p:stCondLst>
+                                    <p:cond delay="0"/>
+                                  </p:stCondLst>
+                                  <p:childTnLst>
+                                    <p:set>
+                                      <p:cBhvr>
+                                        <p:cTn id="6" dur="1" fill="hold">
+                                          <p:stCondLst>
+                                            <p:cond delay="0"/>
+                                          </p:stCondLst>
+                                        </p:cTn>
+                                        <p:tgtEl>
+                                          <p:spTgt spid="28"/>
+                                        </p:tgtEl>
+                                        <p:attrNameLst>
+                                          <p:attrName>style.visibility</p:attrName>
+                                        </p:attrNameLst>
+                                      </p:cBhvr>
+                                      <p:to>
+                                        <p:strVal val="visible"/>
+                                      </p:to>
+                                    </p:set>
+                                  </p:childTnLst>
+                                </p:cTn>
+                              </p:par>
+                              <p:par>
+                                <p:cTn id="7" presetID="1" presetClass="entr" presetSubtype="0" fill="hold" grpId="1" nodeType="withEffect">
+                                  <p:stCondLst>
+                                    <p:cond delay="0"/>
+                                  </p:stCondLst>
+                                  <p:childTnLst>
+                                    <p:set>
+                                      <p:cBhvr>
+                                        <p:cTn id="8" dur="1" fill="hold">
+                                          <p:stCondLst>
+                                            <p:cond delay="0"/>
+                                          </p:stCondLst>
+                                        </p:cTn>
+                                        <p:tgtEl>
+                                          <p:spTgt spid="27"/>
+                                        </p:tgtEl>
+                                        <p:attrNameLst>
+                                          <p:attrName>style.visibility</p:attrName>
+                                        </p:attrNameLst>
+                                      </p:cBhvr>
+                                      <p:to>
+                                        <p:strVal val="visible"/>
+                                      </p:to>
+                                    </p:set>
+                                  </p:childTnLst>
+                                </p:cTn>
+                              </p:par>
+                              <p:par>
+                                <p:cTn id="9" presetID="1" presetClass="entr" presetSubtype="0" fill="hold" grpId="1" nodeType="withEffect">
+                                  <p:stCondLst>
+                                    <p:cond delay="0"/>
+                                  </p:stCondLst>
+                                  <p:childTnLst>
+                                    <p:set>
+                                      <p:cBhvr>
+                                        <p:cTn id="10" dur="1" fill="hold">
+                                          <p:stCondLst>
+                                            <p:cond delay="0"/>
+                                          </p:stCondLst>
+                                        </p:cTn>
+                                        <p:tgtEl>
+                                          <p:spTgt spid="30"/>
+                                        </p:tgtEl>
+                                        <p:attrNameLst>
+                                          <p:attrName>style.visibility</p:attrName>
+                                        </p:attrNameLst>
+                                      </p:cBhvr>
+                                      <p:to>
+                                        <p:strVal val="visible"/>
+                                      </p:to>
+                                    </p:set>
+                                  </p:childTnLst>
+                                </p:cTn>
+                              </p:par>
+                              <p:par>
+                                <p:cTn id="11" presetID="1" presetClass="entr" presetSubtype="0" fill="hold" grpId="0" nodeType="withEffect">
+                                  <p:stCondLst>
+                                    <p:cond delay="0"/>
+                                  </p:stCondLst>
+                                  <p:childTnLst>
+                                    <p:set>
+                                      <p:cBhvr>
+                                        <p:cTn id="12" dur="1" fill="hold">
+                                          <p:stCondLst>
+                                            <p:cond delay="0"/>
+                                          </p:stCondLst>
+                                        </p:cTn>
+                                        <p:tgtEl>
+                                          <p:spTgt spid="40"/>
+                                        </p:tgtEl>
+                                        <p:attrNameLst>
+                                          <p:attrName>style.visibility</p:attrName>
+                                        </p:attrNameLst>
+                                      </p:cBhvr>
+                                      <p:to>
+                                        <p:strVal val="visible"/>
+                                      </p:to>
+                                    </p:set>
+                                  </p:childTnLst>
+                                </p:cTn>
+                              </p:par>
+                            </p:childTnLst>
+                          </p:cTn>
+                        </p:par>
+                      </p:childTnLst>
+                    </p:cTn>
+                  </p:par>
+                  <p:par>
+                    <p:cTn id="13" fill="hold">
+                      <p:stCondLst>
+                        <p:cond delay="indefinite"/>
+                      </p:stCondLst>
+                      <p:childTnLst>
+                        <p:par>
+                          <p:cTn id="14" fill="hold">
+                            <p:stCondLst>
+                              <p:cond delay="0"/>
+                            </p:stCondLst>
+                            <p:childTnLst>
+                              <p:par>
+                                <p:cTn id="15" presetID="1" presetClass="exit" presetSubtype="0" fill="hold" grpId="0" nodeType="clickEffect">
+                                  <p:stCondLst>
+                                    <p:cond delay="0"/>
+                                  </p:stCondLst>
+                                  <p:childTnLst>
+                                    <p:set>
+                                      <p:cBhvr>
+                                        <p:cTn id="16" dur="1" fill="hold">
+                                          <p:stCondLst>
+                                            <p:cond delay="0"/>
+                                          </p:stCondLst>
+                                        </p:cTn>
+                                        <p:tgtEl>
+                                          <p:spTgt spid="28"/>
+                                        </p:tgtEl>
+                                        <p:attrNameLst>
+                                          <p:attrName>style.visibility</p:attrName>
+                                        </p:attrNameLst>
+                                      </p:cBhvr>
+                                      <p:to>
+                                        <p:strVal val="hidden"/>
+                                      </p:to>
+                                    </p:set>
+                                  </p:childTnLst>
+                                </p:cTn>
+                              </p:par>
+                              <p:par>
+                                <p:cTn id="17" presetID="1" presetClass="exit" presetSubtype="0" fill="hold" grpId="0" nodeType="withEffect">
+                                  <p:stCondLst>
+                                    <p:cond delay="0"/>
+                                  </p:stCondLst>
+                                  <p:childTnLst>
+                                    <p:set>
+                                      <p:cBhvr>
+                                        <p:cTn id="18" dur="1" fill="hold">
+                                          <p:stCondLst>
+                                            <p:cond delay="0"/>
+                                          </p:stCondLst>
+                                        </p:cTn>
+                                        <p:tgtEl>
+                                          <p:spTgt spid="27"/>
+                                        </p:tgtEl>
+                                        <p:attrNameLst>
+                                          <p:attrName>style.visibility</p:attrName>
+                                        </p:attrNameLst>
+                                      </p:cBhvr>
+                                      <p:to>
+                                        <p:strVal val="hidden"/>
+                                      </p:to>
+                                    </p:set>
+                                  </p:childTnLst>
+                                </p:cTn>
+                              </p:par>
+                              <p:par>
+                                <p:cTn id="19" presetID="1" presetClass="exit" presetSubtype="0" fill="hold" grpId="0" nodeType="withEffect">
+                                  <p:stCondLst>
+                                    <p:cond delay="0"/>
+                                  </p:stCondLst>
+                                  <p:childTnLst>
+                                    <p:set>
+                                      <p:cBhvr>
+                                        <p:cTn id="20" dur="1" fill="hold">
+                                          <p:stCondLst>
+                                            <p:cond delay="0"/>
+                                          </p:stCondLst>
+                                        </p:cTn>
+                                        <p:tgtEl>
+                                          <p:spTgt spid="30"/>
+                                        </p:tgtEl>
+                                        <p:attrNameLst>
+                                          <p:attrName>style.visibility</p:attrName>
+                                        </p:attrNameLst>
+                                      </p:cBhvr>
+                                      <p:to>
+                                        <p:strVal val="hidden"/>
+                                      </p:to>
+                                    </p:set>
+                                  </p:childTnLst>
+                                </p:cTn>
+                              </p:par>
+                              <p:par>
+                                <p:cTn id="21" presetID="1" presetClass="exit" presetSubtype="0" fill="hold" grpId="1" nodeType="withEffect">
+                                  <p:stCondLst>
+                                    <p:cond delay="0"/>
+                                  </p:stCondLst>
+                                  <p:childTnLst>
+                                    <p:set>
+                                      <p:cBhvr>
+                                        <p:cTn id="22" dur="1" fill="hold">
+                                          <p:stCondLst>
+                                            <p:cond delay="0"/>
+                                          </p:stCondLst>
+                                        </p:cTn>
+                                        <p:tgtEl>
+                                          <p:spTgt spid="40"/>
+                                        </p:tgtEl>
+                                        <p:attrNameLst>
+                                          <p:attrName>style.visibility</p:attrName>
+                                        </p:attrNameLst>
+                                      </p:cBhvr>
+                                      <p:to>
+                                        <p:strVal val="hidden"/>
+                                      </p:to>
+                                    </p:set>
+                                  </p:childTnLst>
+                                </p:cTn>
+                              </p:par>
+                              <p:par>
+                                <p:cTn id="23" presetID="1" presetClass="entr" presetSubtype="0" fill="hold" grpId="0" nodeType="withEffect">
+                                  <p:stCondLst>
+                                    <p:cond delay="0"/>
+                                  </p:stCondLst>
+                                  <p:childTnLst>
+                                    <p:set>
+                                      <p:cBhvr>
+                                        <p:cTn id="24" dur="1" fill="hold">
+                                          <p:stCondLst>
+                                            <p:cond delay="0"/>
+                                          </p:stCondLst>
+                                        </p:cTn>
+                                        <p:tgtEl>
+                                          <p:spTgt spid="20"/>
+                                        </p:tgtEl>
+                                        <p:attrNameLst>
+                                          <p:attrName>style.visibility</p:attrName>
+                                        </p:attrNameLst>
+                                      </p:cBhvr>
+                                      <p:to>
+                                        <p:strVal val="visible"/>
+                                      </p:to>
+                                    </p:set>
+                                  </p:childTnLst>
+                                </p:cTn>
+                              </p:par>
+                              <p:par>
+                                <p:cTn id="25" presetID="1" presetClass="entr" presetSubtype="0" fill="hold" grpId="0" nodeType="withEffect">
+                                  <p:stCondLst>
+                                    <p:cond delay="0"/>
+                                  </p:stCondLst>
+                                  <p:childTnLst>
+                                    <p:set>
+                                      <p:cBhvr>
+                                        <p:cTn id="26" dur="1" fill="hold">
+                                          <p:stCondLst>
+                                            <p:cond delay="0"/>
+                                          </p:stCondLst>
+                                        </p:cTn>
+                                        <p:tgtEl>
+                                          <p:spTgt spid="19"/>
+                                        </p:tgtEl>
+                                        <p:attrNameLst>
+                                          <p:attrName>style.visibility</p:attrName>
+                                        </p:attrNameLst>
+                                      </p:cBhvr>
+                                      <p:to>
+                                        <p:strVal val="visible"/>
+                                      </p:to>
+                                    </p:set>
+                                  </p:childTnLst>
+                                </p:cTn>
+                              </p:par>
+                              <p:par>
+                                <p:cTn id="27" presetID="1" presetClass="entr" presetSubtype="0" fill="hold" grpId="0" nodeType="withEffect">
+                                  <p:stCondLst>
+                                    <p:cond delay="0"/>
+                                  </p:stCondLst>
+                                  <p:childTnLst>
+                                    <p:set>
+                                      <p:cBhvr>
+                                        <p:cTn id="28" dur="1" fill="hold">
+                                          <p:stCondLst>
+                                            <p:cond delay="0"/>
+                                          </p:stCondLst>
+                                        </p:cTn>
+                                        <p:tgtEl>
+                                          <p:spTgt spid="18"/>
+                                        </p:tgtEl>
+                                        <p:attrNameLst>
+                                          <p:attrName>style.visibility</p:attrName>
+                                        </p:attrNameLst>
+                                      </p:cBhvr>
+                                      <p:to>
+                                        <p:strVal val="visible"/>
+                                      </p:to>
+                                    </p:set>
+                                  </p:childTnLst>
+                                </p:cTn>
+                              </p:par>
+                              <p:par>
+                                <p:cTn id="29" presetID="1" presetClass="entr" presetSubtype="0" fill="hold" grpId="0" nodeType="withEffect">
+                                  <p:stCondLst>
+                                    <p:cond delay="0"/>
+                                  </p:stCondLst>
+                                  <p:childTnLst>
+                                    <p:set>
+                                      <p:cBhvr>
+                                        <p:cTn id="30" dur="1" fill="hold">
+                                          <p:stCondLst>
+                                            <p:cond delay="0"/>
+                                          </p:stCondLst>
+                                        </p:cTn>
+                                        <p:tgtEl>
+                                          <p:spTgt spid="15"/>
+                                        </p:tgtEl>
+                                        <p:attrNameLst>
+                                          <p:attrName>style.visibility</p:attrName>
+                                        </p:attrNameLst>
+                                      </p:cBhvr>
+                                      <p:to>
+                                        <p:strVal val="visible"/>
+                                      </p:to>
+                                    </p:set>
+                                  </p:childTnLst>
+                                </p:cTn>
+                              </p:par>
+                              <p:par>
+                                <p:cTn id="31" presetID="1" presetClass="entr" presetSubtype="0" fill="hold" grpId="0" nodeType="withEffect">
+                                  <p:stCondLst>
+                                    <p:cond delay="0"/>
+                                  </p:stCondLst>
+                                  <p:childTnLst>
+                                    <p:set>
+                                      <p:cBhvr>
+                                        <p:cTn id="32" dur="1" fill="hold">
+                                          <p:stCondLst>
+                                            <p:cond delay="0"/>
+                                          </p:stCondLst>
+                                        </p:cTn>
+                                        <p:tgtEl>
+                                          <p:spTgt spid="21"/>
+                                        </p:tgtEl>
+                                        <p:attrNameLst>
+                                          <p:attrName>style.visibility</p:attrName>
+                                        </p:attrNameLst>
+                                      </p:cBhvr>
+                                      <p:to>
+                                        <p:strVal val="visible"/>
+                                      </p:to>
+                                    </p:set>
+                                  </p:childTnLst>
+                                </p:cTn>
+                              </p:par>
+                              <p:par>
+                                <p:cTn id="33" presetID="1" presetClass="entr" presetSubtype="0" fill="hold" grpId="0" nodeType="withEffect">
+                                  <p:stCondLst>
+                                    <p:cond delay="0"/>
+                                  </p:stCondLst>
+                                  <p:childTnLst>
+                                    <p:set>
+                                      <p:cBhvr>
+                                        <p:cTn id="34" dur="1" fill="hold">
+                                          <p:stCondLst>
+                                            <p:cond delay="0"/>
+                                          </p:stCondLst>
+                                        </p:cTn>
+                                        <p:tgtEl>
+                                          <p:spTgt spid="41"/>
+                                        </p:tgtEl>
+                                        <p:attrNameLst>
+                                          <p:attrName>style.visibility</p:attrName>
+                                        </p:attrNameLst>
+                                      </p:cBhvr>
+                                      <p:to>
+                                        <p:strVal val="visible"/>
+                                      </p:to>
+                                    </p:set>
+                                  </p:childTnLst>
+                                </p:cTn>
+                              </p:par>
+                            </p:childTnLst>
+                          </p:cTn>
+                        </p:par>
+                      </p:childTnLst>
+                    </p:cTn>
+                  </p:par>
+                  <p:par>
+                    <p:cTn id="35" fill="hold">
+                      <p:stCondLst>
+                        <p:cond delay="indefinite"/>
+                      </p:stCondLst>
+                      <p:childTnLst>
+                        <p:par>
+                          <p:cTn id="36" fill="hold">
+                            <p:stCondLst>
+                              <p:cond delay="0"/>
+                            </p:stCondLst>
+                            <p:childTnLst>
+                              <p:par>
+                                <p:cTn id="37" presetID="1" presetClass="exit" presetSubtype="0" fill="hold" grpId="1" nodeType="clickEffect">
+                                  <p:stCondLst>
+                                    <p:cond delay="0"/>
+                                  </p:stCondLst>
+                                  <p:childTnLst>
+                                    <p:set>
+                                      <p:cBhvr>
+                                        <p:cTn id="38" dur="1" fill="hold">
+                                          <p:stCondLst>
+                                            <p:cond delay="0"/>
+                                          </p:stCondLst>
+                                        </p:cTn>
+                                        <p:tgtEl>
+                                          <p:spTgt spid="20"/>
+                                        </p:tgtEl>
+                                        <p:attrNameLst>
+                                          <p:attrName>style.visibility</p:attrName>
+                                        </p:attrNameLst>
+                                      </p:cBhvr>
+                                      <p:to>
+                                        <p:strVal val="hidden"/>
+                                      </p:to>
+                                    </p:set>
+                                  </p:childTnLst>
+                                </p:cTn>
+                              </p:par>
+                              <p:par>
+                                <p:cTn id="39" presetID="1" presetClass="exit" presetSubtype="0" fill="hold" grpId="1" nodeType="withEffect">
+                                  <p:stCondLst>
+                                    <p:cond delay="0"/>
+                                  </p:stCondLst>
+                                  <p:childTnLst>
+                                    <p:set>
+                                      <p:cBhvr>
+                                        <p:cTn id="40" dur="1" fill="hold">
+                                          <p:stCondLst>
+                                            <p:cond delay="0"/>
+                                          </p:stCondLst>
+                                        </p:cTn>
+                                        <p:tgtEl>
+                                          <p:spTgt spid="19"/>
+                                        </p:tgtEl>
+                                        <p:attrNameLst>
+                                          <p:attrName>style.visibility</p:attrName>
+                                        </p:attrNameLst>
+                                      </p:cBhvr>
+                                      <p:to>
+                                        <p:strVal val="hidden"/>
+                                      </p:to>
+                                    </p:set>
+                                  </p:childTnLst>
+                                </p:cTn>
+                              </p:par>
+                              <p:par>
+                                <p:cTn id="41" presetID="1" presetClass="exit" presetSubtype="0" fill="hold" grpId="1" nodeType="withEffect">
+                                  <p:stCondLst>
+                                    <p:cond delay="0"/>
+                                  </p:stCondLst>
+                                  <p:childTnLst>
+                                    <p:set>
+                                      <p:cBhvr>
+                                        <p:cTn id="42" dur="1" fill="hold">
+                                          <p:stCondLst>
+                                            <p:cond delay="0"/>
+                                          </p:stCondLst>
+                                        </p:cTn>
+                                        <p:tgtEl>
+                                          <p:spTgt spid="18"/>
+                                        </p:tgtEl>
+                                        <p:attrNameLst>
+                                          <p:attrName>style.visibility</p:attrName>
+                                        </p:attrNameLst>
+                                      </p:cBhvr>
+                                      <p:to>
+                                        <p:strVal val="hidden"/>
+                                      </p:to>
+                                    </p:set>
+                                  </p:childTnLst>
+                                </p:cTn>
+                              </p:par>
+                              <p:par>
+                                <p:cTn id="43" presetID="1" presetClass="exit" presetSubtype="0" fill="hold" grpId="1" nodeType="withEffect">
+                                  <p:stCondLst>
+                                    <p:cond delay="0"/>
+                                  </p:stCondLst>
+                                  <p:childTnLst>
+                                    <p:set>
+                                      <p:cBhvr>
+                                        <p:cTn id="44" dur="1" fill="hold">
+                                          <p:stCondLst>
+                                            <p:cond delay="0"/>
+                                          </p:stCondLst>
+                                        </p:cTn>
+                                        <p:tgtEl>
+                                          <p:spTgt spid="15"/>
+                                        </p:tgtEl>
+                                        <p:attrNameLst>
+                                          <p:attrName>style.visibility</p:attrName>
+                                        </p:attrNameLst>
+                                      </p:cBhvr>
+                                      <p:to>
+                                        <p:strVal val="hidden"/>
+                                      </p:to>
+                                    </p:set>
+                                  </p:childTnLst>
+                                </p:cTn>
+                              </p:par>
+                              <p:par>
+                                <p:cTn id="45" presetID="1" presetClass="exit" presetSubtype="0" fill="hold" grpId="1" nodeType="withEffect">
+                                  <p:stCondLst>
+                                    <p:cond delay="0"/>
+                                  </p:stCondLst>
+                                  <p:childTnLst>
+                                    <p:set>
+                                      <p:cBhvr>
+                                        <p:cTn id="46" dur="1" fill="hold">
+                                          <p:stCondLst>
+                                            <p:cond delay="0"/>
+                                          </p:stCondLst>
+                                        </p:cTn>
+                                        <p:tgtEl>
+                                          <p:spTgt spid="21"/>
+                                        </p:tgtEl>
+                                        <p:attrNameLst>
+                                          <p:attrName>style.visibility</p:attrName>
+                                        </p:attrNameLst>
+                                      </p:cBhvr>
+                                      <p:to>
+                                        <p:strVal val="hidden"/>
+                                      </p:to>
+                                    </p:set>
+                                  </p:childTnLst>
+                                </p:cTn>
+                              </p:par>
+                              <p:par>
+                                <p:cTn id="47" presetID="1" presetClass="exit" presetSubtype="0" fill="hold" grpId="1" nodeType="withEffect">
+                                  <p:stCondLst>
+                                    <p:cond delay="0"/>
+                                  </p:stCondLst>
+                                  <p:childTnLst>
+                                    <p:set>
+                                      <p:cBhvr>
+                                        <p:cTn id="48" dur="1" fill="hold">
+                                          <p:stCondLst>
+                                            <p:cond delay="0"/>
+                                          </p:stCondLst>
+                                        </p:cTn>
+                                        <p:tgtEl>
+                                          <p:spTgt spid="41"/>
+                                        </p:tgtEl>
+                                        <p:attrNameLst>
+                                          <p:attrName>style.visibility</p:attrName>
+                                        </p:attrNameLst>
+                                      </p:cBhvr>
+                                      <p:to>
+                                        <p:strVal val="hidden"/>
+                                      </p:to>
+                                    </p:set>
+                                  </p:childTnLst>
+                                </p:cTn>
+                              </p:par>
+                              <p:par>
+                                <p:cTn id="49" presetID="1" presetClass="entr" presetSubtype="0" fill="hold" grpId="3" nodeType="withEffect">
+                                  <p:stCondLst>
+                                    <p:cond delay="0"/>
+                                  </p:stCondLst>
+                                  <p:childTnLst>
+                                    <p:set>
+                                      <p:cBhvr>
+                                        <p:cTn id="50" dur="1" fill="hold">
+                                          <p:stCondLst>
+                                            <p:cond delay="0"/>
+                                          </p:stCondLst>
+                                        </p:cTn>
+                                        <p:tgtEl>
+                                          <p:spTgt spid="28"/>
+                                        </p:tgtEl>
+                                        <p:attrNameLst>
+                                          <p:attrName>style.visibility</p:attrName>
+                                        </p:attrNameLst>
+                                      </p:cBhvr>
+                                      <p:to>
+                                        <p:strVal val="visible"/>
+                                      </p:to>
+                                    </p:set>
+                                  </p:childTnLst>
+                                </p:cTn>
+                              </p:par>
+                              <p:par>
+                                <p:cTn id="51" presetID="1" presetClass="entr" presetSubtype="0" fill="hold" grpId="3" nodeType="withEffect">
+                                  <p:stCondLst>
+                                    <p:cond delay="0"/>
+                                  </p:stCondLst>
+                                  <p:childTnLst>
+                                    <p:set>
+                                      <p:cBhvr>
+                                        <p:cTn id="52" dur="1" fill="hold">
+                                          <p:stCondLst>
+                                            <p:cond delay="0"/>
+                                          </p:stCondLst>
+                                        </p:cTn>
+                                        <p:tgtEl>
+                                          <p:spTgt spid="27"/>
+                                        </p:tgtEl>
+                                        <p:attrNameLst>
+                                          <p:attrName>style.visibility</p:attrName>
+                                        </p:attrNameLst>
+                                      </p:cBhvr>
+                                      <p:to>
+                                        <p:strVal val="visible"/>
+                                      </p:to>
+                                    </p:set>
+                                  </p:childTnLst>
+                                </p:cTn>
+                              </p:par>
+                              <p:par>
+                                <p:cTn id="53" presetID="1" presetClass="entr" presetSubtype="0" fill="hold" grpId="3" nodeType="withEffect">
+                                  <p:stCondLst>
+                                    <p:cond delay="0"/>
+                                  </p:stCondLst>
+                                  <p:childTnLst>
+                                    <p:set>
+                                      <p:cBhvr>
+                                        <p:cTn id="54" dur="1" fill="hold">
+                                          <p:stCondLst>
+                                            <p:cond delay="0"/>
+                                          </p:stCondLst>
+                                        </p:cTn>
+                                        <p:tgtEl>
+                                          <p:spTgt spid="30"/>
+                                        </p:tgtEl>
+                                        <p:attrNameLst>
+                                          <p:attrName>style.visibility</p:attrName>
+                                        </p:attrNameLst>
+                                      </p:cBhvr>
+                                      <p:to>
+                                        <p:strVal val="visible"/>
+                                      </p:to>
+                                    </p:set>
+                                  </p:childTnLst>
+                                </p:cTn>
+                              </p:par>
+                              <p:par>
+                                <p:cTn id="55" presetID="1" presetClass="entr" presetSubtype="0" fill="hold" grpId="0" nodeType="withEffect">
+                                  <p:stCondLst>
+                                    <p:cond delay="0"/>
+                                  </p:stCondLst>
+                                  <p:childTnLst>
+                                    <p:set>
+                                      <p:cBhvr>
+                                        <p:cTn id="56" dur="1" fill="hold">
+                                          <p:stCondLst>
+                                            <p:cond delay="0"/>
+                                          </p:stCondLst>
+                                        </p:cTn>
+                                        <p:tgtEl>
+                                          <p:spTgt spid="39"/>
+                                        </p:tgtEl>
+                                        <p:attrNameLst>
+                                          <p:attrName>style.visibility</p:attrName>
+                                        </p:attrNameLst>
+                                      </p:cBhvr>
+                                      <p:to>
+                                        <p:strVal val="visible"/>
+                                      </p:to>
+                                    </p:set>
+                                  </p:childTnLst>
+                                </p:cTn>
+                              </p:par>
+                              <p:par>
+                                <p:cTn id="57" presetID="1" presetClass="entr" presetSubtype="0" fill="hold" nodeType="withEffect">
+                                  <p:stCondLst>
+                                    <p:cond delay="0"/>
+                                  </p:stCondLst>
+                                  <p:childTnLst>
+                                    <p:set>
+                                      <p:cBhvr>
+                                        <p:cTn id="58" dur="1" fill="hold">
+                                          <p:stCondLst>
+                                            <p:cond delay="0"/>
+                                          </p:stCondLst>
+                                        </p:cTn>
+                                        <p:tgtEl>
+                                          <p:spTgt spid="38"/>
+                                        </p:tgtEl>
+                                        <p:attrNameLst>
+                                          <p:attrName>style.visibility</p:attrName>
+                                        </p:attrNameLst>
+                                      </p:cBhvr>
+                                      <p:to>
+                                        <p:strVal val="visible"/>
+                                      </p:to>
+                                    </p:set>
+                                  </p:childTnLst>
+                                </p:cTn>
+                              </p:par>
+                              <p:par>
+                                <p:cTn id="59" presetID="1" presetClass="entr" presetSubtype="0" fill="hold" grpId="0" nodeType="withEffect">
+                                  <p:stCondLst>
+                                    <p:cond delay="0"/>
+                                  </p:stCondLst>
+                                  <p:childTnLst>
+                                    <p:set>
+                                      <p:cBhvr>
+                                        <p:cTn id="60" dur="1" fill="hold">
+                                          <p:stCondLst>
+                                            <p:cond delay="0"/>
+                                          </p:stCondLst>
+                                        </p:cTn>
+                                        <p:tgtEl>
+                                          <p:spTgt spid="42"/>
+                                        </p:tgtEl>
+                                        <p:attrNameLst>
+                                          <p:attrName>style.visibility</p:attrName>
+                                        </p:attrNameLst>
+                                      </p:cBhvr>
+                                      <p:to>
+                                        <p:strVal val="visible"/>
+                                      </p:to>
+                                    </p:set>
+                                  </p:childTnLst>
+                                </p:cTn>
+                              </p:par>
+                            </p:childTnLst>
+                          </p:cTn>
+                        </p:par>
+                      </p:childTnLst>
+                    </p:cTn>
+                  </p:par>
+                  <p:par>
+                    <p:cTn id="61" fill="hold">
+                      <p:stCondLst>
+                        <p:cond delay="indefinite"/>
+                      </p:stCondLst>
+                      <p:childTnLst>
+                        <p:par>
+                          <p:cTn id="62" fill="hold">
+                            <p:stCondLst>
+                              <p:cond delay="0"/>
+                            </p:stCondLst>
+                            <p:childTnLst>
+                              <p:par>
+                                <p:cTn id="63" presetID="1" presetClass="exit" presetSubtype="0" fill="hold" grpId="4" nodeType="clickEffect">
+                                  <p:stCondLst>
+                                    <p:cond delay="0"/>
+                                  </p:stCondLst>
+                                  <p:childTnLst>
+                                    <p:set>
+                                      <p:cBhvr>
+                                        <p:cTn id="64" dur="1" fill="hold">
+                                          <p:stCondLst>
+                                            <p:cond delay="0"/>
+                                          </p:stCondLst>
+                                        </p:cTn>
+                                        <p:tgtEl>
+                                          <p:spTgt spid="28"/>
+                                        </p:tgtEl>
+                                        <p:attrNameLst>
+                                          <p:attrName>style.visibility</p:attrName>
+                                        </p:attrNameLst>
+                                      </p:cBhvr>
+                                      <p:to>
+                                        <p:strVal val="hidden"/>
+                                      </p:to>
+                                    </p:set>
+                                  </p:childTnLst>
+                                </p:cTn>
+                              </p:par>
+                              <p:par>
+                                <p:cTn id="65" presetID="1" presetClass="exit" presetSubtype="0" fill="hold" grpId="4" nodeType="withEffect">
+                                  <p:stCondLst>
+                                    <p:cond delay="0"/>
+                                  </p:stCondLst>
+                                  <p:childTnLst>
+                                    <p:set>
+                                      <p:cBhvr>
+                                        <p:cTn id="66" dur="1" fill="hold">
+                                          <p:stCondLst>
+                                            <p:cond delay="0"/>
+                                          </p:stCondLst>
+                                        </p:cTn>
+                                        <p:tgtEl>
+                                          <p:spTgt spid="27"/>
+                                        </p:tgtEl>
+                                        <p:attrNameLst>
+                                          <p:attrName>style.visibility</p:attrName>
+                                        </p:attrNameLst>
+                                      </p:cBhvr>
+                                      <p:to>
+                                        <p:strVal val="hidden"/>
+                                      </p:to>
+                                    </p:set>
+                                  </p:childTnLst>
+                                </p:cTn>
+                              </p:par>
+                              <p:par>
+                                <p:cTn id="67" presetID="1" presetClass="exit" presetSubtype="0" fill="hold" grpId="4" nodeType="withEffect">
+                                  <p:stCondLst>
+                                    <p:cond delay="0"/>
+                                  </p:stCondLst>
+                                  <p:childTnLst>
+                                    <p:set>
+                                      <p:cBhvr>
+                                        <p:cTn id="68" dur="1" fill="hold">
+                                          <p:stCondLst>
+                                            <p:cond delay="0"/>
+                                          </p:stCondLst>
+                                        </p:cTn>
+                                        <p:tgtEl>
+                                          <p:spTgt spid="30"/>
+                                        </p:tgtEl>
+                                        <p:attrNameLst>
+                                          <p:attrName>style.visibility</p:attrName>
+                                        </p:attrNameLst>
+                                      </p:cBhvr>
+                                      <p:to>
+                                        <p:strVal val="hidden"/>
+                                      </p:to>
+                                    </p:set>
+                                  </p:childTnLst>
+                                </p:cTn>
+                              </p:par>
+                              <p:par>
+                                <p:cTn id="69" presetID="1" presetClass="exit" presetSubtype="0" fill="hold" grpId="1" nodeType="withEffect">
+                                  <p:stCondLst>
+                                    <p:cond delay="0"/>
+                                  </p:stCondLst>
+                                  <p:childTnLst>
+                                    <p:set>
+                                      <p:cBhvr>
+                                        <p:cTn id="70" dur="1" fill="hold">
+                                          <p:stCondLst>
+                                            <p:cond delay="0"/>
+                                          </p:stCondLst>
+                                        </p:cTn>
+                                        <p:tgtEl>
+                                          <p:spTgt spid="39"/>
+                                        </p:tgtEl>
+                                        <p:attrNameLst>
+                                          <p:attrName>style.visibility</p:attrName>
+                                        </p:attrNameLst>
+                                      </p:cBhvr>
+                                      <p:to>
+                                        <p:strVal val="hidden"/>
+                                      </p:to>
+                                    </p:set>
+                                  </p:childTnLst>
+                                </p:cTn>
+                              </p:par>
+                              <p:par>
+                                <p:cTn id="71" presetID="1" presetClass="exit" presetSubtype="0" fill="hold" nodeType="withEffect">
+                                  <p:stCondLst>
+                                    <p:cond delay="0"/>
+                                  </p:stCondLst>
+                                  <p:childTnLst>
+                                    <p:set>
+                                      <p:cBhvr>
+                                        <p:cTn id="72" dur="1" fill="hold">
+                                          <p:stCondLst>
+                                            <p:cond delay="0"/>
+                                          </p:stCondLst>
+                                        </p:cTn>
+                                        <p:tgtEl>
+                                          <p:spTgt spid="38"/>
+                                        </p:tgtEl>
+                                        <p:attrNameLst>
+                                          <p:attrName>style.visibility</p:attrName>
+                                        </p:attrNameLst>
+                                      </p:cBhvr>
+                                      <p:to>
+                                        <p:strVal val="hidden"/>
+                                      </p:to>
+                                    </p:set>
+                                  </p:childTnLst>
+                                </p:cTn>
+                              </p:par>
+                              <p:par>
+                                <p:cTn id="73" presetID="1" presetClass="exit" presetSubtype="0" fill="hold" grpId="1" nodeType="withEffect">
+                                  <p:stCondLst>
+                                    <p:cond delay="0"/>
+                                  </p:stCondLst>
+                                  <p:childTnLst>
+                                    <p:set>
+                                      <p:cBhvr>
+                                        <p:cTn id="74" dur="1" fill="hold">
+                                          <p:stCondLst>
+                                            <p:cond delay="0"/>
+                                          </p:stCondLst>
+                                        </p:cTn>
+                                        <p:tgtEl>
+                                          <p:spTgt spid="42"/>
+                                        </p:tgtEl>
+                                        <p:attrNameLst>
+                                          <p:attrName>style.visibility</p:attrName>
+                                        </p:attrNameLst>
+                                      </p:cBhvr>
+                                      <p:to>
+                                        <p:strVal val="hidden"/>
+                                      </p:to>
+                                    </p:set>
+                                  </p:childTnLst>
+                                </p:cTn>
+                              </p:par>
+                              <p:par>
+                                <p:cTn id="75" presetID="1" presetClass="entr" presetSubtype="0" fill="hold" grpId="2" nodeType="withEffect">
+                                  <p:stCondLst>
+                                    <p:cond delay="0"/>
+                                  </p:stCondLst>
+                                  <p:childTnLst>
+                                    <p:set>
+                                      <p:cBhvr>
+                                        <p:cTn id="76" dur="1" fill="hold">
+                                          <p:stCondLst>
+                                            <p:cond delay="0"/>
+                                          </p:stCondLst>
+                                        </p:cTn>
+                                        <p:tgtEl>
+                                          <p:spTgt spid="20"/>
+                                        </p:tgtEl>
+                                        <p:attrNameLst>
+                                          <p:attrName>style.visibility</p:attrName>
+                                        </p:attrNameLst>
+                                      </p:cBhvr>
+                                      <p:to>
+                                        <p:strVal val="visible"/>
+                                      </p:to>
+                                    </p:set>
+                                  </p:childTnLst>
+                                </p:cTn>
+                              </p:par>
+                              <p:par>
+                                <p:cTn id="77" presetID="1" presetClass="entr" presetSubtype="0" fill="hold" grpId="2" nodeType="withEffect">
+                                  <p:stCondLst>
+                                    <p:cond delay="0"/>
+                                  </p:stCondLst>
+                                  <p:childTnLst>
+                                    <p:set>
+                                      <p:cBhvr>
+                                        <p:cTn id="78" dur="1" fill="hold">
+                                          <p:stCondLst>
+                                            <p:cond delay="0"/>
+                                          </p:stCondLst>
+                                        </p:cTn>
+                                        <p:tgtEl>
+                                          <p:spTgt spid="19"/>
+                                        </p:tgtEl>
+                                        <p:attrNameLst>
+                                          <p:attrName>style.visibility</p:attrName>
+                                        </p:attrNameLst>
+                                      </p:cBhvr>
+                                      <p:to>
+                                        <p:strVal val="visible"/>
+                                      </p:to>
+                                    </p:set>
+                                  </p:childTnLst>
+                                </p:cTn>
+                              </p:par>
+                              <p:par>
+                                <p:cTn id="79" presetID="1" presetClass="entr" presetSubtype="0" fill="hold" grpId="2" nodeType="withEffect">
+                                  <p:stCondLst>
+                                    <p:cond delay="0"/>
+                                  </p:stCondLst>
+                                  <p:childTnLst>
+                                    <p:set>
+                                      <p:cBhvr>
+                                        <p:cTn id="80" dur="1" fill="hold">
+                                          <p:stCondLst>
+                                            <p:cond delay="0"/>
+                                          </p:stCondLst>
+                                        </p:cTn>
+                                        <p:tgtEl>
+                                          <p:spTgt spid="18"/>
+                                        </p:tgtEl>
+                                        <p:attrNameLst>
+                                          <p:attrName>style.visibility</p:attrName>
+                                        </p:attrNameLst>
+                                      </p:cBhvr>
+                                      <p:to>
+                                        <p:strVal val="visible"/>
+                                      </p:to>
+                                    </p:set>
+                                  </p:childTnLst>
+                                </p:cTn>
+                              </p:par>
+                              <p:par>
+                                <p:cTn id="81" presetID="1" presetClass="entr" presetSubtype="0" fill="hold" grpId="2" nodeType="withEffect">
+                                  <p:stCondLst>
+                                    <p:cond delay="0"/>
+                                  </p:stCondLst>
+                                  <p:childTnLst>
+                                    <p:set>
+                                      <p:cBhvr>
+                                        <p:cTn id="82" dur="1" fill="hold">
+                                          <p:stCondLst>
+                                            <p:cond delay="0"/>
+                                          </p:stCondLst>
+                                        </p:cTn>
+                                        <p:tgtEl>
+                                          <p:spTgt spid="15"/>
+                                        </p:tgtEl>
+                                        <p:attrNameLst>
+                                          <p:attrName>style.visibility</p:attrName>
+                                        </p:attrNameLst>
+                                      </p:cBhvr>
+                                      <p:to>
+                                        <p:strVal val="visible"/>
+                                      </p:to>
+                                    </p:set>
+                                  </p:childTnLst>
+                                </p:cTn>
+                              </p:par>
+                              <p:par>
+                                <p:cTn id="83" presetID="1" presetClass="entr" presetSubtype="0" fill="hold" grpId="2" nodeType="withEffect">
+                                  <p:stCondLst>
+                                    <p:cond delay="0"/>
+                                  </p:stCondLst>
+                                  <p:childTnLst>
+                                    <p:set>
+                                      <p:cBhvr>
+                                        <p:cTn id="84" dur="1" fill="hold">
+                                          <p:stCondLst>
+                                            <p:cond delay="0"/>
+                                          </p:stCondLst>
+                                        </p:cTn>
+                                        <p:tgtEl>
+                                          <p:spTgt spid="21"/>
+                                        </p:tgtEl>
+                                        <p:attrNameLst>
+                                          <p:attrName>style.visibility</p:attrName>
+                                        </p:attrNameLst>
+                                      </p:cBhvr>
+                                      <p:to>
+                                        <p:strVal val="visible"/>
+                                      </p:to>
+                                    </p:set>
+                                  </p:childTnLst>
+                                </p:cTn>
+                              </p:par>
+                              <p:par>
+                                <p:cTn id="85" presetID="1" presetClass="entr" presetSubtype="0" fill="hold" grpId="2" nodeType="withEffect">
+                                  <p:stCondLst>
+                                    <p:cond delay="0"/>
+                                  </p:stCondLst>
+                                  <p:childTnLst>
+                                    <p:set>
+                                      <p:cBhvr>
+                                        <p:cTn id="86" dur="1" fill="hold">
+                                          <p:stCondLst>
+                                            <p:cond delay="0"/>
+                                          </p:stCondLst>
+                                        </p:cTn>
+                                        <p:tgtEl>
+                                          <p:spTgt spid="39"/>
+                                        </p:tgtEl>
+                                        <p:attrNameLst>
+                                          <p:attrName>style.visibility</p:attrName>
+                                        </p:attrNameLst>
+                                      </p:cBhvr>
+                                      <p:to>
+                                        <p:strVal val="visible"/>
+                                      </p:to>
+                                    </p:set>
+                                  </p:childTnLst>
+                                </p:cTn>
+                              </p:par>
+                              <p:par>
+                                <p:cTn id="87" presetID="1" presetClass="entr" presetSubtype="0" fill="hold" nodeType="withEffect">
+                                  <p:stCondLst>
+                                    <p:cond delay="0"/>
+                                  </p:stCondLst>
+                                  <p:childTnLst>
+                                    <p:set>
+                                      <p:cBhvr>
+                                        <p:cTn id="88" dur="1" fill="hold">
+                                          <p:stCondLst>
+                                            <p:cond delay="0"/>
+                                          </p:stCondLst>
+                                        </p:cTn>
+                                        <p:tgtEl>
+                                          <p:spTgt spid="38"/>
+                                        </p:tgtEl>
+                                        <p:attrNameLst>
+                                          <p:attrName>style.visibility</p:attrName>
+                                        </p:attrNameLst>
+                                      </p:cBhvr>
+                                      <p:to>
+                                        <p:strVal val="visible"/>
+                                      </p:to>
+                                    </p:set>
+                                  </p:childTnLst>
+                                </p:cTn>
+                              </p:par>
+                              <p:par>
+                                <p:cTn id="89" presetID="1" presetClass="entr" presetSubtype="0" fill="hold" grpId="0" nodeType="withEffect">
+                                  <p:stCondLst>
+                                    <p:cond delay="0"/>
+                                  </p:stCondLst>
+                                  <p:childTnLst>
+                                    <p:set>
+                                      <p:cBhvr>
+                                        <p:cTn id="90" dur="1" fill="hold">
+                                          <p:stCondLst>
+                                            <p:cond delay="0"/>
+                                          </p:stCondLst>
+                                        </p:cTn>
+                                        <p:tgtEl>
+                                          <p:spTgt spid="43"/>
+                                        </p:tgtEl>
+                                        <p:attrNameLst>
+                                          <p:attrName>style.visibility</p:attrName>
+                                        </p:attrNameLst>
+                                      </p:cBhvr>
+                                      <p:to>
+                                        <p:strVal val="visible"/>
+                                      </p:to>
+                                    </p:set>
+                                  </p:childTnLst>
+                                </p:cTn>
+                              </p:par>
+                            </p:childTnLst>
+                          </p:cTn>
+                        </p:par>
+                      </p:childTnLst>
+                    </p:cTn>
+                  </p:par>
+                </p:childTnLst>
+              </p:cTn>
+              <p:prevCondLst>
+                <p:cond evt="onPrev" delay="0">
+                  <p:tgtEl>
+                    <p:sldTgt/>
+                  </p:tgtEl>
+                </p:cond>
+              </p:prevCondLst>
+              <p:nextCondLst>
+                <p:cond evt="onNext" delay="0">
+                  <p:tgtEl>
+                    <p:sldTgt/>
+                  </p:tgtEl>
+                </p:cond>
+              </p:nextCondLst>
+            </p:seq>
+          </p:childTnLst>
+        </p:cTn>
+      </p:par>
+    </p:tnLst>
+    <p:bldLst>
+      <p:bldP spid="27" grpId="0" animBg="1"/>
+      <p:bldP spid="27" grpId="1" animBg="1"/>
+      <p:bldP spid="27" grpId="3" animBg="1"/>
+      <p:bldP spid="27" grpId="4" animBg="1"/>
+      <p:bldP spid="28" grpId="0" animBg="1"/>
+      <p:bldP spid="28" grpId="1" animBg="1"/>
+      <p:bldP spid="28" grpId="3" animBg="1"/>
+      <p:bldP spid="28" grpId="4" animBg="1"/>
+      <p:bldP spid="30" grpId="0" animBg="1"/>
+      <p:bldP spid="30" grpId="1" animBg="1"/>
+      <p:bldP spid="30" grpId="3" animBg="1"/>
+      <p:bldP spid="30" grpId="4" animBg="1"/>
+      <p:bldP spid="15" grpId="0" animBg="1"/>
+      <p:bldP spid="15" grpId="1" animBg="1"/>
+      <p:bldP spid="15" grpId="2" animBg="1"/>
+      <p:bldP spid="18" grpId="0" animBg="1"/>
+      <p:bldP spid="18" grpId="1" animBg="1"/>
+      <p:bldP spid="18" grpId="2" animBg="1"/>
+      <p:bldP spid="19" grpId="0" animBg="1"/>
+      <p:bldP spid="19" grpId="1" animBg="1"/>
+      <p:bldP spid="19" grpId="2" animBg="1"/>
+      <p:bldP spid="20" grpId="0" animBg="1"/>
+      <p:bldP spid="20" grpId="1" animBg="1"/>
+      <p:bldP spid="20" grpId="2" animBg="1"/>
+      <p:bldP spid="21" grpId="0" animBg="1"/>
+      <p:bldP spid="21" grpId="1" animBg="1"/>
+      <p:bldP spid="21" grpId="2" animBg="1"/>
+      <p:bldP spid="39" grpId="0"/>
+      <p:bldP spid="39" grpId="1"/>
+      <p:bldP spid="39" grpId="2"/>
+      <p:bldP spid="40" grpId="0"/>
+      <p:bldP spid="40" grpId="1"/>
+      <p:bldP spid="41" grpId="0"/>
+      <p:bldP spid="41" grpId="1"/>
+      <p:bldP spid="42" grpId="0"/>
+      <p:bldP spid="42" grpId="1"/>
+      <p:bldP spid="43" grpId="0"/>
+    </p:bldLst>
+  </p:timing>
 </p:sld>
 </file>
 
 <file path=ppt/slides/slide11.xml><?xml version="1.0" encoding="utf-8"?>
-<p:sld xmlns:a="http://schemas.openxmlformats.org/drawingml/2006/main" xmlns:r="http://schemas.openxmlformats.org/officeDocument/2006/relationships" xmlns:p="http://schemas.openxmlformats.org/presentationml/2006/main">
-  <p:cSld>
-    <p:spTree>
-      <p:nvGrpSpPr>
-        <p:cNvPr id="1" name=""/>
-        <p:cNvGrpSpPr/>
-        <p:nvPr/>
-      </p:nvGrpSpPr>
-      <p:grpSpPr>
-        <a:xfrm>
-          <a:off x="0" y="0"/>
-          <a:ext cx="0" cy="0"/>
-          <a:chOff x="0" y="0"/>
-          <a:chExt cx="0" cy="0"/>
-        </a:xfrm>
-      </p:grpSpPr>
-      <p:sp>
-        <p:nvSpPr>
-          <p:cNvPr id="2" name="標題 1">
-            <a:extLst>
-              <a:ext uri="{FF2B5EF4-FFF2-40B4-BE49-F238E27FC236}">
-                <a16:creationId xmlns:a16="http://schemas.microsoft.com/office/drawing/2014/main" id="{F3CD7E9B-4E0F-4577-9423-7CCCB2934038}"/>
-              </a:ext>
-            </a:extLst>
-          </p:cNvPr>
-          <p:cNvSpPr>
-            <a:spLocks noGrp="1"/>
-          </p:cNvSpPr>
-          <p:nvPr>
-            <p:ph type="title"/>
-          </p:nvPr>
-        </p:nvSpPr>
-        <p:spPr/>
-        <p:txBody>
-          <a:bodyPr/>
-          <a:lstStyle/>
-          <a:p>
-            <a:endParaRPr lang="zh-TW" altLang="en-US" dirty="0"/>
-          </a:p>
-        </p:txBody>
-      </p:sp>
-      <p:sp>
-        <p:nvSpPr>
-          <p:cNvPr id="3" name="內容版面配置區 2">
-            <a:extLst>
-              <a:ext uri="{FF2B5EF4-FFF2-40B4-BE49-F238E27FC236}">
-                <a16:creationId xmlns:a16="http://schemas.microsoft.com/office/drawing/2014/main" id="{AF4F6E4A-0807-4474-A452-ADF6DF938506}"/>
-              </a:ext>
-            </a:extLst>
-          </p:cNvPr>
-          <p:cNvSpPr>
-            <a:spLocks noGrp="1"/>
-          </p:cNvSpPr>
-          <p:nvPr>
-            <p:ph idx="1"/>
-          </p:nvPr>
-        </p:nvSpPr>
-        <p:spPr/>
-        <p:txBody>
-          <a:bodyPr/>
-          <a:lstStyle/>
-          <a:p>
-            <a:endParaRPr lang="zh-TW" altLang="en-US"/>
-          </a:p>
-        </p:txBody>
-      </p:sp>
-      <p:sp>
-        <p:nvSpPr>
-          <p:cNvPr id="4" name="投影片編號版面配置區 3">
-            <a:extLst>
-              <a:ext uri="{FF2B5EF4-FFF2-40B4-BE49-F238E27FC236}">
-                <a16:creationId xmlns:a16="http://schemas.microsoft.com/office/drawing/2014/main" id="{D6173B97-FDFD-4F22-ACB6-862D1DFE5194}"/>
-              </a:ext>
-            </a:extLst>
-          </p:cNvPr>
-          <p:cNvSpPr>
-            <a:spLocks noGrp="1"/>
-          </p:cNvSpPr>
-          <p:nvPr>
-            <p:ph type="sldNum" sz="quarter" idx="12"/>
-          </p:nvPr>
-        </p:nvSpPr>
-        <p:spPr/>
-        <p:txBody>
-          <a:bodyPr/>
-          <a:lstStyle/>
-          <a:p>
-            <a:fld id="{69E57DC2-970A-4B3E-BB1C-7A09969E49DF}" type="slidenum">
-              <a:rPr lang="en-US" smtClean="0"/>
-              <a:t>11</a:t>
-            </a:fld>
-            <a:endParaRPr lang="en-US" dirty="0"/>
-          </a:p>
-        </p:txBody>
-      </p:sp>
-    </p:spTree>
-    <p:extLst>
-      <p:ext uri="{BB962C8B-B14F-4D97-AF65-F5344CB8AC3E}">
-        <p14:creationId xmlns:p14="http://schemas.microsoft.com/office/powerpoint/2010/main" val="3926772210"/>
-      </p:ext>
-    </p:extLst>
-  </p:cSld>
-  <p:clrMapOvr>
-    <a:masterClrMapping/>
-  </p:clrMapOvr>
-</p:sld>
-</file>
-
-<file path=ppt/slides/slide12.xml><?xml version="1.0" encoding="utf-8"?>
-<p:sld xmlns:a="http://schemas.openxmlformats.org/drawingml/2006/main" xmlns:r="http://schemas.openxmlformats.org/officeDocument/2006/relationships" xmlns:p="http://schemas.openxmlformats.org/presentationml/2006/main">
-  <p:cSld>
-    <p:spTree>
-      <p:nvGrpSpPr>
-        <p:cNvPr id="1" name=""/>
-        <p:cNvGrpSpPr/>
-        <p:nvPr/>
-      </p:nvGrpSpPr>
-      <p:grpSpPr>
-        <a:xfrm>
-          <a:off x="0" y="0"/>
-          <a:ext cx="0" cy="0"/>
-          <a:chOff x="0" y="0"/>
-          <a:chExt cx="0" cy="0"/>
-        </a:xfrm>
-      </p:grpSpPr>
-      <p:sp>
-        <p:nvSpPr>
-          <p:cNvPr id="4" name="標題 3">
-            <a:extLst>
-              <a:ext uri="{FF2B5EF4-FFF2-40B4-BE49-F238E27FC236}">
-                <a16:creationId xmlns:a16="http://schemas.microsoft.com/office/drawing/2014/main" id="{B31E3521-B0DC-4B8C-B1A8-6E569993FF57}"/>
-              </a:ext>
-            </a:extLst>
-          </p:cNvPr>
-          <p:cNvSpPr>
-            <a:spLocks noGrp="1"/>
-          </p:cNvSpPr>
-          <p:nvPr>
-            <p:ph type="ctrTitle"/>
-          </p:nvPr>
-        </p:nvSpPr>
-        <p:spPr>
-          <a:xfrm>
-            <a:off x="1600200" y="2606040"/>
-            <a:ext cx="8991600" cy="1645920"/>
-          </a:xfrm>
-        </p:spPr>
-        <p:txBody>
-          <a:bodyPr/>
-          <a:lstStyle/>
-          <a:p>
-            <a:r>
-              <a:rPr lang="en-US" altLang="zh-TW" dirty="0"/>
-              <a:t>Thank you for listening</a:t>
-            </a:r>
-            <a:endParaRPr lang="zh-TW" altLang="en-US" dirty="0"/>
-          </a:p>
-        </p:txBody>
-      </p:sp>
-    </p:spTree>
-    <p:extLst>
-      <p:ext uri="{BB962C8B-B14F-4D97-AF65-F5344CB8AC3E}">
-        <p14:creationId xmlns:p14="http://schemas.microsoft.com/office/powerpoint/2010/main" val="2931838915"/>
-      </p:ext>
-    </p:extLst>
-  </p:cSld>
-  <p:clrMapOvr>
-    <a:masterClrMapping/>
-  </p:clrMapOvr>
-</p:sld>
-</file>
-
-<file path=ppt/slides/slide2.xml><?xml version="1.0" encoding="utf-8"?>
 <p:sld xmlns:a="http://schemas.openxmlformats.org/drawingml/2006/main" xmlns:r="http://schemas.openxmlformats.org/officeDocument/2006/relationships" xmlns:p="http://schemas.openxmlformats.org/presentationml/2006/main">
   <p:cSld>
     <p:spTree>
@@ -5139,15 +7129,24 @@
           <a:lstStyle/>
           <a:p>
             <a:r>
-              <a:rPr lang="en-US" altLang="zh-TW" sz="2800" dirty="0"/>
+              <a:rPr lang="en-US" altLang="zh-TW" sz="2800" dirty="0">
+                <a:solidFill>
+                  <a:schemeClr val="bg1">
+                    <a:lumMod val="65000"/>
+                  </a:schemeClr>
+                </a:solidFill>
+              </a:rPr>
               <a:t>Motivation</a:t>
             </a:r>
           </a:p>
           <a:p>
             <a:r>
               <a:rPr lang="en-US" altLang="zh-TW" sz="2800" dirty="0">
-                <a:latin typeface="Times New Roman" panose="02020603050405020304" pitchFamily="18" charset="0"/>
-                <a:cs typeface="Times New Roman" panose="02020603050405020304" pitchFamily="18" charset="0"/>
+                <a:solidFill>
+                  <a:schemeClr val="bg1">
+                    <a:lumMod val="65000"/>
+                  </a:schemeClr>
+                </a:solidFill>
               </a:rPr>
               <a:t>System Model</a:t>
             </a:r>
@@ -5164,8 +7163,11 @@
           <a:p>
             <a:r>
               <a:rPr lang="en-US" altLang="zh-TW" sz="2800" dirty="0">
-                <a:latin typeface="Times New Roman" panose="02020603050405020304" pitchFamily="18" charset="0"/>
-                <a:cs typeface="Times New Roman" panose="02020603050405020304" pitchFamily="18" charset="0"/>
+                <a:solidFill>
+                  <a:schemeClr val="bg1">
+                    <a:lumMod val="65000"/>
+                  </a:schemeClr>
+                </a:solidFill>
               </a:rPr>
               <a:t>Numerical Results</a:t>
             </a:r>
@@ -5173,14 +7175,20 @@
           <a:p>
             <a:r>
               <a:rPr lang="en-US" altLang="zh-TW" sz="2800" dirty="0">
-                <a:latin typeface="Times New Roman" panose="02020603050405020304" pitchFamily="18" charset="0"/>
-                <a:cs typeface="Times New Roman" panose="02020603050405020304" pitchFamily="18" charset="0"/>
+                <a:solidFill>
+                  <a:schemeClr val="bg1">
+                    <a:lumMod val="65000"/>
+                  </a:schemeClr>
+                </a:solidFill>
               </a:rPr>
               <a:t>Conclusions and Future Works</a:t>
             </a:r>
             <a:endParaRPr lang="zh-TW" altLang="zh-TW" sz="2800" dirty="0">
-              <a:latin typeface="Times New Roman" panose="02020603050405020304" pitchFamily="18" charset="0"/>
-              <a:cs typeface="Times New Roman" panose="02020603050405020304" pitchFamily="18" charset="0"/>
+              <a:solidFill>
+                <a:schemeClr val="bg1">
+                  <a:lumMod val="65000"/>
+                </a:schemeClr>
+              </a:solidFill>
             </a:endParaRPr>
           </a:p>
           <a:p>
@@ -5211,876 +7219,7 @@
           <a:p>
             <a:fld id="{69E57DC2-970A-4B3E-BB1C-7A09969E49DF}" type="slidenum">
               <a:rPr lang="en-US" smtClean="0"/>
-              <a:t>2</a:t>
-            </a:fld>
-            <a:endParaRPr lang="en-US" dirty="0"/>
-          </a:p>
-        </p:txBody>
-      </p:sp>
-    </p:spTree>
-    <p:extLst>
-      <p:ext uri="{BB962C8B-B14F-4D97-AF65-F5344CB8AC3E}">
-        <p14:creationId xmlns:p14="http://schemas.microsoft.com/office/powerpoint/2010/main" val="2476028353"/>
-      </p:ext>
-    </p:extLst>
-  </p:cSld>
-  <p:clrMapOvr>
-    <a:masterClrMapping/>
-  </p:clrMapOvr>
-</p:sld>
-</file>
-
-<file path=ppt/slides/slide3.xml><?xml version="1.0" encoding="utf-8"?>
-<p:sld xmlns:a="http://schemas.openxmlformats.org/drawingml/2006/main" xmlns:r="http://schemas.openxmlformats.org/officeDocument/2006/relationships" xmlns:p="http://schemas.openxmlformats.org/presentationml/2006/main">
-  <p:cSld>
-    <p:spTree>
-      <p:nvGrpSpPr>
-        <p:cNvPr id="1" name=""/>
-        <p:cNvGrpSpPr/>
-        <p:nvPr/>
-      </p:nvGrpSpPr>
-      <p:grpSpPr>
-        <a:xfrm>
-          <a:off x="0" y="0"/>
-          <a:ext cx="0" cy="0"/>
-          <a:chOff x="0" y="0"/>
-          <a:chExt cx="0" cy="0"/>
-        </a:xfrm>
-      </p:grpSpPr>
-      <p:sp>
-        <p:nvSpPr>
-          <p:cNvPr id="2" name="標題 1">
-            <a:extLst>
-              <a:ext uri="{FF2B5EF4-FFF2-40B4-BE49-F238E27FC236}">
-                <a16:creationId xmlns:a16="http://schemas.microsoft.com/office/drawing/2014/main" id="{C7E843D0-356E-4ADE-A166-FF0CAD8A696E}"/>
-              </a:ext>
-            </a:extLst>
-          </p:cNvPr>
-          <p:cNvSpPr>
-            <a:spLocks noGrp="1"/>
-          </p:cNvSpPr>
-          <p:nvPr>
-            <p:ph type="title"/>
-          </p:nvPr>
-        </p:nvSpPr>
-        <p:spPr/>
-        <p:txBody>
-          <a:bodyPr>
-            <a:normAutofit/>
-          </a:bodyPr>
-          <a:lstStyle/>
-          <a:p>
-            <a:pPr algn="l"/>
-            <a:r>
-              <a:rPr lang="en-US" altLang="zh-TW" sz="4000" b="1" dirty="0"/>
-              <a:t>Outline</a:t>
-            </a:r>
-            <a:endParaRPr lang="zh-TW" altLang="en-US" sz="4000" b="1" dirty="0"/>
-          </a:p>
-        </p:txBody>
-      </p:sp>
-      <p:sp>
-        <p:nvSpPr>
-          <p:cNvPr id="3" name="內容版面配置區 2">
-            <a:extLst>
-              <a:ext uri="{FF2B5EF4-FFF2-40B4-BE49-F238E27FC236}">
-                <a16:creationId xmlns:a16="http://schemas.microsoft.com/office/drawing/2014/main" id="{75121BD4-30C7-4F3C-AD2C-6553106AF8D9}"/>
-              </a:ext>
-            </a:extLst>
-          </p:cNvPr>
-          <p:cNvSpPr>
-            <a:spLocks noGrp="1"/>
-          </p:cNvSpPr>
-          <p:nvPr>
-            <p:ph idx="1"/>
-          </p:nvPr>
-        </p:nvSpPr>
-        <p:spPr/>
-        <p:txBody>
-          <a:bodyPr anchor="ctr">
-            <a:normAutofit/>
-          </a:bodyPr>
-          <a:lstStyle/>
-          <a:p>
-            <a:r>
-              <a:rPr lang="en-US" altLang="zh-TW" sz="2800" dirty="0"/>
-              <a:t>Motivation</a:t>
-            </a:r>
-          </a:p>
-          <a:p>
-            <a:r>
-              <a:rPr lang="en-US" altLang="zh-TW" sz="2800" dirty="0">
-                <a:solidFill>
-                  <a:schemeClr val="bg1">
-                    <a:lumMod val="65000"/>
-                  </a:schemeClr>
-                </a:solidFill>
-                <a:latin typeface="Times New Roman" panose="02020603050405020304" pitchFamily="18" charset="0"/>
-                <a:cs typeface="Times New Roman" panose="02020603050405020304" pitchFamily="18" charset="0"/>
-              </a:rPr>
-              <a:t>System Model</a:t>
-            </a:r>
-          </a:p>
-          <a:p>
-            <a:r>
-              <a:rPr lang="en-US" altLang="zh-TW" sz="2800" dirty="0">
-                <a:solidFill>
-                  <a:schemeClr val="bg1">
-                    <a:lumMod val="65000"/>
-                  </a:schemeClr>
-                </a:solidFill>
-                <a:latin typeface="Times New Roman" panose="02020603050405020304" pitchFamily="18" charset="0"/>
-                <a:cs typeface="Times New Roman" panose="02020603050405020304" pitchFamily="18" charset="0"/>
-              </a:rPr>
-              <a:t>Analytical Model</a:t>
-            </a:r>
-          </a:p>
-          <a:p>
-            <a:r>
-              <a:rPr lang="en-US" altLang="zh-TW" sz="2800" dirty="0">
-                <a:solidFill>
-                  <a:schemeClr val="bg1">
-                    <a:lumMod val="65000"/>
-                  </a:schemeClr>
-                </a:solidFill>
-                <a:latin typeface="Times New Roman" panose="02020603050405020304" pitchFamily="18" charset="0"/>
-                <a:cs typeface="Times New Roman" panose="02020603050405020304" pitchFamily="18" charset="0"/>
-              </a:rPr>
-              <a:t>Numerical Results</a:t>
-            </a:r>
-          </a:p>
-          <a:p>
-            <a:r>
-              <a:rPr lang="en-US" altLang="zh-TW" sz="2800" dirty="0">
-                <a:solidFill>
-                  <a:schemeClr val="bg1">
-                    <a:lumMod val="65000"/>
-                  </a:schemeClr>
-                </a:solidFill>
-                <a:latin typeface="Times New Roman" panose="02020603050405020304" pitchFamily="18" charset="0"/>
-                <a:cs typeface="Times New Roman" panose="02020603050405020304" pitchFamily="18" charset="0"/>
-              </a:rPr>
-              <a:t>Conclusions and Future Works</a:t>
-            </a:r>
-            <a:endParaRPr lang="zh-TW" altLang="zh-TW" sz="2800" dirty="0">
-              <a:solidFill>
-                <a:schemeClr val="bg1">
-                  <a:lumMod val="65000"/>
-                </a:schemeClr>
-              </a:solidFill>
-              <a:latin typeface="Times New Roman" panose="02020603050405020304" pitchFamily="18" charset="0"/>
-              <a:cs typeface="Times New Roman" panose="02020603050405020304" pitchFamily="18" charset="0"/>
-            </a:endParaRPr>
-          </a:p>
-          <a:p>
-            <a:endParaRPr lang="zh-TW" altLang="en-US" sz="2800" dirty="0"/>
-          </a:p>
-        </p:txBody>
-      </p:sp>
-      <p:sp>
-        <p:nvSpPr>
-          <p:cNvPr id="5" name="投影片編號版面配置區 4">
-            <a:extLst>
-              <a:ext uri="{FF2B5EF4-FFF2-40B4-BE49-F238E27FC236}">
-                <a16:creationId xmlns:a16="http://schemas.microsoft.com/office/drawing/2014/main" id="{121747F0-CA9D-42D0-80A7-BAA33AA29E7A}"/>
-              </a:ext>
-            </a:extLst>
-          </p:cNvPr>
-          <p:cNvSpPr>
-            <a:spLocks noGrp="1"/>
-          </p:cNvSpPr>
-          <p:nvPr>
-            <p:ph type="sldNum" sz="quarter" idx="12"/>
-          </p:nvPr>
-        </p:nvSpPr>
-        <p:spPr/>
-        <p:txBody>
-          <a:bodyPr/>
-          <a:lstStyle/>
-          <a:p>
-            <a:fld id="{69E57DC2-970A-4B3E-BB1C-7A09969E49DF}" type="slidenum">
-              <a:rPr lang="en-US" smtClean="0"/>
-              <a:t>3</a:t>
-            </a:fld>
-            <a:endParaRPr lang="en-US" dirty="0"/>
-          </a:p>
-        </p:txBody>
-      </p:sp>
-    </p:spTree>
-    <p:extLst>
-      <p:ext uri="{BB962C8B-B14F-4D97-AF65-F5344CB8AC3E}">
-        <p14:creationId xmlns:p14="http://schemas.microsoft.com/office/powerpoint/2010/main" val="2587770757"/>
-      </p:ext>
-    </p:extLst>
-  </p:cSld>
-  <p:clrMapOvr>
-    <a:masterClrMapping/>
-  </p:clrMapOvr>
-</p:sld>
-</file>
-
-<file path=ppt/slides/slide4.xml><?xml version="1.0" encoding="utf-8"?>
-<p:sld xmlns:a="http://schemas.openxmlformats.org/drawingml/2006/main" xmlns:r="http://schemas.openxmlformats.org/officeDocument/2006/relationships" xmlns:p="http://schemas.openxmlformats.org/presentationml/2006/main">
-  <p:cSld>
-    <p:spTree>
-      <p:nvGrpSpPr>
-        <p:cNvPr id="1" name=""/>
-        <p:cNvGrpSpPr/>
-        <p:nvPr/>
-      </p:nvGrpSpPr>
-      <p:grpSpPr>
-        <a:xfrm>
-          <a:off x="0" y="0"/>
-          <a:ext cx="0" cy="0"/>
-          <a:chOff x="0" y="0"/>
-          <a:chExt cx="0" cy="0"/>
-        </a:xfrm>
-      </p:grpSpPr>
-      <p:sp>
-        <p:nvSpPr>
-          <p:cNvPr id="2" name="標題 1">
-            <a:extLst>
-              <a:ext uri="{FF2B5EF4-FFF2-40B4-BE49-F238E27FC236}">
-                <a16:creationId xmlns:a16="http://schemas.microsoft.com/office/drawing/2014/main" id="{3BE95446-60B2-49FD-9DB0-43476B140F81}"/>
-              </a:ext>
-            </a:extLst>
-          </p:cNvPr>
-          <p:cNvSpPr>
-            <a:spLocks noGrp="1"/>
-          </p:cNvSpPr>
-          <p:nvPr>
-            <p:ph type="title"/>
-          </p:nvPr>
-        </p:nvSpPr>
-        <p:spPr/>
-        <p:txBody>
-          <a:bodyPr/>
-          <a:lstStyle/>
-          <a:p>
-            <a:endParaRPr lang="zh-TW" altLang="en-US"/>
-          </a:p>
-        </p:txBody>
-      </p:sp>
-      <p:sp>
-        <p:nvSpPr>
-          <p:cNvPr id="3" name="內容版面配置區 2">
-            <a:extLst>
-              <a:ext uri="{FF2B5EF4-FFF2-40B4-BE49-F238E27FC236}">
-                <a16:creationId xmlns:a16="http://schemas.microsoft.com/office/drawing/2014/main" id="{D52F5F52-243B-4DFA-A631-4A2A1EE482CA}"/>
-              </a:ext>
-            </a:extLst>
-          </p:cNvPr>
-          <p:cNvSpPr>
-            <a:spLocks noGrp="1"/>
-          </p:cNvSpPr>
-          <p:nvPr>
-            <p:ph idx="1"/>
-          </p:nvPr>
-        </p:nvSpPr>
-        <p:spPr/>
-        <p:txBody>
-          <a:bodyPr/>
-          <a:lstStyle/>
-          <a:p>
-            <a:endParaRPr lang="zh-TW" altLang="en-US"/>
-          </a:p>
-        </p:txBody>
-      </p:sp>
-      <p:sp>
-        <p:nvSpPr>
-          <p:cNvPr id="4" name="投影片編號版面配置區 3">
-            <a:extLst>
-              <a:ext uri="{FF2B5EF4-FFF2-40B4-BE49-F238E27FC236}">
-                <a16:creationId xmlns:a16="http://schemas.microsoft.com/office/drawing/2014/main" id="{4B685C6A-1E0B-4328-8398-12DE0DB7EB95}"/>
-              </a:ext>
-            </a:extLst>
-          </p:cNvPr>
-          <p:cNvSpPr>
-            <a:spLocks noGrp="1"/>
-          </p:cNvSpPr>
-          <p:nvPr>
-            <p:ph type="sldNum" sz="quarter" idx="12"/>
-          </p:nvPr>
-        </p:nvSpPr>
-        <p:spPr/>
-        <p:txBody>
-          <a:bodyPr/>
-          <a:lstStyle/>
-          <a:p>
-            <a:fld id="{69E57DC2-970A-4B3E-BB1C-7A09969E49DF}" type="slidenum">
-              <a:rPr lang="en-US" smtClean="0"/>
-              <a:t>4</a:t>
-            </a:fld>
-            <a:endParaRPr lang="en-US" dirty="0"/>
-          </a:p>
-        </p:txBody>
-      </p:sp>
-    </p:spTree>
-    <p:extLst>
-      <p:ext uri="{BB962C8B-B14F-4D97-AF65-F5344CB8AC3E}">
-        <p14:creationId xmlns:p14="http://schemas.microsoft.com/office/powerpoint/2010/main" val="3468022601"/>
-      </p:ext>
-    </p:extLst>
-  </p:cSld>
-  <p:clrMapOvr>
-    <a:masterClrMapping/>
-  </p:clrMapOvr>
-</p:sld>
-</file>
-
-<file path=ppt/slides/slide5.xml><?xml version="1.0" encoding="utf-8"?>
-<p:sld xmlns:a="http://schemas.openxmlformats.org/drawingml/2006/main" xmlns:r="http://schemas.openxmlformats.org/officeDocument/2006/relationships" xmlns:p="http://schemas.openxmlformats.org/presentationml/2006/main">
-  <p:cSld>
-    <p:spTree>
-      <p:nvGrpSpPr>
-        <p:cNvPr id="1" name=""/>
-        <p:cNvGrpSpPr/>
-        <p:nvPr/>
-      </p:nvGrpSpPr>
-      <p:grpSpPr>
-        <a:xfrm>
-          <a:off x="0" y="0"/>
-          <a:ext cx="0" cy="0"/>
-          <a:chOff x="0" y="0"/>
-          <a:chExt cx="0" cy="0"/>
-        </a:xfrm>
-      </p:grpSpPr>
-      <p:sp>
-        <p:nvSpPr>
-          <p:cNvPr id="2" name="標題 1">
-            <a:extLst>
-              <a:ext uri="{FF2B5EF4-FFF2-40B4-BE49-F238E27FC236}">
-                <a16:creationId xmlns:a16="http://schemas.microsoft.com/office/drawing/2014/main" id="{1EA3F173-05C7-4E9E-9CE7-658F5BB18C24}"/>
-              </a:ext>
-            </a:extLst>
-          </p:cNvPr>
-          <p:cNvSpPr>
-            <a:spLocks noGrp="1"/>
-          </p:cNvSpPr>
-          <p:nvPr>
-            <p:ph type="title"/>
-          </p:nvPr>
-        </p:nvSpPr>
-        <p:spPr/>
-        <p:txBody>
-          <a:bodyPr/>
-          <a:lstStyle/>
-          <a:p>
-            <a:r>
-              <a:rPr lang="en-US" altLang="zh-TW" dirty="0"/>
-              <a:t>Motivation</a:t>
-            </a:r>
-            <a:endParaRPr lang="zh-TW" altLang="en-US" dirty="0"/>
-          </a:p>
-        </p:txBody>
-      </p:sp>
-      <p:sp>
-        <p:nvSpPr>
-          <p:cNvPr id="3" name="內容版面配置區 2">
-            <a:extLst>
-              <a:ext uri="{FF2B5EF4-FFF2-40B4-BE49-F238E27FC236}">
-                <a16:creationId xmlns:a16="http://schemas.microsoft.com/office/drawing/2014/main" id="{AE780AA3-F858-4B70-8164-BFB9D0C416AC}"/>
-              </a:ext>
-            </a:extLst>
-          </p:cNvPr>
-          <p:cNvSpPr>
-            <a:spLocks noGrp="1"/>
-          </p:cNvSpPr>
-          <p:nvPr>
-            <p:ph idx="1"/>
-          </p:nvPr>
-        </p:nvSpPr>
-        <p:spPr>
-          <a:xfrm>
-            <a:off x="850900" y="1663700"/>
-            <a:ext cx="10490200" cy="4814805"/>
-          </a:xfrm>
-        </p:spPr>
-        <p:txBody>
-          <a:bodyPr>
-            <a:normAutofit/>
-          </a:bodyPr>
-          <a:lstStyle/>
-          <a:p>
-            <a:r>
-              <a:rPr lang="en-US" altLang="zh-TW" dirty="0"/>
-              <a:t>Draws on examples from [10] to develop a queueing model for cross-chain transaction flows. </a:t>
-            </a:r>
-          </a:p>
-          <a:p>
-            <a:r>
-              <a:rPr lang="en-US" altLang="zh-TW" dirty="0"/>
-              <a:t>Two sequential queues: </a:t>
-            </a:r>
-            <a:r>
-              <a:rPr lang="en-US" altLang="zh-TW" b="1" dirty="0"/>
-              <a:t>customer queue</a:t>
-            </a:r>
-            <a:r>
-              <a:rPr lang="zh-TW" altLang="en-US" b="1" dirty="0"/>
-              <a:t> </a:t>
-            </a:r>
-            <a:r>
-              <a:rPr lang="en-US" altLang="zh-TW" dirty="0"/>
-              <a:t>and</a:t>
-            </a:r>
-            <a:r>
-              <a:rPr lang="zh-TW" altLang="en-US" b="1" dirty="0"/>
-              <a:t> </a:t>
-            </a:r>
-            <a:r>
-              <a:rPr lang="en-US" altLang="zh-TW" b="1" dirty="0"/>
-              <a:t>block queue</a:t>
-            </a:r>
-          </a:p>
-          <a:p>
-            <a:pPr lvl="1"/>
-            <a:r>
-              <a:rPr lang="en-US" altLang="zh-TW" b="1" dirty="0"/>
-              <a:t>Customer queue: </a:t>
-            </a:r>
-            <a:r>
-              <a:rPr lang="en-US" altLang="zh-TW" dirty="0"/>
-              <a:t>waiting to be selected for block formation</a:t>
-            </a:r>
-          </a:p>
-          <a:p>
-            <a:pPr lvl="1"/>
-            <a:r>
-              <a:rPr lang="en-US" altLang="zh-TW" b="1" dirty="0"/>
-              <a:t>Block queue: </a:t>
-            </a:r>
-            <a:r>
-              <a:rPr lang="en-US" altLang="zh-TW" dirty="0"/>
-              <a:t>undergoing consensus</a:t>
-            </a:r>
-          </a:p>
-          <a:p>
-            <a:r>
-              <a:rPr lang="en-US" altLang="zh-TW" b="1" dirty="0"/>
-              <a:t>ON / OFF</a:t>
-            </a:r>
-            <a:r>
-              <a:rPr lang="en-US" altLang="zh-TW" dirty="0"/>
-              <a:t> mechanism</a:t>
-            </a:r>
-          </a:p>
-          <a:p>
-            <a:r>
-              <a:rPr lang="en-US" altLang="zh-TW" dirty="0"/>
-              <a:t>Partial batch service</a:t>
-            </a:r>
-          </a:p>
-          <a:p>
-            <a:r>
-              <a:rPr lang="en-US" altLang="zh-TW" dirty="0"/>
-              <a:t>Capture realistic life</a:t>
-            </a:r>
-          </a:p>
-          <a:p>
-            <a:pPr lvl="1"/>
-            <a:r>
-              <a:rPr lang="en-US" altLang="zh-TW" dirty="0"/>
-              <a:t>Non-preemptive priority</a:t>
-            </a:r>
-          </a:p>
-          <a:p>
-            <a:pPr lvl="1"/>
-            <a:r>
-              <a:rPr lang="en-US" altLang="zh-TW" dirty="0"/>
-              <a:t>Impatience</a:t>
-            </a:r>
-          </a:p>
-        </p:txBody>
-      </p:sp>
-      <p:sp>
-        <p:nvSpPr>
-          <p:cNvPr id="4" name="投影片編號版面配置區 3">
-            <a:extLst>
-              <a:ext uri="{FF2B5EF4-FFF2-40B4-BE49-F238E27FC236}">
-                <a16:creationId xmlns:a16="http://schemas.microsoft.com/office/drawing/2014/main" id="{304E3714-A58A-4776-9112-929BC59003F3}"/>
-              </a:ext>
-            </a:extLst>
-          </p:cNvPr>
-          <p:cNvSpPr>
-            <a:spLocks noGrp="1"/>
-          </p:cNvSpPr>
-          <p:nvPr>
-            <p:ph type="sldNum" sz="quarter" idx="12"/>
-          </p:nvPr>
-        </p:nvSpPr>
-        <p:spPr/>
-        <p:txBody>
-          <a:bodyPr/>
-          <a:lstStyle/>
-          <a:p>
-            <a:fld id="{69E57DC2-970A-4B3E-BB1C-7A09969E49DF}" type="slidenum">
-              <a:rPr lang="en-US" smtClean="0"/>
-              <a:t>5</a:t>
-            </a:fld>
-            <a:endParaRPr lang="en-US" dirty="0"/>
-          </a:p>
-        </p:txBody>
-      </p:sp>
-    </p:spTree>
-    <p:extLst>
-      <p:ext uri="{BB962C8B-B14F-4D97-AF65-F5344CB8AC3E}">
-        <p14:creationId xmlns:p14="http://schemas.microsoft.com/office/powerpoint/2010/main" val="3913887257"/>
-      </p:ext>
-    </p:extLst>
-  </p:cSld>
-  <p:clrMapOvr>
-    <a:masterClrMapping/>
-  </p:clrMapOvr>
-</p:sld>
-</file>
-
-<file path=ppt/slides/slide6.xml><?xml version="1.0" encoding="utf-8"?>
-<p:sld xmlns:a="http://schemas.openxmlformats.org/drawingml/2006/main" xmlns:r="http://schemas.openxmlformats.org/officeDocument/2006/relationships" xmlns:p="http://schemas.openxmlformats.org/presentationml/2006/main">
-  <p:cSld>
-    <p:spTree>
-      <p:nvGrpSpPr>
-        <p:cNvPr id="1" name=""/>
-        <p:cNvGrpSpPr/>
-        <p:nvPr/>
-      </p:nvGrpSpPr>
-      <p:grpSpPr>
-        <a:xfrm>
-          <a:off x="0" y="0"/>
-          <a:ext cx="0" cy="0"/>
-          <a:chOff x="0" y="0"/>
-          <a:chExt cx="0" cy="0"/>
-        </a:xfrm>
-      </p:grpSpPr>
-      <p:sp>
-        <p:nvSpPr>
-          <p:cNvPr id="2" name="標題 1">
-            <a:extLst>
-              <a:ext uri="{FF2B5EF4-FFF2-40B4-BE49-F238E27FC236}">
-                <a16:creationId xmlns:a16="http://schemas.microsoft.com/office/drawing/2014/main" id="{C7E843D0-356E-4ADE-A166-FF0CAD8A696E}"/>
-              </a:ext>
-            </a:extLst>
-          </p:cNvPr>
-          <p:cNvSpPr>
-            <a:spLocks noGrp="1"/>
-          </p:cNvSpPr>
-          <p:nvPr>
-            <p:ph type="title"/>
-          </p:nvPr>
-        </p:nvSpPr>
-        <p:spPr/>
-        <p:txBody>
-          <a:bodyPr>
-            <a:normAutofit/>
-          </a:bodyPr>
-          <a:lstStyle/>
-          <a:p>
-            <a:pPr algn="l"/>
-            <a:r>
-              <a:rPr lang="en-US" altLang="zh-TW" sz="4000" b="1" dirty="0"/>
-              <a:t>Outline</a:t>
-            </a:r>
-            <a:endParaRPr lang="zh-TW" altLang="en-US" sz="4000" b="1" dirty="0"/>
-          </a:p>
-        </p:txBody>
-      </p:sp>
-      <p:sp>
-        <p:nvSpPr>
-          <p:cNvPr id="3" name="內容版面配置區 2">
-            <a:extLst>
-              <a:ext uri="{FF2B5EF4-FFF2-40B4-BE49-F238E27FC236}">
-                <a16:creationId xmlns:a16="http://schemas.microsoft.com/office/drawing/2014/main" id="{75121BD4-30C7-4F3C-AD2C-6553106AF8D9}"/>
-              </a:ext>
-            </a:extLst>
-          </p:cNvPr>
-          <p:cNvSpPr>
-            <a:spLocks noGrp="1"/>
-          </p:cNvSpPr>
-          <p:nvPr>
-            <p:ph idx="1"/>
-          </p:nvPr>
-        </p:nvSpPr>
-        <p:spPr/>
-        <p:txBody>
-          <a:bodyPr anchor="ctr">
-            <a:normAutofit/>
-          </a:bodyPr>
-          <a:lstStyle/>
-          <a:p>
-            <a:r>
-              <a:rPr lang="en-US" altLang="zh-TW" sz="2800" dirty="0">
-                <a:solidFill>
-                  <a:schemeClr val="bg1">
-                    <a:lumMod val="65000"/>
-                  </a:schemeClr>
-                </a:solidFill>
-              </a:rPr>
-              <a:t>Motivation</a:t>
-            </a:r>
-          </a:p>
-          <a:p>
-            <a:r>
-              <a:rPr lang="en-US" altLang="zh-TW" sz="2800" dirty="0">
-                <a:latin typeface="Times New Roman" panose="02020603050405020304" pitchFamily="18" charset="0"/>
-                <a:cs typeface="Times New Roman" panose="02020603050405020304" pitchFamily="18" charset="0"/>
-              </a:rPr>
-              <a:t>System Model</a:t>
-            </a:r>
-          </a:p>
-          <a:p>
-            <a:r>
-              <a:rPr lang="en-US" altLang="zh-TW" sz="2800" dirty="0">
-                <a:solidFill>
-                  <a:schemeClr val="bg1">
-                    <a:lumMod val="65000"/>
-                  </a:schemeClr>
-                </a:solidFill>
-              </a:rPr>
-              <a:t>Analytical Model</a:t>
-            </a:r>
-          </a:p>
-          <a:p>
-            <a:r>
-              <a:rPr lang="en-US" altLang="zh-TW" sz="2800" dirty="0">
-                <a:solidFill>
-                  <a:schemeClr val="bg1">
-                    <a:lumMod val="65000"/>
-                  </a:schemeClr>
-                </a:solidFill>
-              </a:rPr>
-              <a:t>Numerical Results</a:t>
-            </a:r>
-          </a:p>
-          <a:p>
-            <a:r>
-              <a:rPr lang="en-US" altLang="zh-TW" sz="2800" dirty="0">
-                <a:solidFill>
-                  <a:schemeClr val="bg1">
-                    <a:lumMod val="65000"/>
-                  </a:schemeClr>
-                </a:solidFill>
-              </a:rPr>
-              <a:t>Conclusions and Future Works</a:t>
-            </a:r>
-            <a:endParaRPr lang="zh-TW" altLang="zh-TW" sz="2800" dirty="0">
-              <a:solidFill>
-                <a:schemeClr val="bg1">
-                  <a:lumMod val="65000"/>
-                </a:schemeClr>
-              </a:solidFill>
-            </a:endParaRPr>
-          </a:p>
-          <a:p>
-            <a:endParaRPr lang="zh-TW" altLang="en-US" sz="2800" dirty="0"/>
-          </a:p>
-        </p:txBody>
-      </p:sp>
-      <p:sp>
-        <p:nvSpPr>
-          <p:cNvPr id="5" name="投影片編號版面配置區 4">
-            <a:extLst>
-              <a:ext uri="{FF2B5EF4-FFF2-40B4-BE49-F238E27FC236}">
-                <a16:creationId xmlns:a16="http://schemas.microsoft.com/office/drawing/2014/main" id="{121747F0-CA9D-42D0-80A7-BAA33AA29E7A}"/>
-              </a:ext>
-            </a:extLst>
-          </p:cNvPr>
-          <p:cNvSpPr>
-            <a:spLocks noGrp="1"/>
-          </p:cNvSpPr>
-          <p:nvPr>
-            <p:ph type="sldNum" sz="quarter" idx="12"/>
-          </p:nvPr>
-        </p:nvSpPr>
-        <p:spPr/>
-        <p:txBody>
-          <a:bodyPr/>
-          <a:lstStyle/>
-          <a:p>
-            <a:fld id="{69E57DC2-970A-4B3E-BB1C-7A09969E49DF}" type="slidenum">
-              <a:rPr lang="en-US" smtClean="0"/>
-              <a:t>6</a:t>
-            </a:fld>
-            <a:endParaRPr lang="en-US" dirty="0"/>
-          </a:p>
-        </p:txBody>
-      </p:sp>
-    </p:spTree>
-    <p:extLst>
-      <p:ext uri="{BB962C8B-B14F-4D97-AF65-F5344CB8AC3E}">
-        <p14:creationId xmlns:p14="http://schemas.microsoft.com/office/powerpoint/2010/main" val="1701097428"/>
-      </p:ext>
-    </p:extLst>
-  </p:cSld>
-  <p:clrMapOvr>
-    <a:masterClrMapping/>
-  </p:clrMapOvr>
-</p:sld>
-</file>
-
-<file path=ppt/slides/slide7.xml><?xml version="1.0" encoding="utf-8"?>
-<p:sld xmlns:a="http://schemas.openxmlformats.org/drawingml/2006/main" xmlns:r="http://schemas.openxmlformats.org/officeDocument/2006/relationships" xmlns:p="http://schemas.openxmlformats.org/presentationml/2006/main">
-  <p:cSld>
-    <p:spTree>
-      <p:nvGrpSpPr>
-        <p:cNvPr id="1" name=""/>
-        <p:cNvGrpSpPr/>
-        <p:nvPr/>
-      </p:nvGrpSpPr>
-      <p:grpSpPr>
-        <a:xfrm>
-          <a:off x="0" y="0"/>
-          <a:ext cx="0" cy="0"/>
-          <a:chOff x="0" y="0"/>
-          <a:chExt cx="0" cy="0"/>
-        </a:xfrm>
-      </p:grpSpPr>
-      <p:sp>
-        <p:nvSpPr>
-          <p:cNvPr id="2" name="標題 1">
-            <a:extLst>
-              <a:ext uri="{FF2B5EF4-FFF2-40B4-BE49-F238E27FC236}">
-                <a16:creationId xmlns:a16="http://schemas.microsoft.com/office/drawing/2014/main" id="{C7E843D0-356E-4ADE-A166-FF0CAD8A696E}"/>
-              </a:ext>
-            </a:extLst>
-          </p:cNvPr>
-          <p:cNvSpPr>
-            <a:spLocks noGrp="1"/>
-          </p:cNvSpPr>
-          <p:nvPr>
-            <p:ph type="title"/>
-          </p:nvPr>
-        </p:nvSpPr>
-        <p:spPr/>
-        <p:txBody>
-          <a:bodyPr>
-            <a:normAutofit/>
-          </a:bodyPr>
-          <a:lstStyle/>
-          <a:p>
-            <a:pPr algn="l"/>
-            <a:r>
-              <a:rPr lang="en-US" altLang="zh-TW" sz="4000" b="1" dirty="0"/>
-              <a:t>Outline</a:t>
-            </a:r>
-            <a:endParaRPr lang="zh-TW" altLang="en-US" sz="4000" b="1" dirty="0"/>
-          </a:p>
-        </p:txBody>
-      </p:sp>
-      <p:sp>
-        <p:nvSpPr>
-          <p:cNvPr id="3" name="內容版面配置區 2">
-            <a:extLst>
-              <a:ext uri="{FF2B5EF4-FFF2-40B4-BE49-F238E27FC236}">
-                <a16:creationId xmlns:a16="http://schemas.microsoft.com/office/drawing/2014/main" id="{75121BD4-30C7-4F3C-AD2C-6553106AF8D9}"/>
-              </a:ext>
-            </a:extLst>
-          </p:cNvPr>
-          <p:cNvSpPr>
-            <a:spLocks noGrp="1"/>
-          </p:cNvSpPr>
-          <p:nvPr>
-            <p:ph idx="1"/>
-          </p:nvPr>
-        </p:nvSpPr>
-        <p:spPr/>
-        <p:txBody>
-          <a:bodyPr anchor="ctr">
-            <a:normAutofit/>
-          </a:bodyPr>
-          <a:lstStyle/>
-          <a:p>
-            <a:r>
-              <a:rPr lang="en-US" altLang="zh-TW" sz="2800" dirty="0">
-                <a:solidFill>
-                  <a:schemeClr val="bg1">
-                    <a:lumMod val="65000"/>
-                  </a:schemeClr>
-                </a:solidFill>
-              </a:rPr>
-              <a:t>Motivation</a:t>
-            </a:r>
-          </a:p>
-          <a:p>
-            <a:r>
-              <a:rPr lang="en-US" altLang="zh-TW" sz="2800" dirty="0">
-                <a:solidFill>
-                  <a:schemeClr val="bg1">
-                    <a:lumMod val="65000"/>
-                  </a:schemeClr>
-                </a:solidFill>
-              </a:rPr>
-              <a:t>System Model</a:t>
-            </a:r>
-          </a:p>
-          <a:p>
-            <a:r>
-              <a:rPr lang="en-US" altLang="zh-TW" sz="2800" dirty="0">
-                <a:latin typeface="Times New Roman" panose="02020603050405020304" pitchFamily="18" charset="0"/>
-                <a:cs typeface="Times New Roman" panose="02020603050405020304" pitchFamily="18" charset="0"/>
-              </a:rPr>
-              <a:t>Analytical Model</a:t>
-            </a:r>
-          </a:p>
-          <a:p>
-            <a:r>
-              <a:rPr lang="en-US" altLang="zh-TW" sz="2800" dirty="0">
-                <a:solidFill>
-                  <a:schemeClr val="bg1">
-                    <a:lumMod val="65000"/>
-                  </a:schemeClr>
-                </a:solidFill>
-              </a:rPr>
-              <a:t>Numerical Results</a:t>
-            </a:r>
-          </a:p>
-          <a:p>
-            <a:r>
-              <a:rPr lang="en-US" altLang="zh-TW" sz="2800" dirty="0">
-                <a:solidFill>
-                  <a:schemeClr val="bg1">
-                    <a:lumMod val="65000"/>
-                  </a:schemeClr>
-                </a:solidFill>
-              </a:rPr>
-              <a:t>Conclusions and Future Works</a:t>
-            </a:r>
-            <a:endParaRPr lang="zh-TW" altLang="zh-TW" sz="2800" dirty="0">
-              <a:solidFill>
-                <a:schemeClr val="bg1">
-                  <a:lumMod val="65000"/>
-                </a:schemeClr>
-              </a:solidFill>
-            </a:endParaRPr>
-          </a:p>
-          <a:p>
-            <a:endParaRPr lang="zh-TW" altLang="en-US" sz="2800" dirty="0"/>
-          </a:p>
-        </p:txBody>
-      </p:sp>
-      <p:sp>
-        <p:nvSpPr>
-          <p:cNvPr id="5" name="投影片編號版面配置區 4">
-            <a:extLst>
-              <a:ext uri="{FF2B5EF4-FFF2-40B4-BE49-F238E27FC236}">
-                <a16:creationId xmlns:a16="http://schemas.microsoft.com/office/drawing/2014/main" id="{121747F0-CA9D-42D0-80A7-BAA33AA29E7A}"/>
-              </a:ext>
-            </a:extLst>
-          </p:cNvPr>
-          <p:cNvSpPr>
-            <a:spLocks noGrp="1"/>
-          </p:cNvSpPr>
-          <p:nvPr>
-            <p:ph type="sldNum" sz="quarter" idx="12"/>
-          </p:nvPr>
-        </p:nvSpPr>
-        <p:spPr/>
-        <p:txBody>
-          <a:bodyPr/>
-          <a:lstStyle/>
-          <a:p>
-            <a:fld id="{69E57DC2-970A-4B3E-BB1C-7A09969E49DF}" type="slidenum">
-              <a:rPr lang="en-US" smtClean="0"/>
-              <a:t>7</a:t>
+              <a:t>11</a:t>
             </a:fld>
             <a:endParaRPr lang="en-US" dirty="0"/>
           </a:p>
@@ -6099,7 +7238,7 @@
 </p:sld>
 </file>
 
-<file path=ppt/slides/slide8.xml><?xml version="1.0" encoding="utf-8"?>
+<file path=ppt/slides/slide12.xml><?xml version="1.0" encoding="utf-8"?>
 <p:sld xmlns:a="http://schemas.openxmlformats.org/drawingml/2006/main" xmlns:r="http://schemas.openxmlformats.org/officeDocument/2006/relationships" xmlns:p="http://schemas.openxmlformats.org/presentationml/2006/main">
   <p:cSld>
     <p:spTree>
@@ -6145,8 +7284,8 @@
           </a:p>
         </p:txBody>
       </p:sp>
-      <mc:AlternateContent xmlns:mc="http://schemas.openxmlformats.org/markup-compatibility/2006">
-        <mc:Choice xmlns:a14="http://schemas.microsoft.com/office/drawing/2010/main" Requires="a14">
+      <mc:AlternateContent xmlns:mc="http://schemas.openxmlformats.org/markup-compatibility/2006" xmlns:a14="http://schemas.microsoft.com/office/drawing/2010/main">
+        <mc:Choice Requires="a14">
           <p:graphicFrame>
             <p:nvGraphicFramePr>
               <p:cNvPr id="8" name="表格 8">
@@ -7673,7 +8812,7 @@
             </a:graphic>
           </p:graphicFrame>
         </mc:Choice>
-        <mc:Fallback>
+        <mc:Fallback xmlns="">
           <p:graphicFrame>
             <p:nvGraphicFramePr>
               <p:cNvPr id="8" name="表格 8">
@@ -8490,7 +9629,7 @@
           <a:p>
             <a:fld id="{69E57DC2-970A-4B3E-BB1C-7A09969E49DF}" type="slidenum">
               <a:rPr lang="en-US" smtClean="0"/>
-              <a:t>8</a:t>
+              <a:t>12</a:t>
             </a:fld>
             <a:endParaRPr lang="en-US" dirty="0"/>
           </a:p>
@@ -8509,7 +9648,2609 @@
 </p:sld>
 </file>
 
-<file path=ppt/slides/slide9.xml><?xml version="1.0" encoding="utf-8"?>
+<file path=ppt/slides/slide13.xml><?xml version="1.0" encoding="utf-8"?>
+<p:sld xmlns:a="http://schemas.openxmlformats.org/drawingml/2006/main" xmlns:r="http://schemas.openxmlformats.org/officeDocument/2006/relationships" xmlns:p="http://schemas.openxmlformats.org/presentationml/2006/main">
+  <p:cSld>
+    <p:spTree>
+      <p:nvGrpSpPr>
+        <p:cNvPr id="1" name=""/>
+        <p:cNvGrpSpPr/>
+        <p:nvPr/>
+      </p:nvGrpSpPr>
+      <p:grpSpPr>
+        <a:xfrm>
+          <a:off x="0" y="0"/>
+          <a:ext cx="0" cy="0"/>
+          <a:chOff x="0" y="0"/>
+          <a:chExt cx="0" cy="0"/>
+        </a:xfrm>
+      </p:grpSpPr>
+      <p:sp>
+        <p:nvSpPr>
+          <p:cNvPr id="2" name="標題 1">
+            <a:extLst>
+              <a:ext uri="{FF2B5EF4-FFF2-40B4-BE49-F238E27FC236}">
+                <a16:creationId xmlns:a16="http://schemas.microsoft.com/office/drawing/2014/main" id="{FA08A9AC-E055-4033-BB88-83208682F31B}"/>
+              </a:ext>
+            </a:extLst>
+          </p:cNvPr>
+          <p:cNvSpPr>
+            <a:spLocks noGrp="1"/>
+          </p:cNvSpPr>
+          <p:nvPr>
+            <p:ph type="title"/>
+          </p:nvPr>
+        </p:nvSpPr>
+        <p:spPr/>
+        <p:txBody>
+          <a:bodyPr/>
+          <a:lstStyle/>
+          <a:p>
+            <a:r>
+              <a:rPr lang="en-US" altLang="zh-TW" dirty="0"/>
+              <a:t>Analytical Model</a:t>
+            </a:r>
+            <a:endParaRPr lang="zh-TW" altLang="en-US" dirty="0"/>
+          </a:p>
+        </p:txBody>
+      </p:sp>
+      <mc:AlternateContent xmlns:mc="http://schemas.openxmlformats.org/markup-compatibility/2006">
+        <mc:Choice xmlns:a14="http://schemas.microsoft.com/office/drawing/2010/main" Requires="a14">
+          <p:sp>
+            <p:nvSpPr>
+              <p:cNvPr id="3" name="內容版面配置區 2">
+                <a:extLst>
+                  <a:ext uri="{FF2B5EF4-FFF2-40B4-BE49-F238E27FC236}">
+                    <a16:creationId xmlns:a16="http://schemas.microsoft.com/office/drawing/2014/main" id="{553B867C-600C-4917-8A50-246B168B6AE1}"/>
+                  </a:ext>
+                </a:extLst>
+              </p:cNvPr>
+              <p:cNvSpPr>
+                <a:spLocks noGrp="1"/>
+              </p:cNvSpPr>
+              <p:nvPr>
+                <p:ph idx="1"/>
+              </p:nvPr>
+            </p:nvSpPr>
+            <p:spPr>
+              <a:xfrm>
+                <a:off x="735724" y="1959365"/>
+                <a:ext cx="10720552" cy="3867404"/>
+              </a:xfrm>
+            </p:spPr>
+            <p:txBody>
+              <a:bodyPr/>
+              <a:lstStyle/>
+              <a:p>
+                <a:r>
+                  <a:rPr lang="en-US" altLang="zh-TW" sz="2400" dirty="0">
+                    <a:solidFill>
+                      <a:schemeClr val="tx1">
+                        <a:lumMod val="75000"/>
+                        <a:lumOff val="25000"/>
+                      </a:schemeClr>
+                    </a:solidFill>
+                    <a:latin typeface="Times New Roman" panose="02020603050405020304" pitchFamily="18" charset="0"/>
+                    <a:cs typeface="Times New Roman" panose="02020603050405020304" pitchFamily="18" charset="0"/>
+                  </a:rPr>
+                  <a:t>The system models of </a:t>
+                </a:r>
+                <a:r>
+                  <a:rPr lang="en-US" altLang="zh-TW" sz="2400" b="1" dirty="0">
+                    <a:solidFill>
+                      <a:schemeClr val="tx1">
+                        <a:lumMod val="75000"/>
+                        <a:lumOff val="25000"/>
+                      </a:schemeClr>
+                    </a:solidFill>
+                    <a:latin typeface="Times New Roman" panose="02020603050405020304" pitchFamily="18" charset="0"/>
+                    <a:cs typeface="Times New Roman" panose="02020603050405020304" pitchFamily="18" charset="0"/>
+                  </a:rPr>
+                  <a:t>scenario 1</a:t>
+                </a:r>
+                <a:r>
+                  <a:rPr lang="en-US" altLang="zh-TW" sz="2400" dirty="0">
+                    <a:solidFill>
+                      <a:schemeClr val="tx1">
+                        <a:lumMod val="75000"/>
+                        <a:lumOff val="25000"/>
+                      </a:schemeClr>
+                    </a:solidFill>
+                    <a:latin typeface="Times New Roman" panose="02020603050405020304" pitchFamily="18" charset="0"/>
+                    <a:cs typeface="Times New Roman" panose="02020603050405020304" pitchFamily="18" charset="0"/>
+                  </a:rPr>
+                  <a:t> and </a:t>
+                </a:r>
+                <a:r>
+                  <a:rPr lang="en-US" altLang="zh-TW" sz="2400" b="1" dirty="0">
+                    <a:solidFill>
+                      <a:schemeClr val="tx1">
+                        <a:lumMod val="75000"/>
+                        <a:lumOff val="25000"/>
+                      </a:schemeClr>
+                    </a:solidFill>
+                    <a:latin typeface="Times New Roman" panose="02020603050405020304" pitchFamily="18" charset="0"/>
+                    <a:cs typeface="Times New Roman" panose="02020603050405020304" pitchFamily="18" charset="0"/>
+                  </a:rPr>
+                  <a:t>3</a:t>
+                </a:r>
+                <a:r>
+                  <a:rPr lang="en-US" altLang="zh-TW" sz="2400" dirty="0">
+                    <a:solidFill>
+                      <a:schemeClr val="tx1">
+                        <a:lumMod val="75000"/>
+                        <a:lumOff val="25000"/>
+                      </a:schemeClr>
+                    </a:solidFill>
+                    <a:latin typeface="Times New Roman" panose="02020603050405020304" pitchFamily="18" charset="0"/>
+                    <a:cs typeface="Times New Roman" panose="02020603050405020304" pitchFamily="18" charset="0"/>
+                  </a:rPr>
+                  <a:t> are described based on a three-dimensional Markov chain with the state </a:t>
+                </a:r>
+                <a:r>
+                  <a:rPr lang="en-US" altLang="zh-TW" sz="2400" b="1" dirty="0">
+                    <a:solidFill>
+                      <a:schemeClr val="tx1">
+                        <a:lumMod val="75000"/>
+                        <a:lumOff val="25000"/>
+                      </a:schemeClr>
+                    </a:solidFill>
+                    <a:latin typeface="Times New Roman" panose="02020603050405020304" pitchFamily="18" charset="0"/>
+                    <a:cs typeface="Times New Roman" panose="02020603050405020304" pitchFamily="18" charset="0"/>
+                  </a:rPr>
+                  <a:t>(</a:t>
+                </a:r>
+                <a14:m>
+                  <m:oMath xmlns:m="http://schemas.openxmlformats.org/officeDocument/2006/math">
+                    <m:r>
+                      <a:rPr lang="en-US" altLang="zh-TW" sz="2400" b="1" i="1">
+                        <a:latin typeface="Cambria Math" panose="02040503050406030204" pitchFamily="18" charset="0"/>
+                      </a:rPr>
+                      <m:t>𝒊</m:t>
+                    </m:r>
+                    <m:r>
+                      <a:rPr lang="en-US" altLang="zh-TW" sz="2400" b="1" i="1">
+                        <a:latin typeface="Cambria Math" panose="02040503050406030204" pitchFamily="18" charset="0"/>
+                      </a:rPr>
+                      <m:t>, </m:t>
+                    </m:r>
+                    <m:r>
+                      <a:rPr lang="en-US" altLang="zh-TW" sz="2400" b="1" i="1">
+                        <a:latin typeface="Cambria Math" panose="02040503050406030204" pitchFamily="18" charset="0"/>
+                      </a:rPr>
+                      <m:t>𝒙</m:t>
+                    </m:r>
+                    <m:r>
+                      <a:rPr lang="en-US" altLang="zh-TW" sz="2400" b="1" i="1">
+                        <a:latin typeface="Cambria Math" panose="02040503050406030204" pitchFamily="18" charset="0"/>
+                      </a:rPr>
+                      <m:t>, </m:t>
+                    </m:r>
+                    <m:r>
+                      <a:rPr lang="en-US" altLang="zh-TW" sz="2400" b="1" i="1" smtClean="0">
+                        <a:latin typeface="Cambria Math" panose="02040503050406030204" pitchFamily="18" charset="0"/>
+                      </a:rPr>
+                      <m:t>𝒌</m:t>
+                    </m:r>
+                  </m:oMath>
+                </a14:m>
+                <a:r>
+                  <a:rPr lang="en-US" altLang="zh-TW" sz="2400" b="1" dirty="0">
+                    <a:solidFill>
+                      <a:schemeClr val="tx1">
+                        <a:lumMod val="75000"/>
+                        <a:lumOff val="25000"/>
+                      </a:schemeClr>
+                    </a:solidFill>
+                    <a:latin typeface="Times New Roman" panose="02020603050405020304" pitchFamily="18" charset="0"/>
+                    <a:cs typeface="Times New Roman" panose="02020603050405020304" pitchFamily="18" charset="0"/>
+                  </a:rPr>
+                  <a:t>)</a:t>
+                </a:r>
+                <a:r>
+                  <a:rPr lang="en-US" altLang="zh-TW" sz="2400" dirty="0">
+                    <a:solidFill>
+                      <a:schemeClr val="tx1">
+                        <a:lumMod val="75000"/>
+                        <a:lumOff val="25000"/>
+                      </a:schemeClr>
+                    </a:solidFill>
+                    <a:latin typeface="Times New Roman" panose="02020603050405020304" pitchFamily="18" charset="0"/>
+                    <a:cs typeface="Times New Roman" panose="02020603050405020304" pitchFamily="18" charset="0"/>
+                  </a:rPr>
+                  <a:t>.</a:t>
+                </a:r>
+              </a:p>
+              <a:p>
+                <a:pPr marL="228600" lvl="1" indent="0">
+                  <a:buNone/>
+                </a:pPr>
+                <a:r>
+                  <a:rPr lang="en-US" altLang="zh-TW" dirty="0">
+                    <a:solidFill>
+                      <a:schemeClr val="tx1">
+                        <a:lumMod val="75000"/>
+                        <a:lumOff val="25000"/>
+                      </a:schemeClr>
+                    </a:solidFill>
+                  </a:rPr>
+                  <a:t>(1) </a:t>
+                </a:r>
+                <a14:m>
+                  <m:oMath xmlns:m="http://schemas.openxmlformats.org/officeDocument/2006/math">
+                    <m:r>
+                      <a:rPr lang="en-US" altLang="zh-TW" b="0" i="1" smtClean="0">
+                        <a:solidFill>
+                          <a:schemeClr val="tx1">
+                            <a:lumMod val="75000"/>
+                            <a:lumOff val="25000"/>
+                          </a:schemeClr>
+                        </a:solidFill>
+                        <a:latin typeface="Cambria Math" panose="02040503050406030204" pitchFamily="18" charset="0"/>
+                      </a:rPr>
+                      <m:t>𝑖</m:t>
+                    </m:r>
+                  </m:oMath>
+                </a14:m>
+                <a:r>
+                  <a:rPr lang="en-US" altLang="zh-TW" dirty="0">
+                    <a:solidFill>
+                      <a:schemeClr val="tx1">
+                        <a:lumMod val="75000"/>
+                        <a:lumOff val="25000"/>
+                      </a:schemeClr>
+                    </a:solidFill>
+                    <a:latin typeface="Times New Roman" panose="02020603050405020304" pitchFamily="18" charset="0"/>
+                    <a:cs typeface="Times New Roman" panose="02020603050405020304" pitchFamily="18" charset="0"/>
+                  </a:rPr>
+                  <a:t>: </a:t>
+                </a:r>
+                <a:r>
+                  <a:rPr lang="en-US" altLang="zh-TW" dirty="0"/>
+                  <a:t>the number of customers in the customer queue</a:t>
+                </a:r>
+                <a:endParaRPr lang="en-US" altLang="zh-TW" dirty="0">
+                  <a:solidFill>
+                    <a:schemeClr val="tx1">
+                      <a:lumMod val="75000"/>
+                      <a:lumOff val="25000"/>
+                    </a:schemeClr>
+                  </a:solidFill>
+                  <a:latin typeface="Times New Roman" panose="02020603050405020304" pitchFamily="18" charset="0"/>
+                  <a:cs typeface="Times New Roman" panose="02020603050405020304" pitchFamily="18" charset="0"/>
+                </a:endParaRPr>
+              </a:p>
+              <a:p>
+                <a:pPr marL="228600" lvl="1" indent="0">
+                  <a:buNone/>
+                </a:pPr>
+                <a:r>
+                  <a:rPr lang="en-US" altLang="zh-TW" dirty="0">
+                    <a:solidFill>
+                      <a:schemeClr val="tx1">
+                        <a:lumMod val="75000"/>
+                        <a:lumOff val="25000"/>
+                      </a:schemeClr>
+                    </a:solidFill>
+                  </a:rPr>
+                  <a:t>(2) </a:t>
+                </a:r>
+                <a14:m>
+                  <m:oMath xmlns:m="http://schemas.openxmlformats.org/officeDocument/2006/math">
+                    <m:r>
+                      <a:rPr lang="en-US" altLang="zh-TW" b="0" i="1" smtClean="0">
+                        <a:solidFill>
+                          <a:schemeClr val="tx1">
+                            <a:lumMod val="75000"/>
+                            <a:lumOff val="25000"/>
+                          </a:schemeClr>
+                        </a:solidFill>
+                        <a:latin typeface="Cambria Math" panose="02040503050406030204" pitchFamily="18" charset="0"/>
+                      </a:rPr>
+                      <m:t>𝑥</m:t>
+                    </m:r>
+                  </m:oMath>
+                </a14:m>
+                <a:r>
+                  <a:rPr lang="en-US" altLang="zh-TW" dirty="0">
+                    <a:solidFill>
+                      <a:schemeClr val="tx1">
+                        <a:lumMod val="75000"/>
+                        <a:lumOff val="25000"/>
+                      </a:schemeClr>
+                    </a:solidFill>
+                    <a:latin typeface="Times New Roman" panose="02020603050405020304" pitchFamily="18" charset="0"/>
+                    <a:cs typeface="Times New Roman" panose="02020603050405020304" pitchFamily="18" charset="0"/>
+                  </a:rPr>
+                  <a:t>: </a:t>
+                </a:r>
+                <a:r>
+                  <a:rPr lang="en-US" altLang="zh-TW" dirty="0"/>
+                  <a:t>the number of customers in the block queue</a:t>
+                </a:r>
+                <a:endParaRPr lang="en-US" altLang="zh-TW" dirty="0">
+                  <a:solidFill>
+                    <a:schemeClr val="tx1">
+                      <a:lumMod val="75000"/>
+                      <a:lumOff val="25000"/>
+                    </a:schemeClr>
+                  </a:solidFill>
+                  <a:latin typeface="Times New Roman" panose="02020603050405020304" pitchFamily="18" charset="0"/>
+                  <a:cs typeface="Times New Roman" panose="02020603050405020304" pitchFamily="18" charset="0"/>
+                </a:endParaRPr>
+              </a:p>
+              <a:p>
+                <a:pPr marL="228600" lvl="1" indent="0">
+                  <a:buNone/>
+                </a:pPr>
+                <a:r>
+                  <a:rPr lang="en-US" altLang="zh-TW" dirty="0">
+                    <a:solidFill>
+                      <a:schemeClr val="tx1">
+                        <a:lumMod val="75000"/>
+                        <a:lumOff val="25000"/>
+                      </a:schemeClr>
+                    </a:solidFill>
+                  </a:rPr>
+                  <a:t>(3) </a:t>
+                </a:r>
+                <a14:m>
+                  <m:oMath xmlns:m="http://schemas.openxmlformats.org/officeDocument/2006/math">
+                    <m:r>
+                      <a:rPr lang="en-US" altLang="zh-TW" b="0" i="1" smtClean="0">
+                        <a:solidFill>
+                          <a:schemeClr val="tx1">
+                            <a:lumMod val="75000"/>
+                            <a:lumOff val="25000"/>
+                          </a:schemeClr>
+                        </a:solidFill>
+                        <a:latin typeface="Cambria Math" panose="02040503050406030204" pitchFamily="18" charset="0"/>
+                      </a:rPr>
+                      <m:t>𝑘</m:t>
+                    </m:r>
+                  </m:oMath>
+                </a14:m>
+                <a:r>
+                  <a:rPr lang="en-US" altLang="zh-TW" dirty="0">
+                    <a:solidFill>
+                      <a:schemeClr val="tx1">
+                        <a:lumMod val="75000"/>
+                        <a:lumOff val="25000"/>
+                      </a:schemeClr>
+                    </a:solidFill>
+                    <a:latin typeface="Times New Roman" panose="02020603050405020304" pitchFamily="18" charset="0"/>
+                    <a:cs typeface="Times New Roman" panose="02020603050405020304" pitchFamily="18" charset="0"/>
+                  </a:rPr>
+                  <a:t>: </a:t>
+                </a:r>
+                <a:r>
+                  <a:rPr lang="en-US" altLang="zh-TW" dirty="0"/>
+                  <a:t>the system state</a:t>
+                </a:r>
+              </a:p>
+              <a:p>
+                <a:pPr lvl="2"/>
+                <a:r>
+                  <a:rPr lang="en-US" altLang="zh-TW" sz="2000" dirty="0">
+                    <a:solidFill>
+                      <a:schemeClr val="tx1">
+                        <a:lumMod val="75000"/>
+                        <a:lumOff val="25000"/>
+                      </a:schemeClr>
+                    </a:solidFill>
+                    <a:latin typeface="Times New Roman" panose="02020603050405020304" pitchFamily="18" charset="0"/>
+                    <a:cs typeface="Times New Roman" panose="02020603050405020304" pitchFamily="18" charset="0"/>
+                  </a:rPr>
+                  <a:t>0: syste</a:t>
+                </a:r>
+                <a:r>
+                  <a:rPr lang="en-US" altLang="zh-TW" sz="2000" dirty="0">
+                    <a:solidFill>
+                      <a:schemeClr val="tx1">
+                        <a:lumMod val="75000"/>
+                        <a:lumOff val="25000"/>
+                      </a:schemeClr>
+                    </a:solidFill>
+                  </a:rPr>
+                  <a:t>m OFF</a:t>
+                </a:r>
+                <a:endParaRPr lang="en-US" altLang="zh-TW" sz="2000" dirty="0">
+                  <a:solidFill>
+                    <a:schemeClr val="tx1">
+                      <a:lumMod val="75000"/>
+                      <a:lumOff val="25000"/>
+                    </a:schemeClr>
+                  </a:solidFill>
+                  <a:latin typeface="Times New Roman" panose="02020603050405020304" pitchFamily="18" charset="0"/>
+                  <a:cs typeface="Times New Roman" panose="02020603050405020304" pitchFamily="18" charset="0"/>
+                </a:endParaRPr>
+              </a:p>
+              <a:p>
+                <a:pPr lvl="2"/>
+                <a:r>
+                  <a:rPr lang="en-US" altLang="zh-TW" sz="2000" dirty="0">
+                    <a:solidFill>
+                      <a:schemeClr val="tx1">
+                        <a:lumMod val="75000"/>
+                        <a:lumOff val="25000"/>
+                      </a:schemeClr>
+                    </a:solidFill>
+                  </a:rPr>
+                  <a:t>1: system ON</a:t>
+                </a:r>
+                <a:endParaRPr lang="en-US" altLang="zh-TW" sz="2000" dirty="0">
+                  <a:solidFill>
+                    <a:schemeClr val="tx1">
+                      <a:lumMod val="75000"/>
+                      <a:lumOff val="25000"/>
+                    </a:schemeClr>
+                  </a:solidFill>
+                  <a:latin typeface="Times New Roman" panose="02020603050405020304" pitchFamily="18" charset="0"/>
+                  <a:cs typeface="Times New Roman" panose="02020603050405020304" pitchFamily="18" charset="0"/>
+                </a:endParaRPr>
+              </a:p>
+              <a:p>
+                <a:endParaRPr lang="zh-TW" altLang="en-US" dirty="0"/>
+              </a:p>
+            </p:txBody>
+          </p:sp>
+        </mc:Choice>
+        <mc:Fallback>
+          <p:sp>
+            <p:nvSpPr>
+              <p:cNvPr id="3" name="內容版面配置區 2">
+                <a:extLst>
+                  <a:ext uri="{FF2B5EF4-FFF2-40B4-BE49-F238E27FC236}">
+                    <a16:creationId xmlns:a16="http://schemas.microsoft.com/office/drawing/2014/main" id="{553B867C-600C-4917-8A50-246B168B6AE1}"/>
+                  </a:ext>
+                </a:extLst>
+              </p:cNvPr>
+              <p:cNvSpPr>
+                <a:spLocks noGrp="1" noRot="1" noChangeAspect="1" noMove="1" noResize="1" noEditPoints="1" noAdjustHandles="1" noChangeArrowheads="1" noChangeShapeType="1" noTextEdit="1"/>
+              </p:cNvSpPr>
+              <p:nvPr>
+                <p:ph idx="1"/>
+              </p:nvPr>
+            </p:nvSpPr>
+            <p:spPr>
+              <a:xfrm>
+                <a:off x="735724" y="1959365"/>
+                <a:ext cx="10720552" cy="3867404"/>
+              </a:xfrm>
+              <a:blipFill>
+                <a:blip r:embed="rId2"/>
+                <a:stretch>
+                  <a:fillRect l="-796" r="-57"/>
+                </a:stretch>
+              </a:blipFill>
+            </p:spPr>
+            <p:txBody>
+              <a:bodyPr/>
+              <a:lstStyle/>
+              <a:p>
+                <a:r>
+                  <a:rPr lang="zh-TW" altLang="en-US">
+                    <a:noFill/>
+                  </a:rPr>
+                  <a:t> </a:t>
+                </a:r>
+              </a:p>
+            </p:txBody>
+          </p:sp>
+        </mc:Fallback>
+      </mc:AlternateContent>
+      <p:sp>
+        <p:nvSpPr>
+          <p:cNvPr id="4" name="投影片編號版面配置區 3">
+            <a:extLst>
+              <a:ext uri="{FF2B5EF4-FFF2-40B4-BE49-F238E27FC236}">
+                <a16:creationId xmlns:a16="http://schemas.microsoft.com/office/drawing/2014/main" id="{5686282C-7D98-4BA9-AC97-4D3F12BA54F2}"/>
+              </a:ext>
+            </a:extLst>
+          </p:cNvPr>
+          <p:cNvSpPr>
+            <a:spLocks noGrp="1"/>
+          </p:cNvSpPr>
+          <p:nvPr>
+            <p:ph type="sldNum" sz="quarter" idx="12"/>
+          </p:nvPr>
+        </p:nvSpPr>
+        <p:spPr/>
+        <p:txBody>
+          <a:bodyPr/>
+          <a:lstStyle/>
+          <a:p>
+            <a:fld id="{69E57DC2-970A-4B3E-BB1C-7A09969E49DF}" type="slidenum">
+              <a:rPr lang="en-US" smtClean="0"/>
+              <a:t>13</a:t>
+            </a:fld>
+            <a:endParaRPr lang="en-US" dirty="0"/>
+          </a:p>
+        </p:txBody>
+      </p:sp>
+    </p:spTree>
+    <p:extLst>
+      <p:ext uri="{BB962C8B-B14F-4D97-AF65-F5344CB8AC3E}">
+        <p14:creationId xmlns:p14="http://schemas.microsoft.com/office/powerpoint/2010/main" val="1888054305"/>
+      </p:ext>
+    </p:extLst>
+  </p:cSld>
+  <p:clrMapOvr>
+    <a:masterClrMapping/>
+  </p:clrMapOvr>
+</p:sld>
+</file>
+
+<file path=ppt/slides/slide14.xml><?xml version="1.0" encoding="utf-8"?>
+<p:sld xmlns:a="http://schemas.openxmlformats.org/drawingml/2006/main" xmlns:r="http://schemas.openxmlformats.org/officeDocument/2006/relationships" xmlns:p="http://schemas.openxmlformats.org/presentationml/2006/main">
+  <p:cSld>
+    <p:spTree>
+      <p:nvGrpSpPr>
+        <p:cNvPr id="1" name=""/>
+        <p:cNvGrpSpPr/>
+        <p:nvPr/>
+      </p:nvGrpSpPr>
+      <p:grpSpPr>
+        <a:xfrm>
+          <a:off x="0" y="0"/>
+          <a:ext cx="0" cy="0"/>
+          <a:chOff x="0" y="0"/>
+          <a:chExt cx="0" cy="0"/>
+        </a:xfrm>
+      </p:grpSpPr>
+      <p:sp>
+        <p:nvSpPr>
+          <p:cNvPr id="2" name="標題 1">
+            <a:extLst>
+              <a:ext uri="{FF2B5EF4-FFF2-40B4-BE49-F238E27FC236}">
+                <a16:creationId xmlns:a16="http://schemas.microsoft.com/office/drawing/2014/main" id="{43B1AEB3-6BEF-4D0D-99B2-C753D5C5B845}"/>
+              </a:ext>
+            </a:extLst>
+          </p:cNvPr>
+          <p:cNvSpPr>
+            <a:spLocks noGrp="1"/>
+          </p:cNvSpPr>
+          <p:nvPr>
+            <p:ph type="title"/>
+          </p:nvPr>
+        </p:nvSpPr>
+        <p:spPr/>
+        <p:txBody>
+          <a:bodyPr/>
+          <a:lstStyle/>
+          <a:p>
+            <a:r>
+              <a:rPr lang="en-US" altLang="zh-TW" dirty="0"/>
+              <a:t>Analytical Model</a:t>
+            </a:r>
+            <a:endParaRPr lang="zh-TW" altLang="en-US" dirty="0"/>
+          </a:p>
+        </p:txBody>
+      </p:sp>
+      <mc:AlternateContent xmlns:mc="http://schemas.openxmlformats.org/markup-compatibility/2006">
+        <mc:Choice xmlns:a14="http://schemas.microsoft.com/office/drawing/2010/main" Requires="a14">
+          <p:sp>
+            <p:nvSpPr>
+              <p:cNvPr id="3" name="內容版面配置區 2">
+                <a:extLst>
+                  <a:ext uri="{FF2B5EF4-FFF2-40B4-BE49-F238E27FC236}">
+                    <a16:creationId xmlns:a16="http://schemas.microsoft.com/office/drawing/2014/main" id="{9DDF8944-FFEE-4775-8C11-B3713C2D6272}"/>
+                  </a:ext>
+                </a:extLst>
+              </p:cNvPr>
+              <p:cNvSpPr>
+                <a:spLocks noGrp="1"/>
+              </p:cNvSpPr>
+              <p:nvPr>
+                <p:ph idx="1"/>
+              </p:nvPr>
+            </p:nvSpPr>
+            <p:spPr/>
+            <p:txBody>
+              <a:bodyPr/>
+              <a:lstStyle/>
+              <a:p>
+                <a:pPr>
+                  <a:spcBef>
+                    <a:spcPts val="1200"/>
+                  </a:spcBef>
+                  <a:spcAft>
+                    <a:spcPts val="1200"/>
+                  </a:spcAft>
+                </a:pPr>
+                <a:r>
+                  <a:rPr lang="en-US" altLang="zh-TW" sz="2400" dirty="0">
+                    <a:solidFill>
+                      <a:schemeClr val="tx1">
+                        <a:lumMod val="75000"/>
+                        <a:lumOff val="25000"/>
+                      </a:schemeClr>
+                    </a:solidFill>
+                    <a:latin typeface="Times New Roman" panose="02020603050405020304" pitchFamily="18" charset="0"/>
+                    <a:cs typeface="Times New Roman" panose="02020603050405020304" pitchFamily="18" charset="0"/>
+                  </a:rPr>
+                  <a:t>The state space for scenario 1 and  each node in scenario 3 can be expressed as :</a:t>
+                </a:r>
+              </a:p>
+              <a:p>
+                <a:pPr marL="0" indent="0">
+                  <a:spcBef>
+                    <a:spcPts val="1200"/>
+                  </a:spcBef>
+                  <a:spcAft>
+                    <a:spcPts val="1200"/>
+                  </a:spcAft>
+                  <a:buNone/>
+                </a:pPr>
+                <a14:m>
+                  <m:oMathPara xmlns:m="http://schemas.openxmlformats.org/officeDocument/2006/math">
+                    <m:oMathParaPr>
+                      <m:jc m:val="centerGroup"/>
+                    </m:oMathParaPr>
+                    <m:oMath xmlns:m="http://schemas.openxmlformats.org/officeDocument/2006/math">
+                      <m:r>
+                        <a:rPr lang="en-US" altLang="zh-TW" sz="1800" i="1" smtClean="0">
+                          <a:effectLst/>
+                          <a:latin typeface="Cambria Math" panose="02040503050406030204" pitchFamily="18" charset="0"/>
+                          <a:ea typeface="新細明體" panose="02020500000000000000" pitchFamily="18" charset="-120"/>
+                          <a:cs typeface="Times New Roman" panose="02020603050405020304" pitchFamily="18" charset="0"/>
+                        </a:rPr>
+                        <m:t>𝑆</m:t>
+                      </m:r>
+                      <m:r>
+                        <a:rPr lang="en-US" altLang="zh-TW" sz="1800">
+                          <a:effectLst/>
+                          <a:latin typeface="Cambria Math" panose="02040503050406030204" pitchFamily="18" charset="0"/>
+                          <a:ea typeface="新細明體" panose="02020500000000000000" pitchFamily="18" charset="-120"/>
+                          <a:cs typeface="Times New Roman" panose="02020603050405020304" pitchFamily="18" charset="0"/>
+                        </a:rPr>
+                        <m:t>=</m:t>
+                      </m:r>
+                      <m:d>
+                        <m:dPr>
+                          <m:begChr m:val="{"/>
+                          <m:endChr m:val="}"/>
+                          <m:ctrlPr>
+                            <a:rPr lang="zh-TW" altLang="zh-TW" i="1">
+                              <a:effectLst/>
+                              <a:latin typeface="Cambria Math" panose="02040503050406030204" pitchFamily="18" charset="0"/>
+                              <a:ea typeface="Cambria Math" panose="02040503050406030204" pitchFamily="18" charset="0"/>
+                            </a:rPr>
+                          </m:ctrlPr>
+                        </m:dPr>
+                        <m:e>
+                          <m:d>
+                            <m:dPr>
+                              <m:ctrlPr>
+                                <a:rPr lang="zh-TW" altLang="zh-TW" i="1">
+                                  <a:effectLst/>
+                                  <a:latin typeface="Cambria Math" panose="02040503050406030204" pitchFamily="18" charset="0"/>
+                                  <a:ea typeface="Cambria Math" panose="02040503050406030204" pitchFamily="18" charset="0"/>
+                                </a:rPr>
+                              </m:ctrlPr>
+                            </m:dPr>
+                            <m:e>
+                              <m:r>
+                                <a:rPr lang="en-US" altLang="zh-TW" sz="1800" i="1">
+                                  <a:effectLst/>
+                                  <a:latin typeface="Cambria Math" panose="02040503050406030204" pitchFamily="18" charset="0"/>
+                                  <a:ea typeface="新細明體" panose="02020500000000000000" pitchFamily="18" charset="-120"/>
+                                  <a:cs typeface="Times New Roman" panose="02020603050405020304" pitchFamily="18" charset="0"/>
+                                </a:rPr>
+                                <m:t>𝑖</m:t>
+                              </m:r>
+                              <m:r>
+                                <a:rPr lang="en-US" altLang="zh-TW" sz="1800">
+                                  <a:effectLst/>
+                                  <a:latin typeface="Cambria Math" panose="02040503050406030204" pitchFamily="18" charset="0"/>
+                                  <a:ea typeface="新細明體" panose="02020500000000000000" pitchFamily="18" charset="-120"/>
+                                  <a:cs typeface="Times New Roman" panose="02020603050405020304" pitchFamily="18" charset="0"/>
+                                </a:rPr>
+                                <m:t>, </m:t>
+                              </m:r>
+                              <m:r>
+                                <a:rPr lang="en-US" altLang="zh-TW" sz="1800" i="1">
+                                  <a:effectLst/>
+                                  <a:latin typeface="Cambria Math" panose="02040503050406030204" pitchFamily="18" charset="0"/>
+                                  <a:ea typeface="新細明體" panose="02020500000000000000" pitchFamily="18" charset="-120"/>
+                                  <a:cs typeface="Times New Roman" panose="02020603050405020304" pitchFamily="18" charset="0"/>
+                                </a:rPr>
+                                <m:t>𝑥</m:t>
+                              </m:r>
+                              <m:r>
+                                <a:rPr lang="en-US" altLang="zh-TW" sz="1800">
+                                  <a:effectLst/>
+                                  <a:latin typeface="Cambria Math" panose="02040503050406030204" pitchFamily="18" charset="0"/>
+                                  <a:ea typeface="新細明體" panose="02020500000000000000" pitchFamily="18" charset="-120"/>
+                                  <a:cs typeface="Times New Roman" panose="02020603050405020304" pitchFamily="18" charset="0"/>
+                                </a:rPr>
+                                <m:t>, </m:t>
+                              </m:r>
+                              <m:r>
+                                <a:rPr lang="en-US" altLang="zh-TW" sz="1800" i="1">
+                                  <a:effectLst/>
+                                  <a:latin typeface="Cambria Math" panose="02040503050406030204" pitchFamily="18" charset="0"/>
+                                  <a:ea typeface="新細明體" panose="02020500000000000000" pitchFamily="18" charset="-120"/>
+                                  <a:cs typeface="Times New Roman" panose="02020603050405020304" pitchFamily="18" charset="0"/>
+                                </a:rPr>
+                                <m:t>𝑘</m:t>
+                              </m:r>
+                            </m:e>
+                          </m:d>
+                        </m:e>
+                        <m:e>
+                          <m:d>
+                            <m:dPr>
+                              <m:begChr m:val="{"/>
+                              <m:endChr m:val=""/>
+                              <m:ctrlPr>
+                                <a:rPr lang="zh-TW" altLang="zh-TW" i="1">
+                                  <a:effectLst/>
+                                  <a:latin typeface="Cambria Math" panose="02040503050406030204" pitchFamily="18" charset="0"/>
+                                  <a:ea typeface="Cambria Math" panose="02040503050406030204" pitchFamily="18" charset="0"/>
+                                </a:rPr>
+                              </m:ctrlPr>
+                            </m:dPr>
+                            <m:e>
+                              <m:eqArr>
+                                <m:eqArrPr>
+                                  <m:ctrlPr>
+                                    <a:rPr lang="zh-TW" altLang="zh-TW" i="1">
+                                      <a:effectLst/>
+                                      <a:latin typeface="Cambria Math" panose="02040503050406030204" pitchFamily="18" charset="0"/>
+                                      <a:ea typeface="Cambria Math" panose="02040503050406030204" pitchFamily="18" charset="0"/>
+                                    </a:rPr>
+                                  </m:ctrlPr>
+                                </m:eqArrPr>
+                                <m:e>
+                                  <m:r>
+                                    <a:rPr lang="en-US" altLang="zh-TW" sz="1800">
+                                      <a:effectLst/>
+                                      <a:latin typeface="Cambria Math" panose="02040503050406030204" pitchFamily="18" charset="0"/>
+                                      <a:ea typeface="新細明體" panose="02020500000000000000" pitchFamily="18" charset="-120"/>
+                                      <a:cs typeface="Times New Roman" panose="02020603050405020304" pitchFamily="18" charset="0"/>
+                                    </a:rPr>
+                                    <m:t>0≤</m:t>
+                                  </m:r>
+                                  <m:r>
+                                    <a:rPr lang="en-US" altLang="zh-TW" sz="1800" i="1">
+                                      <a:effectLst/>
+                                      <a:latin typeface="Cambria Math" panose="02040503050406030204" pitchFamily="18" charset="0"/>
+                                      <a:ea typeface="新細明體" panose="02020500000000000000" pitchFamily="18" charset="-120"/>
+                                      <a:cs typeface="Times New Roman" panose="02020603050405020304" pitchFamily="18" charset="0"/>
+                                    </a:rPr>
+                                    <m:t>𝑘</m:t>
+                                  </m:r>
+                                  <m:r>
+                                    <a:rPr lang="en-US" altLang="zh-TW" sz="1800">
+                                      <a:effectLst/>
+                                      <a:latin typeface="Cambria Math" panose="02040503050406030204" pitchFamily="18" charset="0"/>
+                                      <a:ea typeface="新細明體" panose="02020500000000000000" pitchFamily="18" charset="-120"/>
+                                      <a:cs typeface="Times New Roman" panose="02020603050405020304" pitchFamily="18" charset="0"/>
+                                    </a:rPr>
+                                    <m:t>≤1</m:t>
+                                  </m:r>
+                                </m:e>
+                                <m:e>
+                                  <m:r>
+                                    <a:rPr lang="en-US" altLang="zh-TW" sz="1800" i="1">
+                                      <a:effectLst/>
+                                      <a:latin typeface="Cambria Math" panose="02040503050406030204" pitchFamily="18" charset="0"/>
+                                      <a:ea typeface="新細明體" panose="02020500000000000000" pitchFamily="18" charset="-120"/>
+                                      <a:cs typeface="Times New Roman" panose="02020603050405020304" pitchFamily="18" charset="0"/>
+                                    </a:rPr>
+                                    <m:t>𝑖𝑓</m:t>
+                                  </m:r>
+                                  <m:r>
+                                    <a:rPr lang="en-US" altLang="zh-TW" sz="1800">
+                                      <a:effectLst/>
+                                      <a:latin typeface="Cambria Math" panose="02040503050406030204" pitchFamily="18" charset="0"/>
+                                      <a:ea typeface="新細明體" panose="02020500000000000000" pitchFamily="18" charset="-120"/>
+                                      <a:cs typeface="Times New Roman" panose="02020603050405020304" pitchFamily="18" charset="0"/>
+                                    </a:rPr>
+                                    <m:t> </m:t>
+                                  </m:r>
+                                  <m:r>
+                                    <a:rPr lang="en-US" altLang="zh-TW" sz="1800" i="1">
+                                      <a:effectLst/>
+                                      <a:latin typeface="Cambria Math" panose="02040503050406030204" pitchFamily="18" charset="0"/>
+                                      <a:ea typeface="新細明體" panose="02020500000000000000" pitchFamily="18" charset="-120"/>
+                                      <a:cs typeface="Times New Roman" panose="02020603050405020304" pitchFamily="18" charset="0"/>
+                                    </a:rPr>
+                                    <m:t>𝑥</m:t>
+                                  </m:r>
+                                  <m:r>
+                                    <a:rPr lang="en-US" altLang="zh-TW" sz="1800">
+                                      <a:effectLst/>
+                                      <a:latin typeface="Cambria Math" panose="02040503050406030204" pitchFamily="18" charset="0"/>
+                                      <a:ea typeface="新細明體" panose="02020500000000000000" pitchFamily="18" charset="-120"/>
+                                      <a:cs typeface="Times New Roman" panose="02020603050405020304" pitchFamily="18" charset="0"/>
+                                    </a:rPr>
+                                    <m:t>=0:0≤</m:t>
+                                  </m:r>
+                                  <m:r>
+                                    <a:rPr lang="en-US" altLang="zh-TW" sz="1800" i="1">
+                                      <a:effectLst/>
+                                      <a:latin typeface="Cambria Math" panose="02040503050406030204" pitchFamily="18" charset="0"/>
+                                      <a:ea typeface="新細明體" panose="02020500000000000000" pitchFamily="18" charset="-120"/>
+                                      <a:cs typeface="Times New Roman" panose="02020603050405020304" pitchFamily="18" charset="0"/>
+                                    </a:rPr>
+                                    <m:t>𝑖</m:t>
+                                  </m:r>
+                                  <m:r>
+                                    <a:rPr lang="en-US" altLang="zh-TW" sz="1800">
+                                      <a:effectLst/>
+                                      <a:latin typeface="Cambria Math" panose="02040503050406030204" pitchFamily="18" charset="0"/>
+                                      <a:ea typeface="新細明體" panose="02020500000000000000" pitchFamily="18" charset="-120"/>
+                                      <a:cs typeface="Times New Roman" panose="02020603050405020304" pitchFamily="18" charset="0"/>
+                                    </a:rPr>
+                                    <m:t>≤</m:t>
+                                  </m:r>
+                                  <m:r>
+                                    <a:rPr lang="en-US" altLang="zh-TW" sz="1800" i="1">
+                                      <a:effectLst/>
+                                      <a:latin typeface="Cambria Math" panose="02040503050406030204" pitchFamily="18" charset="0"/>
+                                      <a:ea typeface="新細明體" panose="02020500000000000000" pitchFamily="18" charset="-120"/>
+                                      <a:cs typeface="Times New Roman" panose="02020603050405020304" pitchFamily="18" charset="0"/>
+                                    </a:rPr>
+                                    <m:t>𝑁</m:t>
+                                  </m:r>
+                                </m:e>
+                                <m:e>
+                                  <m:r>
+                                    <a:rPr lang="en-US" altLang="zh-TW" sz="1800" i="1">
+                                      <a:effectLst/>
+                                      <a:latin typeface="Cambria Math" panose="02040503050406030204" pitchFamily="18" charset="0"/>
+                                      <a:ea typeface="新細明體" panose="02020500000000000000" pitchFamily="18" charset="-120"/>
+                                      <a:cs typeface="Times New Roman" panose="02020603050405020304" pitchFamily="18" charset="0"/>
+                                    </a:rPr>
+                                    <m:t>𝑖𝑓</m:t>
+                                  </m:r>
+                                  <m:r>
+                                    <a:rPr lang="en-US" altLang="zh-TW" sz="1800">
+                                      <a:effectLst/>
+                                      <a:latin typeface="Cambria Math" panose="02040503050406030204" pitchFamily="18" charset="0"/>
+                                      <a:ea typeface="新細明體" panose="02020500000000000000" pitchFamily="18" charset="-120"/>
+                                      <a:cs typeface="Times New Roman" panose="02020603050405020304" pitchFamily="18" charset="0"/>
+                                    </a:rPr>
+                                    <m:t> 1&lt;</m:t>
+                                  </m:r>
+                                  <m:r>
+                                    <a:rPr lang="en-US" altLang="zh-TW" sz="1800" i="1">
+                                      <a:effectLst/>
+                                      <a:latin typeface="Cambria Math" panose="02040503050406030204" pitchFamily="18" charset="0"/>
+                                      <a:ea typeface="新細明體" panose="02020500000000000000" pitchFamily="18" charset="-120"/>
+                                      <a:cs typeface="Times New Roman" panose="02020603050405020304" pitchFamily="18" charset="0"/>
+                                    </a:rPr>
+                                    <m:t>𝑥</m:t>
+                                  </m:r>
+                                  <m:r>
+                                    <a:rPr lang="en-US" altLang="zh-TW" sz="1800">
+                                      <a:effectLst/>
+                                      <a:latin typeface="Cambria Math" panose="02040503050406030204" pitchFamily="18" charset="0"/>
+                                      <a:ea typeface="新細明體" panose="02020500000000000000" pitchFamily="18" charset="-120"/>
+                                      <a:cs typeface="Times New Roman" panose="02020603050405020304" pitchFamily="18" charset="0"/>
+                                    </a:rPr>
+                                    <m:t>≤</m:t>
+                                  </m:r>
+                                  <m:r>
+                                    <a:rPr lang="en-US" altLang="zh-TW" sz="1800" i="1">
+                                      <a:effectLst/>
+                                      <a:latin typeface="Cambria Math" panose="02040503050406030204" pitchFamily="18" charset="0"/>
+                                      <a:ea typeface="新細明體" panose="02020500000000000000" pitchFamily="18" charset="-120"/>
+                                      <a:cs typeface="Times New Roman" panose="02020603050405020304" pitchFamily="18" charset="0"/>
+                                    </a:rPr>
+                                    <m:t>𝑏</m:t>
+                                  </m:r>
+                                  <m:r>
+                                    <a:rPr lang="en-US" altLang="zh-TW" sz="1800">
+                                      <a:effectLst/>
+                                      <a:latin typeface="Cambria Math" panose="02040503050406030204" pitchFamily="18" charset="0"/>
+                                      <a:ea typeface="新細明體" panose="02020500000000000000" pitchFamily="18" charset="-120"/>
+                                      <a:cs typeface="Times New Roman" panose="02020603050405020304" pitchFamily="18" charset="0"/>
+                                    </a:rPr>
+                                    <m:t>:0≤</m:t>
+                                  </m:r>
+                                  <m:r>
+                                    <a:rPr lang="en-US" altLang="zh-TW" sz="1800" i="1">
+                                      <a:effectLst/>
+                                      <a:latin typeface="Cambria Math" panose="02040503050406030204" pitchFamily="18" charset="0"/>
+                                      <a:ea typeface="新細明體" panose="02020500000000000000" pitchFamily="18" charset="-120"/>
+                                      <a:cs typeface="Times New Roman" panose="02020603050405020304" pitchFamily="18" charset="0"/>
+                                    </a:rPr>
+                                    <m:t>𝑖</m:t>
+                                  </m:r>
+                                  <m:r>
+                                    <a:rPr lang="en-US" altLang="zh-TW" sz="1800">
+                                      <a:effectLst/>
+                                      <a:latin typeface="Cambria Math" panose="02040503050406030204" pitchFamily="18" charset="0"/>
+                                      <a:ea typeface="新細明體" panose="02020500000000000000" pitchFamily="18" charset="-120"/>
+                                      <a:cs typeface="Times New Roman" panose="02020603050405020304" pitchFamily="18" charset="0"/>
+                                    </a:rPr>
+                                    <m:t>≤</m:t>
+                                  </m:r>
+                                  <m:r>
+                                    <a:rPr lang="en-US" altLang="zh-TW" sz="1800" i="1">
+                                      <a:effectLst/>
+                                      <a:latin typeface="Cambria Math" panose="02040503050406030204" pitchFamily="18" charset="0"/>
+                                      <a:ea typeface="新細明體" panose="02020500000000000000" pitchFamily="18" charset="-120"/>
+                                      <a:cs typeface="Times New Roman" panose="02020603050405020304" pitchFamily="18" charset="0"/>
+                                    </a:rPr>
+                                    <m:t>𝑁</m:t>
+                                  </m:r>
+                                  <m:r>
+                                    <a:rPr lang="en-US" altLang="zh-TW" sz="1800" i="1">
+                                      <a:effectLst/>
+                                      <a:latin typeface="Cambria Math" panose="02040503050406030204" pitchFamily="18" charset="0"/>
+                                      <a:ea typeface="新細明體" panose="02020500000000000000" pitchFamily="18" charset="-120"/>
+                                      <a:cs typeface="Times New Roman" panose="02020603050405020304" pitchFamily="18" charset="0"/>
+                                    </a:rPr>
+                                    <m:t>−</m:t>
+                                  </m:r>
+                                  <m:r>
+                                    <a:rPr lang="en-US" altLang="zh-TW" sz="1800" i="1">
+                                      <a:effectLst/>
+                                      <a:latin typeface="Cambria Math" panose="02040503050406030204" pitchFamily="18" charset="0"/>
+                                      <a:ea typeface="新細明體" panose="02020500000000000000" pitchFamily="18" charset="-120"/>
+                                      <a:cs typeface="Times New Roman" panose="02020603050405020304" pitchFamily="18" charset="0"/>
+                                    </a:rPr>
+                                    <m:t>𝑏</m:t>
+                                  </m:r>
+                                </m:e>
+                              </m:eqArr>
+                            </m:e>
+                          </m:d>
+                        </m:e>
+                      </m:d>
+                    </m:oMath>
+                  </m:oMathPara>
+                </a14:m>
+                <a:endParaRPr lang="en-US" altLang="zh-TW" sz="2400" dirty="0">
+                  <a:solidFill>
+                    <a:schemeClr val="tx1">
+                      <a:lumMod val="75000"/>
+                      <a:lumOff val="25000"/>
+                    </a:schemeClr>
+                  </a:solidFill>
+                  <a:latin typeface="Times New Roman" panose="02020603050405020304" pitchFamily="18" charset="0"/>
+                  <a:cs typeface="Times New Roman" panose="02020603050405020304" pitchFamily="18" charset="0"/>
+                </a:endParaRPr>
+              </a:p>
+              <a:p>
+                <a:pPr>
+                  <a:spcBef>
+                    <a:spcPts val="1200"/>
+                  </a:spcBef>
+                  <a:spcAft>
+                    <a:spcPts val="1200"/>
+                  </a:spcAft>
+                </a:pPr>
+                <a:r>
+                  <a:rPr lang="en-US" altLang="zh-TW" sz="2400" dirty="0">
+                    <a:latin typeface="Times New Roman" panose="02020603050405020304" pitchFamily="18" charset="0"/>
+                    <a:cs typeface="Times New Roman" panose="02020603050405020304" pitchFamily="18" charset="0"/>
+                  </a:rPr>
+                  <a:t>We obtain the total number of feasible states</a:t>
+                </a:r>
+              </a:p>
+              <a:p>
+                <a:pPr marL="0" indent="0">
+                  <a:spcBef>
+                    <a:spcPts val="1200"/>
+                  </a:spcBef>
+                  <a:spcAft>
+                    <a:spcPts val="1200"/>
+                  </a:spcAft>
+                  <a:buNone/>
+                </a:pPr>
+                <a14:m>
+                  <m:oMathPara xmlns:m="http://schemas.openxmlformats.org/officeDocument/2006/math">
+                    <m:oMathParaPr>
+                      <m:jc m:val="centerGroup"/>
+                    </m:oMathParaPr>
+                    <m:oMath xmlns:m="http://schemas.openxmlformats.org/officeDocument/2006/math">
+                      <m:d>
+                        <m:dPr>
+                          <m:begChr m:val="|"/>
+                          <m:endChr m:val="|"/>
+                          <m:ctrlPr>
+                            <a:rPr lang="zh-TW" altLang="zh-TW" i="1" smtClean="0">
+                              <a:effectLst/>
+                              <a:latin typeface="Cambria Math" panose="02040503050406030204" pitchFamily="18" charset="0"/>
+                              <a:ea typeface="Cambria Math" panose="02040503050406030204" pitchFamily="18" charset="0"/>
+                            </a:rPr>
+                          </m:ctrlPr>
+                        </m:dPr>
+                        <m:e>
+                          <m:r>
+                            <a:rPr lang="en-US" altLang="zh-TW" sz="1800" i="1">
+                              <a:effectLst/>
+                              <a:latin typeface="Cambria Math" panose="02040503050406030204" pitchFamily="18" charset="0"/>
+                              <a:ea typeface="新細明體" panose="02020500000000000000" pitchFamily="18" charset="-120"/>
+                              <a:cs typeface="Times New Roman" panose="02020603050405020304" pitchFamily="18" charset="0"/>
+                            </a:rPr>
+                            <m:t>𝑆</m:t>
+                          </m:r>
+                        </m:e>
+                      </m:d>
+                      <m:r>
+                        <a:rPr lang="en-US" altLang="zh-TW" sz="1800">
+                          <a:effectLst/>
+                          <a:latin typeface="Cambria Math" panose="02040503050406030204" pitchFamily="18" charset="0"/>
+                          <a:ea typeface="新細明體" panose="02020500000000000000" pitchFamily="18" charset="-120"/>
+                          <a:cs typeface="Times New Roman" panose="02020603050405020304" pitchFamily="18" charset="0"/>
+                        </a:rPr>
+                        <m:t>=2</m:t>
+                      </m:r>
+                      <m:d>
+                        <m:dPr>
+                          <m:ctrlPr>
+                            <a:rPr lang="zh-TW" altLang="zh-TW" i="1">
+                              <a:effectLst/>
+                              <a:latin typeface="Cambria Math" panose="02040503050406030204" pitchFamily="18" charset="0"/>
+                              <a:ea typeface="Cambria Math" panose="02040503050406030204" pitchFamily="18" charset="0"/>
+                            </a:rPr>
+                          </m:ctrlPr>
+                        </m:dPr>
+                        <m:e>
+                          <m:r>
+                            <a:rPr lang="en-US" altLang="zh-TW" sz="1800" i="1">
+                              <a:effectLst/>
+                              <a:latin typeface="Cambria Math" panose="02040503050406030204" pitchFamily="18" charset="0"/>
+                              <a:ea typeface="新細明體" panose="02020500000000000000" pitchFamily="18" charset="-120"/>
+                              <a:cs typeface="Times New Roman" panose="02020603050405020304" pitchFamily="18" charset="0"/>
+                            </a:rPr>
+                            <m:t>𝑁</m:t>
+                          </m:r>
+                          <m:r>
+                            <a:rPr lang="en-US" altLang="zh-TW" sz="1800">
+                              <a:effectLst/>
+                              <a:latin typeface="Cambria Math" panose="02040503050406030204" pitchFamily="18" charset="0"/>
+                              <a:ea typeface="新細明體" panose="02020500000000000000" pitchFamily="18" charset="-120"/>
+                              <a:cs typeface="Times New Roman" panose="02020603050405020304" pitchFamily="18" charset="0"/>
+                            </a:rPr>
+                            <m:t>+1</m:t>
+                          </m:r>
+                        </m:e>
+                      </m:d>
+                      <m:r>
+                        <a:rPr lang="en-US" altLang="zh-TW" sz="1800">
+                          <a:effectLst/>
+                          <a:latin typeface="Cambria Math" panose="02040503050406030204" pitchFamily="18" charset="0"/>
+                          <a:ea typeface="新細明體" panose="02020500000000000000" pitchFamily="18" charset="-120"/>
+                          <a:cs typeface="Times New Roman" panose="02020603050405020304" pitchFamily="18" charset="0"/>
+                        </a:rPr>
+                        <m:t>+2</m:t>
+                      </m:r>
+                      <m:r>
+                        <a:rPr lang="en-US" altLang="zh-TW" sz="1800" i="1">
+                          <a:effectLst/>
+                          <a:latin typeface="Cambria Math" panose="02040503050406030204" pitchFamily="18" charset="0"/>
+                          <a:ea typeface="新細明體" panose="02020500000000000000" pitchFamily="18" charset="-120"/>
+                          <a:cs typeface="Times New Roman" panose="02020603050405020304" pitchFamily="18" charset="0"/>
+                        </a:rPr>
+                        <m:t>𝑏</m:t>
+                      </m:r>
+                      <m:r>
+                        <a:rPr lang="en-US" altLang="zh-TW" sz="1800">
+                          <a:effectLst/>
+                          <a:latin typeface="Cambria Math" panose="02040503050406030204" pitchFamily="18" charset="0"/>
+                          <a:ea typeface="新細明體" panose="02020500000000000000" pitchFamily="18" charset="-120"/>
+                          <a:cs typeface="Times New Roman" panose="02020603050405020304" pitchFamily="18" charset="0"/>
+                        </a:rPr>
+                        <m:t>(</m:t>
+                      </m:r>
+                      <m:r>
+                        <a:rPr lang="en-US" altLang="zh-TW" sz="1800" i="1">
+                          <a:effectLst/>
+                          <a:latin typeface="Cambria Math" panose="02040503050406030204" pitchFamily="18" charset="0"/>
+                          <a:ea typeface="新細明體" panose="02020500000000000000" pitchFamily="18" charset="-120"/>
+                          <a:cs typeface="Times New Roman" panose="02020603050405020304" pitchFamily="18" charset="0"/>
+                        </a:rPr>
+                        <m:t>𝑁</m:t>
+                      </m:r>
+                      <m:r>
+                        <a:rPr lang="en-US" altLang="zh-TW" sz="1800" i="1">
+                          <a:effectLst/>
+                          <a:latin typeface="Cambria Math" panose="02040503050406030204" pitchFamily="18" charset="0"/>
+                          <a:ea typeface="新細明體" panose="02020500000000000000" pitchFamily="18" charset="-120"/>
+                          <a:cs typeface="Times New Roman" panose="02020603050405020304" pitchFamily="18" charset="0"/>
+                        </a:rPr>
+                        <m:t>−</m:t>
+                      </m:r>
+                      <m:r>
+                        <a:rPr lang="en-US" altLang="zh-TW" sz="1800" i="1">
+                          <a:effectLst/>
+                          <a:latin typeface="Cambria Math" panose="02040503050406030204" pitchFamily="18" charset="0"/>
+                          <a:ea typeface="新細明體" panose="02020500000000000000" pitchFamily="18" charset="-120"/>
+                          <a:cs typeface="Times New Roman" panose="02020603050405020304" pitchFamily="18" charset="0"/>
+                        </a:rPr>
+                        <m:t>𝑏</m:t>
+                      </m:r>
+                      <m:r>
+                        <a:rPr lang="en-US" altLang="zh-TW" sz="1800">
+                          <a:effectLst/>
+                          <a:latin typeface="Cambria Math" panose="02040503050406030204" pitchFamily="18" charset="0"/>
+                          <a:ea typeface="新細明體" panose="02020500000000000000" pitchFamily="18" charset="-120"/>
+                          <a:cs typeface="Times New Roman" panose="02020603050405020304" pitchFamily="18" charset="0"/>
+                        </a:rPr>
+                        <m:t>+1)</m:t>
+                      </m:r>
+                    </m:oMath>
+                  </m:oMathPara>
+                </a14:m>
+                <a:endParaRPr lang="en-US" altLang="zh-TW" sz="2400" dirty="0">
+                  <a:solidFill>
+                    <a:schemeClr val="tx1">
+                      <a:lumMod val="75000"/>
+                      <a:lumOff val="25000"/>
+                    </a:schemeClr>
+                  </a:solidFill>
+                  <a:latin typeface="Times New Roman" panose="02020603050405020304" pitchFamily="18" charset="0"/>
+                  <a:cs typeface="Times New Roman" panose="02020603050405020304" pitchFamily="18" charset="0"/>
+                </a:endParaRPr>
+              </a:p>
+            </p:txBody>
+          </p:sp>
+        </mc:Choice>
+        <mc:Fallback>
+          <p:sp>
+            <p:nvSpPr>
+              <p:cNvPr id="3" name="內容版面配置區 2">
+                <a:extLst>
+                  <a:ext uri="{FF2B5EF4-FFF2-40B4-BE49-F238E27FC236}">
+                    <a16:creationId xmlns:a16="http://schemas.microsoft.com/office/drawing/2014/main" id="{9DDF8944-FFEE-4775-8C11-B3713C2D6272}"/>
+                  </a:ext>
+                </a:extLst>
+              </p:cNvPr>
+              <p:cNvSpPr>
+                <a:spLocks noGrp="1" noRot="1" noChangeAspect="1" noMove="1" noResize="1" noEditPoints="1" noAdjustHandles="1" noChangeArrowheads="1" noChangeShapeType="1" noTextEdit="1"/>
+              </p:cNvSpPr>
+              <p:nvPr>
+                <p:ph idx="1"/>
+              </p:nvPr>
+            </p:nvSpPr>
+            <p:spPr>
+              <a:blipFill>
+                <a:blip r:embed="rId2"/>
+                <a:stretch>
+                  <a:fillRect l="-814"/>
+                </a:stretch>
+              </a:blipFill>
+            </p:spPr>
+            <p:txBody>
+              <a:bodyPr/>
+              <a:lstStyle/>
+              <a:p>
+                <a:r>
+                  <a:rPr lang="zh-TW" altLang="en-US">
+                    <a:noFill/>
+                  </a:rPr>
+                  <a:t> </a:t>
+                </a:r>
+              </a:p>
+            </p:txBody>
+          </p:sp>
+        </mc:Fallback>
+      </mc:AlternateContent>
+      <p:sp>
+        <p:nvSpPr>
+          <p:cNvPr id="4" name="投影片編號版面配置區 3">
+            <a:extLst>
+              <a:ext uri="{FF2B5EF4-FFF2-40B4-BE49-F238E27FC236}">
+                <a16:creationId xmlns:a16="http://schemas.microsoft.com/office/drawing/2014/main" id="{CAF252E1-A9D2-43EE-BC20-FE205F29DD24}"/>
+              </a:ext>
+            </a:extLst>
+          </p:cNvPr>
+          <p:cNvSpPr>
+            <a:spLocks noGrp="1"/>
+          </p:cNvSpPr>
+          <p:nvPr>
+            <p:ph type="sldNum" sz="quarter" idx="12"/>
+          </p:nvPr>
+        </p:nvSpPr>
+        <p:spPr/>
+        <p:txBody>
+          <a:bodyPr/>
+          <a:lstStyle/>
+          <a:p>
+            <a:fld id="{69E57DC2-970A-4B3E-BB1C-7A09969E49DF}" type="slidenum">
+              <a:rPr lang="en-US" smtClean="0"/>
+              <a:t>14</a:t>
+            </a:fld>
+            <a:endParaRPr lang="en-US" dirty="0"/>
+          </a:p>
+        </p:txBody>
+      </p:sp>
+    </p:spTree>
+    <p:extLst>
+      <p:ext uri="{BB962C8B-B14F-4D97-AF65-F5344CB8AC3E}">
+        <p14:creationId xmlns:p14="http://schemas.microsoft.com/office/powerpoint/2010/main" val="4202308598"/>
+      </p:ext>
+    </p:extLst>
+  </p:cSld>
+  <p:clrMapOvr>
+    <a:masterClrMapping/>
+  </p:clrMapOvr>
+</p:sld>
+</file>
+
+<file path=ppt/slides/slide15.xml><?xml version="1.0" encoding="utf-8"?>
+<p:sld xmlns:a="http://schemas.openxmlformats.org/drawingml/2006/main" xmlns:r="http://schemas.openxmlformats.org/officeDocument/2006/relationships" xmlns:p="http://schemas.openxmlformats.org/presentationml/2006/main">
+  <p:cSld>
+    <p:spTree>
+      <p:nvGrpSpPr>
+        <p:cNvPr id="1" name=""/>
+        <p:cNvGrpSpPr/>
+        <p:nvPr/>
+      </p:nvGrpSpPr>
+      <p:grpSpPr>
+        <a:xfrm>
+          <a:off x="0" y="0"/>
+          <a:ext cx="0" cy="0"/>
+          <a:chOff x="0" y="0"/>
+          <a:chExt cx="0" cy="0"/>
+        </a:xfrm>
+      </p:grpSpPr>
+      <p:sp>
+        <p:nvSpPr>
+          <p:cNvPr id="2" name="標題 1">
+            <a:extLst>
+              <a:ext uri="{FF2B5EF4-FFF2-40B4-BE49-F238E27FC236}">
+                <a16:creationId xmlns:a16="http://schemas.microsoft.com/office/drawing/2014/main" id="{02B63873-AE4C-44B6-93E9-F77F9B29A050}"/>
+              </a:ext>
+            </a:extLst>
+          </p:cNvPr>
+          <p:cNvSpPr>
+            <a:spLocks noGrp="1"/>
+          </p:cNvSpPr>
+          <p:nvPr>
+            <p:ph type="title"/>
+          </p:nvPr>
+        </p:nvSpPr>
+        <p:spPr/>
+        <p:txBody>
+          <a:bodyPr/>
+          <a:lstStyle/>
+          <a:p>
+            <a:endParaRPr lang="zh-TW" altLang="en-US"/>
+          </a:p>
+        </p:txBody>
+      </p:sp>
+      <p:sp>
+        <p:nvSpPr>
+          <p:cNvPr id="3" name="內容版面配置區 2">
+            <a:extLst>
+              <a:ext uri="{FF2B5EF4-FFF2-40B4-BE49-F238E27FC236}">
+                <a16:creationId xmlns:a16="http://schemas.microsoft.com/office/drawing/2014/main" id="{965C073B-5608-4084-8A69-CD3A4E346CE1}"/>
+              </a:ext>
+            </a:extLst>
+          </p:cNvPr>
+          <p:cNvSpPr>
+            <a:spLocks noGrp="1"/>
+          </p:cNvSpPr>
+          <p:nvPr>
+            <p:ph idx="1"/>
+          </p:nvPr>
+        </p:nvSpPr>
+        <p:spPr/>
+        <p:txBody>
+          <a:bodyPr/>
+          <a:lstStyle/>
+          <a:p>
+            <a:endParaRPr lang="zh-TW" altLang="en-US"/>
+          </a:p>
+        </p:txBody>
+      </p:sp>
+      <p:sp>
+        <p:nvSpPr>
+          <p:cNvPr id="4" name="投影片編號版面配置區 3">
+            <a:extLst>
+              <a:ext uri="{FF2B5EF4-FFF2-40B4-BE49-F238E27FC236}">
+                <a16:creationId xmlns:a16="http://schemas.microsoft.com/office/drawing/2014/main" id="{B91CFE68-A5F2-43B5-9AE0-B98EE58F8877}"/>
+              </a:ext>
+            </a:extLst>
+          </p:cNvPr>
+          <p:cNvSpPr>
+            <a:spLocks noGrp="1"/>
+          </p:cNvSpPr>
+          <p:nvPr>
+            <p:ph type="sldNum" sz="quarter" idx="12"/>
+          </p:nvPr>
+        </p:nvSpPr>
+        <p:spPr/>
+        <p:txBody>
+          <a:bodyPr/>
+          <a:lstStyle/>
+          <a:p>
+            <a:fld id="{69E57DC2-970A-4B3E-BB1C-7A09969E49DF}" type="slidenum">
+              <a:rPr lang="en-US" smtClean="0"/>
+              <a:t>15</a:t>
+            </a:fld>
+            <a:endParaRPr lang="en-US" dirty="0"/>
+          </a:p>
+        </p:txBody>
+      </p:sp>
+    </p:spTree>
+    <p:extLst>
+      <p:ext uri="{BB962C8B-B14F-4D97-AF65-F5344CB8AC3E}">
+        <p14:creationId xmlns:p14="http://schemas.microsoft.com/office/powerpoint/2010/main" val="717349274"/>
+      </p:ext>
+    </p:extLst>
+  </p:cSld>
+  <p:clrMapOvr>
+    <a:masterClrMapping/>
+  </p:clrMapOvr>
+</p:sld>
+</file>
+
+<file path=ppt/slides/slide16.xml><?xml version="1.0" encoding="utf-8"?>
+<p:sld xmlns:a="http://schemas.openxmlformats.org/drawingml/2006/main" xmlns:r="http://schemas.openxmlformats.org/officeDocument/2006/relationships" xmlns:p="http://schemas.openxmlformats.org/presentationml/2006/main">
+  <p:cSld>
+    <p:spTree>
+      <p:nvGrpSpPr>
+        <p:cNvPr id="1" name=""/>
+        <p:cNvGrpSpPr/>
+        <p:nvPr/>
+      </p:nvGrpSpPr>
+      <p:grpSpPr>
+        <a:xfrm>
+          <a:off x="0" y="0"/>
+          <a:ext cx="0" cy="0"/>
+          <a:chOff x="0" y="0"/>
+          <a:chExt cx="0" cy="0"/>
+        </a:xfrm>
+      </p:grpSpPr>
+      <p:sp>
+        <p:nvSpPr>
+          <p:cNvPr id="2" name="標題 1">
+            <a:extLst>
+              <a:ext uri="{FF2B5EF4-FFF2-40B4-BE49-F238E27FC236}">
+                <a16:creationId xmlns:a16="http://schemas.microsoft.com/office/drawing/2014/main" id="{FA08A9AC-E055-4033-BB88-83208682F31B}"/>
+              </a:ext>
+            </a:extLst>
+          </p:cNvPr>
+          <p:cNvSpPr>
+            <a:spLocks noGrp="1"/>
+          </p:cNvSpPr>
+          <p:nvPr>
+            <p:ph type="title"/>
+          </p:nvPr>
+        </p:nvSpPr>
+        <p:spPr/>
+        <p:txBody>
+          <a:bodyPr/>
+          <a:lstStyle/>
+          <a:p>
+            <a:r>
+              <a:rPr lang="en-US" altLang="zh-TW" dirty="0"/>
+              <a:t>Analytical Model</a:t>
+            </a:r>
+            <a:endParaRPr lang="zh-TW" altLang="en-US" dirty="0"/>
+          </a:p>
+        </p:txBody>
+      </p:sp>
+      <mc:AlternateContent xmlns:mc="http://schemas.openxmlformats.org/markup-compatibility/2006">
+        <mc:Choice xmlns:a14="http://schemas.microsoft.com/office/drawing/2010/main" Requires="a14">
+          <p:sp>
+            <p:nvSpPr>
+              <p:cNvPr id="3" name="內容版面配置區 2">
+                <a:extLst>
+                  <a:ext uri="{FF2B5EF4-FFF2-40B4-BE49-F238E27FC236}">
+                    <a16:creationId xmlns:a16="http://schemas.microsoft.com/office/drawing/2014/main" id="{553B867C-600C-4917-8A50-246B168B6AE1}"/>
+                  </a:ext>
+                </a:extLst>
+              </p:cNvPr>
+              <p:cNvSpPr>
+                <a:spLocks noGrp="1"/>
+              </p:cNvSpPr>
+              <p:nvPr>
+                <p:ph idx="1"/>
+              </p:nvPr>
+            </p:nvSpPr>
+            <p:spPr/>
+            <p:txBody>
+              <a:bodyPr/>
+              <a:lstStyle/>
+              <a:p>
+                <a:r>
+                  <a:rPr lang="en-US" altLang="zh-TW" sz="2400" dirty="0">
+                    <a:solidFill>
+                      <a:schemeClr val="tx1">
+                        <a:lumMod val="75000"/>
+                        <a:lumOff val="25000"/>
+                      </a:schemeClr>
+                    </a:solidFill>
+                    <a:latin typeface="Times New Roman" panose="02020603050405020304" pitchFamily="18" charset="0"/>
+                    <a:cs typeface="Times New Roman" panose="02020603050405020304" pitchFamily="18" charset="0"/>
+                  </a:rPr>
+                  <a:t>The system models of </a:t>
+                </a:r>
+                <a:r>
+                  <a:rPr lang="en-US" altLang="zh-TW" sz="2400" b="1" dirty="0">
+                    <a:solidFill>
+                      <a:schemeClr val="tx1">
+                        <a:lumMod val="75000"/>
+                        <a:lumOff val="25000"/>
+                      </a:schemeClr>
+                    </a:solidFill>
+                    <a:latin typeface="Times New Roman" panose="02020603050405020304" pitchFamily="18" charset="0"/>
+                    <a:cs typeface="Times New Roman" panose="02020603050405020304" pitchFamily="18" charset="0"/>
+                  </a:rPr>
+                  <a:t>scenario 2</a:t>
+                </a:r>
+                <a:r>
+                  <a:rPr lang="en-US" altLang="zh-TW" sz="2400" dirty="0">
+                    <a:solidFill>
+                      <a:schemeClr val="tx1">
+                        <a:lumMod val="75000"/>
+                        <a:lumOff val="25000"/>
+                      </a:schemeClr>
+                    </a:solidFill>
+                    <a:latin typeface="Times New Roman" panose="02020603050405020304" pitchFamily="18" charset="0"/>
+                    <a:cs typeface="Times New Roman" panose="02020603050405020304" pitchFamily="18" charset="0"/>
+                  </a:rPr>
+                  <a:t> and </a:t>
+                </a:r>
+                <a:r>
+                  <a:rPr lang="en-US" altLang="zh-TW" sz="2400" b="1" dirty="0">
+                    <a:solidFill>
+                      <a:schemeClr val="tx1">
+                        <a:lumMod val="75000"/>
+                        <a:lumOff val="25000"/>
+                      </a:schemeClr>
+                    </a:solidFill>
+                    <a:latin typeface="Times New Roman" panose="02020603050405020304" pitchFamily="18" charset="0"/>
+                    <a:cs typeface="Times New Roman" panose="02020603050405020304" pitchFamily="18" charset="0"/>
+                  </a:rPr>
+                  <a:t>4 </a:t>
+                </a:r>
+                <a:r>
+                  <a:rPr lang="en-US" altLang="zh-TW" sz="2400" dirty="0">
+                    <a:solidFill>
+                      <a:schemeClr val="tx1">
+                        <a:lumMod val="75000"/>
+                        <a:lumOff val="25000"/>
+                      </a:schemeClr>
+                    </a:solidFill>
+                    <a:latin typeface="Times New Roman" panose="02020603050405020304" pitchFamily="18" charset="0"/>
+                    <a:cs typeface="Times New Roman" panose="02020603050405020304" pitchFamily="18" charset="0"/>
+                  </a:rPr>
+                  <a:t>are described based on a </a:t>
+                </a:r>
+                <a:r>
+                  <a:rPr lang="en-US" altLang="zh-TW" dirty="0">
+                    <a:solidFill>
+                      <a:schemeClr val="tx1">
+                        <a:lumMod val="75000"/>
+                        <a:lumOff val="25000"/>
+                      </a:schemeClr>
+                    </a:solidFill>
+                  </a:rPr>
+                  <a:t>five</a:t>
+                </a:r>
+                <a:r>
+                  <a:rPr lang="en-US" altLang="zh-TW" sz="2400" dirty="0">
+                    <a:solidFill>
+                      <a:schemeClr val="tx1">
+                        <a:lumMod val="75000"/>
+                        <a:lumOff val="25000"/>
+                      </a:schemeClr>
+                    </a:solidFill>
+                    <a:latin typeface="Times New Roman" panose="02020603050405020304" pitchFamily="18" charset="0"/>
+                    <a:cs typeface="Times New Roman" panose="02020603050405020304" pitchFamily="18" charset="0"/>
+                  </a:rPr>
+                  <a:t>-dimensional Markov chain with the state </a:t>
+                </a:r>
+                <a:r>
+                  <a:rPr lang="en-US" altLang="zh-TW" sz="2400" b="1" dirty="0">
+                    <a:solidFill>
+                      <a:schemeClr val="tx1">
+                        <a:lumMod val="75000"/>
+                        <a:lumOff val="25000"/>
+                      </a:schemeClr>
+                    </a:solidFill>
+                    <a:latin typeface="Times New Roman" panose="02020603050405020304" pitchFamily="18" charset="0"/>
+                    <a:cs typeface="Times New Roman" panose="02020603050405020304" pitchFamily="18" charset="0"/>
+                  </a:rPr>
+                  <a:t>(</a:t>
+                </a:r>
+                <a14:m>
+                  <m:oMath xmlns:m="http://schemas.openxmlformats.org/officeDocument/2006/math">
+                    <m:r>
+                      <a:rPr lang="en-US" altLang="zh-TW" sz="2400" b="1" i="1">
+                        <a:latin typeface="Cambria Math" panose="02040503050406030204" pitchFamily="18" charset="0"/>
+                      </a:rPr>
+                      <m:t>𝒊</m:t>
+                    </m:r>
+                    <m:r>
+                      <a:rPr lang="en-US" altLang="zh-TW" sz="2400" b="1" i="1">
+                        <a:latin typeface="Cambria Math" panose="02040503050406030204" pitchFamily="18" charset="0"/>
+                      </a:rPr>
+                      <m:t>,</m:t>
+                    </m:r>
+                    <m:r>
+                      <a:rPr lang="en-US" altLang="zh-TW" sz="2400" b="1" i="1" smtClean="0">
+                        <a:latin typeface="Cambria Math" panose="02040503050406030204" pitchFamily="18" charset="0"/>
+                      </a:rPr>
+                      <m:t>𝒋</m:t>
+                    </m:r>
+                    <m:r>
+                      <a:rPr lang="en-US" altLang="zh-TW" sz="2400" b="1" i="1" smtClean="0">
+                        <a:latin typeface="Cambria Math" panose="02040503050406030204" pitchFamily="18" charset="0"/>
+                      </a:rPr>
+                      <m:t>,</m:t>
+                    </m:r>
+                    <m:r>
+                      <a:rPr lang="en-US" altLang="zh-TW" sz="2400" b="1" i="1">
+                        <a:latin typeface="Cambria Math" panose="02040503050406030204" pitchFamily="18" charset="0"/>
+                      </a:rPr>
+                      <m:t>𝒙</m:t>
+                    </m:r>
+                    <m:r>
+                      <a:rPr lang="en-US" altLang="zh-TW" sz="2400" b="1" i="1">
+                        <a:latin typeface="Cambria Math" panose="02040503050406030204" pitchFamily="18" charset="0"/>
+                      </a:rPr>
+                      <m:t>, </m:t>
+                    </m:r>
+                    <m:r>
+                      <a:rPr lang="en-US" altLang="zh-TW" sz="2400" b="1" i="1" smtClean="0">
+                        <a:latin typeface="Cambria Math" panose="02040503050406030204" pitchFamily="18" charset="0"/>
+                      </a:rPr>
+                      <m:t>𝒚</m:t>
+                    </m:r>
+                    <m:r>
+                      <a:rPr lang="en-US" altLang="zh-TW" sz="2400" b="1" i="1" smtClean="0">
+                        <a:latin typeface="Cambria Math" panose="02040503050406030204" pitchFamily="18" charset="0"/>
+                      </a:rPr>
+                      <m:t>,</m:t>
+                    </m:r>
+                    <m:r>
+                      <a:rPr lang="en-US" altLang="zh-TW" sz="2400" b="1" i="1" smtClean="0">
+                        <a:latin typeface="Cambria Math" panose="02040503050406030204" pitchFamily="18" charset="0"/>
+                      </a:rPr>
+                      <m:t>𝒌</m:t>
+                    </m:r>
+                  </m:oMath>
+                </a14:m>
+                <a:r>
+                  <a:rPr lang="en-US" altLang="zh-TW" sz="2400" b="1" dirty="0">
+                    <a:solidFill>
+                      <a:schemeClr val="tx1">
+                        <a:lumMod val="75000"/>
+                        <a:lumOff val="25000"/>
+                      </a:schemeClr>
+                    </a:solidFill>
+                    <a:latin typeface="Times New Roman" panose="02020603050405020304" pitchFamily="18" charset="0"/>
+                    <a:cs typeface="Times New Roman" panose="02020603050405020304" pitchFamily="18" charset="0"/>
+                  </a:rPr>
+                  <a:t>)</a:t>
+                </a:r>
+                <a:r>
+                  <a:rPr lang="en-US" altLang="zh-TW" sz="2400" dirty="0">
+                    <a:solidFill>
+                      <a:schemeClr val="tx1">
+                        <a:lumMod val="75000"/>
+                        <a:lumOff val="25000"/>
+                      </a:schemeClr>
+                    </a:solidFill>
+                    <a:latin typeface="Times New Roman" panose="02020603050405020304" pitchFamily="18" charset="0"/>
+                    <a:cs typeface="Times New Roman" panose="02020603050405020304" pitchFamily="18" charset="0"/>
+                  </a:rPr>
+                  <a:t>.</a:t>
+                </a:r>
+              </a:p>
+              <a:p>
+                <a:pPr marL="228600" lvl="1" indent="0">
+                  <a:buNone/>
+                </a:pPr>
+                <a:r>
+                  <a:rPr lang="en-US" altLang="zh-TW" dirty="0">
+                    <a:solidFill>
+                      <a:schemeClr val="tx1">
+                        <a:lumMod val="75000"/>
+                        <a:lumOff val="25000"/>
+                      </a:schemeClr>
+                    </a:solidFill>
+                  </a:rPr>
+                  <a:t>(1) </a:t>
+                </a:r>
+                <a14:m>
+                  <m:oMath xmlns:m="http://schemas.openxmlformats.org/officeDocument/2006/math">
+                    <m:r>
+                      <a:rPr lang="en-US" altLang="zh-TW" b="0" i="1" smtClean="0">
+                        <a:solidFill>
+                          <a:schemeClr val="tx1">
+                            <a:lumMod val="75000"/>
+                            <a:lumOff val="25000"/>
+                          </a:schemeClr>
+                        </a:solidFill>
+                        <a:latin typeface="Cambria Math" panose="02040503050406030204" pitchFamily="18" charset="0"/>
+                      </a:rPr>
+                      <m:t>𝑖</m:t>
+                    </m:r>
+                  </m:oMath>
+                </a14:m>
+                <a:r>
+                  <a:rPr lang="en-US" altLang="zh-TW" dirty="0">
+                    <a:solidFill>
+                      <a:schemeClr val="tx1">
+                        <a:lumMod val="75000"/>
+                        <a:lumOff val="25000"/>
+                      </a:schemeClr>
+                    </a:solidFill>
+                    <a:latin typeface="Times New Roman" panose="02020603050405020304" pitchFamily="18" charset="0"/>
+                    <a:cs typeface="Times New Roman" panose="02020603050405020304" pitchFamily="18" charset="0"/>
+                  </a:rPr>
+                  <a:t>: </a:t>
+                </a:r>
+                <a:r>
+                  <a:rPr lang="en-US" altLang="zh-TW" dirty="0"/>
+                  <a:t>the number of customers in the customer queue</a:t>
+                </a:r>
+                <a:endParaRPr lang="en-US" altLang="zh-TW" dirty="0">
+                  <a:solidFill>
+                    <a:schemeClr val="tx1">
+                      <a:lumMod val="75000"/>
+                      <a:lumOff val="25000"/>
+                    </a:schemeClr>
+                  </a:solidFill>
+                  <a:latin typeface="Times New Roman" panose="02020603050405020304" pitchFamily="18" charset="0"/>
+                  <a:cs typeface="Times New Roman" panose="02020603050405020304" pitchFamily="18" charset="0"/>
+                </a:endParaRPr>
+              </a:p>
+              <a:p>
+                <a:pPr marL="228600" lvl="1" indent="0">
+                  <a:buNone/>
+                </a:pPr>
+                <a:r>
+                  <a:rPr lang="en-US" altLang="zh-TW" dirty="0">
+                    <a:solidFill>
+                      <a:schemeClr val="tx1">
+                        <a:lumMod val="75000"/>
+                        <a:lumOff val="25000"/>
+                      </a:schemeClr>
+                    </a:solidFill>
+                  </a:rPr>
+                  <a:t>(2) </a:t>
+                </a:r>
+                <a14:m>
+                  <m:oMath xmlns:m="http://schemas.openxmlformats.org/officeDocument/2006/math">
+                    <m:r>
+                      <a:rPr lang="en-US" altLang="zh-TW" b="0" i="1" smtClean="0">
+                        <a:solidFill>
+                          <a:schemeClr val="tx1">
+                            <a:lumMod val="75000"/>
+                            <a:lumOff val="25000"/>
+                          </a:schemeClr>
+                        </a:solidFill>
+                        <a:latin typeface="Cambria Math" panose="02040503050406030204" pitchFamily="18" charset="0"/>
+                      </a:rPr>
+                      <m:t>𝑥</m:t>
+                    </m:r>
+                  </m:oMath>
+                </a14:m>
+                <a:r>
+                  <a:rPr lang="en-US" altLang="zh-TW" dirty="0">
+                    <a:solidFill>
+                      <a:schemeClr val="tx1">
+                        <a:lumMod val="75000"/>
+                        <a:lumOff val="25000"/>
+                      </a:schemeClr>
+                    </a:solidFill>
+                    <a:latin typeface="Times New Roman" panose="02020603050405020304" pitchFamily="18" charset="0"/>
+                    <a:cs typeface="Times New Roman" panose="02020603050405020304" pitchFamily="18" charset="0"/>
+                  </a:rPr>
+                  <a:t>: </a:t>
+                </a:r>
+                <a:r>
+                  <a:rPr lang="en-US" altLang="zh-TW" dirty="0"/>
+                  <a:t>the number of customers in the block queue</a:t>
+                </a:r>
+                <a:endParaRPr lang="en-US" altLang="zh-TW" dirty="0">
+                  <a:solidFill>
+                    <a:schemeClr val="tx1">
+                      <a:lumMod val="75000"/>
+                      <a:lumOff val="25000"/>
+                    </a:schemeClr>
+                  </a:solidFill>
+                  <a:latin typeface="Times New Roman" panose="02020603050405020304" pitchFamily="18" charset="0"/>
+                  <a:cs typeface="Times New Roman" panose="02020603050405020304" pitchFamily="18" charset="0"/>
+                </a:endParaRPr>
+              </a:p>
+              <a:p>
+                <a:pPr marL="228600" lvl="1" indent="0">
+                  <a:buNone/>
+                </a:pPr>
+                <a:r>
+                  <a:rPr lang="en-US" altLang="zh-TW" dirty="0">
+                    <a:solidFill>
+                      <a:schemeClr val="tx1">
+                        <a:lumMod val="75000"/>
+                        <a:lumOff val="25000"/>
+                      </a:schemeClr>
+                    </a:solidFill>
+                  </a:rPr>
+                  <a:t>(3) </a:t>
+                </a:r>
+                <a14:m>
+                  <m:oMath xmlns:m="http://schemas.openxmlformats.org/officeDocument/2006/math">
+                    <m:r>
+                      <a:rPr lang="en-US" altLang="zh-TW" b="0" i="1" smtClean="0">
+                        <a:solidFill>
+                          <a:schemeClr val="tx1">
+                            <a:lumMod val="75000"/>
+                            <a:lumOff val="25000"/>
+                          </a:schemeClr>
+                        </a:solidFill>
+                        <a:latin typeface="Cambria Math" panose="02040503050406030204" pitchFamily="18" charset="0"/>
+                      </a:rPr>
+                      <m:t>𝑘</m:t>
+                    </m:r>
+                  </m:oMath>
+                </a14:m>
+                <a:r>
+                  <a:rPr lang="en-US" altLang="zh-TW" dirty="0">
+                    <a:solidFill>
+                      <a:schemeClr val="tx1">
+                        <a:lumMod val="75000"/>
+                        <a:lumOff val="25000"/>
+                      </a:schemeClr>
+                    </a:solidFill>
+                    <a:latin typeface="Times New Roman" panose="02020603050405020304" pitchFamily="18" charset="0"/>
+                    <a:cs typeface="Times New Roman" panose="02020603050405020304" pitchFamily="18" charset="0"/>
+                  </a:rPr>
+                  <a:t>: </a:t>
+                </a:r>
+                <a:r>
+                  <a:rPr lang="en-US" altLang="zh-TW" dirty="0"/>
+                  <a:t>the system state</a:t>
+                </a:r>
+              </a:p>
+              <a:p>
+                <a:pPr lvl="2"/>
+                <a:r>
+                  <a:rPr lang="en-US" altLang="zh-TW" sz="2000" dirty="0">
+                    <a:solidFill>
+                      <a:schemeClr val="tx1">
+                        <a:lumMod val="75000"/>
+                        <a:lumOff val="25000"/>
+                      </a:schemeClr>
+                    </a:solidFill>
+                    <a:latin typeface="Times New Roman" panose="02020603050405020304" pitchFamily="18" charset="0"/>
+                    <a:cs typeface="Times New Roman" panose="02020603050405020304" pitchFamily="18" charset="0"/>
+                  </a:rPr>
+                  <a:t>0: syste</a:t>
+                </a:r>
+                <a:r>
+                  <a:rPr lang="en-US" altLang="zh-TW" sz="2000" dirty="0">
+                    <a:solidFill>
+                      <a:schemeClr val="tx1">
+                        <a:lumMod val="75000"/>
+                        <a:lumOff val="25000"/>
+                      </a:schemeClr>
+                    </a:solidFill>
+                  </a:rPr>
+                  <a:t>m OFF</a:t>
+                </a:r>
+                <a:endParaRPr lang="en-US" altLang="zh-TW" sz="2000" dirty="0">
+                  <a:solidFill>
+                    <a:schemeClr val="tx1">
+                      <a:lumMod val="75000"/>
+                      <a:lumOff val="25000"/>
+                    </a:schemeClr>
+                  </a:solidFill>
+                  <a:latin typeface="Times New Roman" panose="02020603050405020304" pitchFamily="18" charset="0"/>
+                  <a:cs typeface="Times New Roman" panose="02020603050405020304" pitchFamily="18" charset="0"/>
+                </a:endParaRPr>
+              </a:p>
+              <a:p>
+                <a:pPr lvl="2"/>
+                <a:r>
+                  <a:rPr lang="en-US" altLang="zh-TW" sz="2000" dirty="0">
+                    <a:solidFill>
+                      <a:schemeClr val="tx1">
+                        <a:lumMod val="75000"/>
+                        <a:lumOff val="25000"/>
+                      </a:schemeClr>
+                    </a:solidFill>
+                  </a:rPr>
+                  <a:t>1: system ON</a:t>
+                </a:r>
+                <a:endParaRPr lang="en-US" altLang="zh-TW" sz="2000" dirty="0">
+                  <a:solidFill>
+                    <a:schemeClr val="tx1">
+                      <a:lumMod val="75000"/>
+                      <a:lumOff val="25000"/>
+                    </a:schemeClr>
+                  </a:solidFill>
+                  <a:latin typeface="Times New Roman" panose="02020603050405020304" pitchFamily="18" charset="0"/>
+                  <a:cs typeface="Times New Roman" panose="02020603050405020304" pitchFamily="18" charset="0"/>
+                </a:endParaRPr>
+              </a:p>
+              <a:p>
+                <a:endParaRPr lang="zh-TW" altLang="en-US" dirty="0"/>
+              </a:p>
+            </p:txBody>
+          </p:sp>
+        </mc:Choice>
+        <mc:Fallback>
+          <p:sp>
+            <p:nvSpPr>
+              <p:cNvPr id="3" name="內容版面配置區 2">
+                <a:extLst>
+                  <a:ext uri="{FF2B5EF4-FFF2-40B4-BE49-F238E27FC236}">
+                    <a16:creationId xmlns:a16="http://schemas.microsoft.com/office/drawing/2014/main" id="{553B867C-600C-4917-8A50-246B168B6AE1}"/>
+                  </a:ext>
+                </a:extLst>
+              </p:cNvPr>
+              <p:cNvSpPr>
+                <a:spLocks noGrp="1" noRot="1" noChangeAspect="1" noMove="1" noResize="1" noEditPoints="1" noAdjustHandles="1" noChangeArrowheads="1" noChangeShapeType="1" noTextEdit="1"/>
+              </p:cNvSpPr>
+              <p:nvPr>
+                <p:ph idx="1"/>
+              </p:nvPr>
+            </p:nvSpPr>
+            <p:spPr>
+              <a:blipFill>
+                <a:blip r:embed="rId2"/>
+                <a:stretch>
+                  <a:fillRect l="-814" r="-988"/>
+                </a:stretch>
+              </a:blipFill>
+            </p:spPr>
+            <p:txBody>
+              <a:bodyPr/>
+              <a:lstStyle/>
+              <a:p>
+                <a:r>
+                  <a:rPr lang="zh-TW" altLang="en-US">
+                    <a:noFill/>
+                  </a:rPr>
+                  <a:t> </a:t>
+                </a:r>
+              </a:p>
+            </p:txBody>
+          </p:sp>
+        </mc:Fallback>
+      </mc:AlternateContent>
+      <p:sp>
+        <p:nvSpPr>
+          <p:cNvPr id="4" name="投影片編號版面配置區 3">
+            <a:extLst>
+              <a:ext uri="{FF2B5EF4-FFF2-40B4-BE49-F238E27FC236}">
+                <a16:creationId xmlns:a16="http://schemas.microsoft.com/office/drawing/2014/main" id="{5686282C-7D98-4BA9-AC97-4D3F12BA54F2}"/>
+              </a:ext>
+            </a:extLst>
+          </p:cNvPr>
+          <p:cNvSpPr>
+            <a:spLocks noGrp="1"/>
+          </p:cNvSpPr>
+          <p:nvPr>
+            <p:ph type="sldNum" sz="quarter" idx="12"/>
+          </p:nvPr>
+        </p:nvSpPr>
+        <p:spPr/>
+        <p:txBody>
+          <a:bodyPr/>
+          <a:lstStyle/>
+          <a:p>
+            <a:fld id="{69E57DC2-970A-4B3E-BB1C-7A09969E49DF}" type="slidenum">
+              <a:rPr lang="en-US" smtClean="0"/>
+              <a:t>16</a:t>
+            </a:fld>
+            <a:endParaRPr lang="en-US" dirty="0"/>
+          </a:p>
+        </p:txBody>
+      </p:sp>
+    </p:spTree>
+    <p:extLst>
+      <p:ext uri="{BB962C8B-B14F-4D97-AF65-F5344CB8AC3E}">
+        <p14:creationId xmlns:p14="http://schemas.microsoft.com/office/powerpoint/2010/main" val="3778932041"/>
+      </p:ext>
+    </p:extLst>
+  </p:cSld>
+  <p:clrMapOvr>
+    <a:masterClrMapping/>
+  </p:clrMapOvr>
+</p:sld>
+</file>
+
+<file path=ppt/slides/slide17.xml><?xml version="1.0" encoding="utf-8"?>
+<p:sld xmlns:a="http://schemas.openxmlformats.org/drawingml/2006/main" xmlns:r="http://schemas.openxmlformats.org/officeDocument/2006/relationships" xmlns:p="http://schemas.openxmlformats.org/presentationml/2006/main">
+  <p:cSld>
+    <p:spTree>
+      <p:nvGrpSpPr>
+        <p:cNvPr id="1" name=""/>
+        <p:cNvGrpSpPr/>
+        <p:nvPr/>
+      </p:nvGrpSpPr>
+      <p:grpSpPr>
+        <a:xfrm>
+          <a:off x="0" y="0"/>
+          <a:ext cx="0" cy="0"/>
+          <a:chOff x="0" y="0"/>
+          <a:chExt cx="0" cy="0"/>
+        </a:xfrm>
+      </p:grpSpPr>
+      <p:sp>
+        <p:nvSpPr>
+          <p:cNvPr id="2" name="標題 1">
+            <a:extLst>
+              <a:ext uri="{FF2B5EF4-FFF2-40B4-BE49-F238E27FC236}">
+                <a16:creationId xmlns:a16="http://schemas.microsoft.com/office/drawing/2014/main" id="{43B1AEB3-6BEF-4D0D-99B2-C753D5C5B845}"/>
+              </a:ext>
+            </a:extLst>
+          </p:cNvPr>
+          <p:cNvSpPr>
+            <a:spLocks noGrp="1"/>
+          </p:cNvSpPr>
+          <p:nvPr>
+            <p:ph type="title"/>
+          </p:nvPr>
+        </p:nvSpPr>
+        <p:spPr/>
+        <p:txBody>
+          <a:bodyPr/>
+          <a:lstStyle/>
+          <a:p>
+            <a:r>
+              <a:rPr lang="en-US" altLang="zh-TW" dirty="0"/>
+              <a:t>Analytical Model</a:t>
+            </a:r>
+            <a:endParaRPr lang="zh-TW" altLang="en-US" dirty="0"/>
+          </a:p>
+        </p:txBody>
+      </p:sp>
+      <mc:AlternateContent xmlns:mc="http://schemas.openxmlformats.org/markup-compatibility/2006">
+        <mc:Choice xmlns:a14="http://schemas.microsoft.com/office/drawing/2010/main" Requires="a14">
+          <p:sp>
+            <p:nvSpPr>
+              <p:cNvPr id="3" name="內容版面配置區 2">
+                <a:extLst>
+                  <a:ext uri="{FF2B5EF4-FFF2-40B4-BE49-F238E27FC236}">
+                    <a16:creationId xmlns:a16="http://schemas.microsoft.com/office/drawing/2014/main" id="{9DDF8944-FFEE-4775-8C11-B3713C2D6272}"/>
+                  </a:ext>
+                </a:extLst>
+              </p:cNvPr>
+              <p:cNvSpPr>
+                <a:spLocks noGrp="1"/>
+              </p:cNvSpPr>
+              <p:nvPr>
+                <p:ph idx="1"/>
+              </p:nvPr>
+            </p:nvSpPr>
+            <p:spPr/>
+            <p:txBody>
+              <a:bodyPr/>
+              <a:lstStyle/>
+              <a:p>
+                <a:pPr>
+                  <a:spcBef>
+                    <a:spcPts val="1200"/>
+                  </a:spcBef>
+                  <a:spcAft>
+                    <a:spcPts val="1200"/>
+                  </a:spcAft>
+                </a:pPr>
+                <a:r>
+                  <a:rPr lang="en-US" altLang="zh-TW" sz="2400" dirty="0">
+                    <a:solidFill>
+                      <a:schemeClr val="tx1">
+                        <a:lumMod val="75000"/>
+                        <a:lumOff val="25000"/>
+                      </a:schemeClr>
+                    </a:solidFill>
+                    <a:latin typeface="Times New Roman" panose="02020603050405020304" pitchFamily="18" charset="0"/>
+                    <a:cs typeface="Times New Roman" panose="02020603050405020304" pitchFamily="18" charset="0"/>
+                  </a:rPr>
+                  <a:t>The state space for scenario 1 and  each node in scenario 3 can be expressed as :</a:t>
+                </a:r>
+              </a:p>
+              <a:p>
+                <a:pPr marL="0" indent="0">
+                  <a:spcBef>
+                    <a:spcPts val="1200"/>
+                  </a:spcBef>
+                  <a:spcAft>
+                    <a:spcPts val="1200"/>
+                  </a:spcAft>
+                  <a:buNone/>
+                </a:pPr>
+                <a14:m>
+                  <m:oMathPara xmlns:m="http://schemas.openxmlformats.org/officeDocument/2006/math">
+                    <m:oMathParaPr>
+                      <m:jc m:val="centerGroup"/>
+                    </m:oMathParaPr>
+                    <m:oMath xmlns:m="http://schemas.openxmlformats.org/officeDocument/2006/math">
+                      <m:r>
+                        <a:rPr lang="en-US" altLang="zh-TW" sz="1800" i="1" smtClean="0">
+                          <a:effectLst/>
+                          <a:latin typeface="Cambria Math" panose="02040503050406030204" pitchFamily="18" charset="0"/>
+                          <a:ea typeface="新細明體" panose="02020500000000000000" pitchFamily="18" charset="-120"/>
+                          <a:cs typeface="Times New Roman" panose="02020603050405020304" pitchFamily="18" charset="0"/>
+                        </a:rPr>
+                        <m:t>𝑆</m:t>
+                      </m:r>
+                      <m:r>
+                        <a:rPr lang="en-US" altLang="zh-TW" sz="1800">
+                          <a:effectLst/>
+                          <a:latin typeface="Cambria Math" panose="02040503050406030204" pitchFamily="18" charset="0"/>
+                          <a:ea typeface="新細明體" panose="02020500000000000000" pitchFamily="18" charset="-120"/>
+                          <a:cs typeface="Times New Roman" panose="02020603050405020304" pitchFamily="18" charset="0"/>
+                        </a:rPr>
+                        <m:t>=</m:t>
+                      </m:r>
+                      <m:d>
+                        <m:dPr>
+                          <m:begChr m:val="{"/>
+                          <m:endChr m:val="}"/>
+                          <m:ctrlPr>
+                            <a:rPr lang="zh-TW" altLang="zh-TW" i="1">
+                              <a:effectLst/>
+                              <a:latin typeface="Cambria Math" panose="02040503050406030204" pitchFamily="18" charset="0"/>
+                              <a:ea typeface="Cambria Math" panose="02040503050406030204" pitchFamily="18" charset="0"/>
+                            </a:rPr>
+                          </m:ctrlPr>
+                        </m:dPr>
+                        <m:e>
+                          <m:d>
+                            <m:dPr>
+                              <m:ctrlPr>
+                                <a:rPr lang="zh-TW" altLang="zh-TW" i="1">
+                                  <a:effectLst/>
+                                  <a:latin typeface="Cambria Math" panose="02040503050406030204" pitchFamily="18" charset="0"/>
+                                  <a:ea typeface="Cambria Math" panose="02040503050406030204" pitchFamily="18" charset="0"/>
+                                </a:rPr>
+                              </m:ctrlPr>
+                            </m:dPr>
+                            <m:e>
+                              <m:r>
+                                <a:rPr lang="en-US" altLang="zh-TW" sz="1800" i="1">
+                                  <a:effectLst/>
+                                  <a:latin typeface="Cambria Math" panose="02040503050406030204" pitchFamily="18" charset="0"/>
+                                  <a:ea typeface="新細明體" panose="02020500000000000000" pitchFamily="18" charset="-120"/>
+                                  <a:cs typeface="Times New Roman" panose="02020603050405020304" pitchFamily="18" charset="0"/>
+                                </a:rPr>
+                                <m:t>𝑖</m:t>
+                              </m:r>
+                              <m:r>
+                                <a:rPr lang="en-US" altLang="zh-TW" sz="1800">
+                                  <a:effectLst/>
+                                  <a:latin typeface="Cambria Math" panose="02040503050406030204" pitchFamily="18" charset="0"/>
+                                  <a:ea typeface="新細明體" panose="02020500000000000000" pitchFamily="18" charset="-120"/>
+                                  <a:cs typeface="Times New Roman" panose="02020603050405020304" pitchFamily="18" charset="0"/>
+                                </a:rPr>
+                                <m:t>, </m:t>
+                              </m:r>
+                              <m:r>
+                                <a:rPr lang="en-US" altLang="zh-TW" sz="1800" i="1">
+                                  <a:effectLst/>
+                                  <a:latin typeface="Cambria Math" panose="02040503050406030204" pitchFamily="18" charset="0"/>
+                                  <a:ea typeface="新細明體" panose="02020500000000000000" pitchFamily="18" charset="-120"/>
+                                  <a:cs typeface="Times New Roman" panose="02020603050405020304" pitchFamily="18" charset="0"/>
+                                </a:rPr>
+                                <m:t>𝑥</m:t>
+                              </m:r>
+                              <m:r>
+                                <a:rPr lang="en-US" altLang="zh-TW" sz="1800">
+                                  <a:effectLst/>
+                                  <a:latin typeface="Cambria Math" panose="02040503050406030204" pitchFamily="18" charset="0"/>
+                                  <a:ea typeface="新細明體" panose="02020500000000000000" pitchFamily="18" charset="-120"/>
+                                  <a:cs typeface="Times New Roman" panose="02020603050405020304" pitchFamily="18" charset="0"/>
+                                </a:rPr>
+                                <m:t>, </m:t>
+                              </m:r>
+                              <m:r>
+                                <a:rPr lang="en-US" altLang="zh-TW" sz="1800" i="1">
+                                  <a:effectLst/>
+                                  <a:latin typeface="Cambria Math" panose="02040503050406030204" pitchFamily="18" charset="0"/>
+                                  <a:ea typeface="新細明體" panose="02020500000000000000" pitchFamily="18" charset="-120"/>
+                                  <a:cs typeface="Times New Roman" panose="02020603050405020304" pitchFamily="18" charset="0"/>
+                                </a:rPr>
+                                <m:t>𝑘</m:t>
+                              </m:r>
+                            </m:e>
+                          </m:d>
+                        </m:e>
+                        <m:e>
+                          <m:d>
+                            <m:dPr>
+                              <m:begChr m:val="{"/>
+                              <m:endChr m:val=""/>
+                              <m:ctrlPr>
+                                <a:rPr lang="zh-TW" altLang="zh-TW" i="1">
+                                  <a:effectLst/>
+                                  <a:latin typeface="Cambria Math" panose="02040503050406030204" pitchFamily="18" charset="0"/>
+                                  <a:ea typeface="Cambria Math" panose="02040503050406030204" pitchFamily="18" charset="0"/>
+                                </a:rPr>
+                              </m:ctrlPr>
+                            </m:dPr>
+                            <m:e>
+                              <m:eqArr>
+                                <m:eqArrPr>
+                                  <m:ctrlPr>
+                                    <a:rPr lang="zh-TW" altLang="zh-TW" i="1">
+                                      <a:effectLst/>
+                                      <a:latin typeface="Cambria Math" panose="02040503050406030204" pitchFamily="18" charset="0"/>
+                                      <a:ea typeface="Cambria Math" panose="02040503050406030204" pitchFamily="18" charset="0"/>
+                                    </a:rPr>
+                                  </m:ctrlPr>
+                                </m:eqArrPr>
+                                <m:e>
+                                  <m:r>
+                                    <a:rPr lang="en-US" altLang="zh-TW" sz="1800">
+                                      <a:effectLst/>
+                                      <a:latin typeface="Cambria Math" panose="02040503050406030204" pitchFamily="18" charset="0"/>
+                                      <a:ea typeface="新細明體" panose="02020500000000000000" pitchFamily="18" charset="-120"/>
+                                      <a:cs typeface="Times New Roman" panose="02020603050405020304" pitchFamily="18" charset="0"/>
+                                    </a:rPr>
+                                    <m:t>0≤</m:t>
+                                  </m:r>
+                                  <m:r>
+                                    <a:rPr lang="en-US" altLang="zh-TW" sz="1800" i="1">
+                                      <a:effectLst/>
+                                      <a:latin typeface="Cambria Math" panose="02040503050406030204" pitchFamily="18" charset="0"/>
+                                      <a:ea typeface="新細明體" panose="02020500000000000000" pitchFamily="18" charset="-120"/>
+                                      <a:cs typeface="Times New Roman" panose="02020603050405020304" pitchFamily="18" charset="0"/>
+                                    </a:rPr>
+                                    <m:t>𝑘</m:t>
+                                  </m:r>
+                                  <m:r>
+                                    <a:rPr lang="en-US" altLang="zh-TW" sz="1800">
+                                      <a:effectLst/>
+                                      <a:latin typeface="Cambria Math" panose="02040503050406030204" pitchFamily="18" charset="0"/>
+                                      <a:ea typeface="新細明體" panose="02020500000000000000" pitchFamily="18" charset="-120"/>
+                                      <a:cs typeface="Times New Roman" panose="02020603050405020304" pitchFamily="18" charset="0"/>
+                                    </a:rPr>
+                                    <m:t>≤1</m:t>
+                                  </m:r>
+                                </m:e>
+                                <m:e>
+                                  <m:r>
+                                    <a:rPr lang="en-US" altLang="zh-TW" sz="1800" i="1">
+                                      <a:effectLst/>
+                                      <a:latin typeface="Cambria Math" panose="02040503050406030204" pitchFamily="18" charset="0"/>
+                                      <a:ea typeface="新細明體" panose="02020500000000000000" pitchFamily="18" charset="-120"/>
+                                      <a:cs typeface="Times New Roman" panose="02020603050405020304" pitchFamily="18" charset="0"/>
+                                    </a:rPr>
+                                    <m:t>𝑖𝑓</m:t>
+                                  </m:r>
+                                  <m:r>
+                                    <a:rPr lang="en-US" altLang="zh-TW" sz="1800">
+                                      <a:effectLst/>
+                                      <a:latin typeface="Cambria Math" panose="02040503050406030204" pitchFamily="18" charset="0"/>
+                                      <a:ea typeface="新細明體" panose="02020500000000000000" pitchFamily="18" charset="-120"/>
+                                      <a:cs typeface="Times New Roman" panose="02020603050405020304" pitchFamily="18" charset="0"/>
+                                    </a:rPr>
+                                    <m:t> </m:t>
+                                  </m:r>
+                                  <m:r>
+                                    <a:rPr lang="en-US" altLang="zh-TW" sz="1800" i="1">
+                                      <a:effectLst/>
+                                      <a:latin typeface="Cambria Math" panose="02040503050406030204" pitchFamily="18" charset="0"/>
+                                      <a:ea typeface="新細明體" panose="02020500000000000000" pitchFamily="18" charset="-120"/>
+                                      <a:cs typeface="Times New Roman" panose="02020603050405020304" pitchFamily="18" charset="0"/>
+                                    </a:rPr>
+                                    <m:t>𝑥</m:t>
+                                  </m:r>
+                                  <m:r>
+                                    <a:rPr lang="en-US" altLang="zh-TW" sz="1800">
+                                      <a:effectLst/>
+                                      <a:latin typeface="Cambria Math" panose="02040503050406030204" pitchFamily="18" charset="0"/>
+                                      <a:ea typeface="新細明體" panose="02020500000000000000" pitchFamily="18" charset="-120"/>
+                                      <a:cs typeface="Times New Roman" panose="02020603050405020304" pitchFamily="18" charset="0"/>
+                                    </a:rPr>
+                                    <m:t>=0:0≤</m:t>
+                                  </m:r>
+                                  <m:r>
+                                    <a:rPr lang="en-US" altLang="zh-TW" sz="1800" i="1">
+                                      <a:effectLst/>
+                                      <a:latin typeface="Cambria Math" panose="02040503050406030204" pitchFamily="18" charset="0"/>
+                                      <a:ea typeface="新細明體" panose="02020500000000000000" pitchFamily="18" charset="-120"/>
+                                      <a:cs typeface="Times New Roman" panose="02020603050405020304" pitchFamily="18" charset="0"/>
+                                    </a:rPr>
+                                    <m:t>𝑖</m:t>
+                                  </m:r>
+                                  <m:r>
+                                    <a:rPr lang="en-US" altLang="zh-TW" sz="1800">
+                                      <a:effectLst/>
+                                      <a:latin typeface="Cambria Math" panose="02040503050406030204" pitchFamily="18" charset="0"/>
+                                      <a:ea typeface="新細明體" panose="02020500000000000000" pitchFamily="18" charset="-120"/>
+                                      <a:cs typeface="Times New Roman" panose="02020603050405020304" pitchFamily="18" charset="0"/>
+                                    </a:rPr>
+                                    <m:t>≤</m:t>
+                                  </m:r>
+                                  <m:r>
+                                    <a:rPr lang="en-US" altLang="zh-TW" sz="1800" i="1">
+                                      <a:effectLst/>
+                                      <a:latin typeface="Cambria Math" panose="02040503050406030204" pitchFamily="18" charset="0"/>
+                                      <a:ea typeface="新細明體" panose="02020500000000000000" pitchFamily="18" charset="-120"/>
+                                      <a:cs typeface="Times New Roman" panose="02020603050405020304" pitchFamily="18" charset="0"/>
+                                    </a:rPr>
+                                    <m:t>𝑁</m:t>
+                                  </m:r>
+                                </m:e>
+                                <m:e>
+                                  <m:r>
+                                    <a:rPr lang="en-US" altLang="zh-TW" sz="1800" i="1">
+                                      <a:effectLst/>
+                                      <a:latin typeface="Cambria Math" panose="02040503050406030204" pitchFamily="18" charset="0"/>
+                                      <a:ea typeface="新細明體" panose="02020500000000000000" pitchFamily="18" charset="-120"/>
+                                      <a:cs typeface="Times New Roman" panose="02020603050405020304" pitchFamily="18" charset="0"/>
+                                    </a:rPr>
+                                    <m:t>𝑖𝑓</m:t>
+                                  </m:r>
+                                  <m:r>
+                                    <a:rPr lang="en-US" altLang="zh-TW" sz="1800">
+                                      <a:effectLst/>
+                                      <a:latin typeface="Cambria Math" panose="02040503050406030204" pitchFamily="18" charset="0"/>
+                                      <a:ea typeface="新細明體" panose="02020500000000000000" pitchFamily="18" charset="-120"/>
+                                      <a:cs typeface="Times New Roman" panose="02020603050405020304" pitchFamily="18" charset="0"/>
+                                    </a:rPr>
+                                    <m:t> 1&lt;</m:t>
+                                  </m:r>
+                                  <m:r>
+                                    <a:rPr lang="en-US" altLang="zh-TW" sz="1800" i="1">
+                                      <a:effectLst/>
+                                      <a:latin typeface="Cambria Math" panose="02040503050406030204" pitchFamily="18" charset="0"/>
+                                      <a:ea typeface="新細明體" panose="02020500000000000000" pitchFamily="18" charset="-120"/>
+                                      <a:cs typeface="Times New Roman" panose="02020603050405020304" pitchFamily="18" charset="0"/>
+                                    </a:rPr>
+                                    <m:t>𝑥</m:t>
+                                  </m:r>
+                                  <m:r>
+                                    <a:rPr lang="en-US" altLang="zh-TW" sz="1800">
+                                      <a:effectLst/>
+                                      <a:latin typeface="Cambria Math" panose="02040503050406030204" pitchFamily="18" charset="0"/>
+                                      <a:ea typeface="新細明體" panose="02020500000000000000" pitchFamily="18" charset="-120"/>
+                                      <a:cs typeface="Times New Roman" panose="02020603050405020304" pitchFamily="18" charset="0"/>
+                                    </a:rPr>
+                                    <m:t>≤</m:t>
+                                  </m:r>
+                                  <m:r>
+                                    <a:rPr lang="en-US" altLang="zh-TW" sz="1800" i="1">
+                                      <a:effectLst/>
+                                      <a:latin typeface="Cambria Math" panose="02040503050406030204" pitchFamily="18" charset="0"/>
+                                      <a:ea typeface="新細明體" panose="02020500000000000000" pitchFamily="18" charset="-120"/>
+                                      <a:cs typeface="Times New Roman" panose="02020603050405020304" pitchFamily="18" charset="0"/>
+                                    </a:rPr>
+                                    <m:t>𝑏</m:t>
+                                  </m:r>
+                                  <m:r>
+                                    <a:rPr lang="en-US" altLang="zh-TW" sz="1800">
+                                      <a:effectLst/>
+                                      <a:latin typeface="Cambria Math" panose="02040503050406030204" pitchFamily="18" charset="0"/>
+                                      <a:ea typeface="新細明體" panose="02020500000000000000" pitchFamily="18" charset="-120"/>
+                                      <a:cs typeface="Times New Roman" panose="02020603050405020304" pitchFamily="18" charset="0"/>
+                                    </a:rPr>
+                                    <m:t>:0≤</m:t>
+                                  </m:r>
+                                  <m:r>
+                                    <a:rPr lang="en-US" altLang="zh-TW" sz="1800" i="1">
+                                      <a:effectLst/>
+                                      <a:latin typeface="Cambria Math" panose="02040503050406030204" pitchFamily="18" charset="0"/>
+                                      <a:ea typeface="新細明體" panose="02020500000000000000" pitchFamily="18" charset="-120"/>
+                                      <a:cs typeface="Times New Roman" panose="02020603050405020304" pitchFamily="18" charset="0"/>
+                                    </a:rPr>
+                                    <m:t>𝑖</m:t>
+                                  </m:r>
+                                  <m:r>
+                                    <a:rPr lang="en-US" altLang="zh-TW" sz="1800">
+                                      <a:effectLst/>
+                                      <a:latin typeface="Cambria Math" panose="02040503050406030204" pitchFamily="18" charset="0"/>
+                                      <a:ea typeface="新細明體" panose="02020500000000000000" pitchFamily="18" charset="-120"/>
+                                      <a:cs typeface="Times New Roman" panose="02020603050405020304" pitchFamily="18" charset="0"/>
+                                    </a:rPr>
+                                    <m:t>≤</m:t>
+                                  </m:r>
+                                  <m:r>
+                                    <a:rPr lang="en-US" altLang="zh-TW" sz="1800" i="1">
+                                      <a:effectLst/>
+                                      <a:latin typeface="Cambria Math" panose="02040503050406030204" pitchFamily="18" charset="0"/>
+                                      <a:ea typeface="新細明體" panose="02020500000000000000" pitchFamily="18" charset="-120"/>
+                                      <a:cs typeface="Times New Roman" panose="02020603050405020304" pitchFamily="18" charset="0"/>
+                                    </a:rPr>
+                                    <m:t>𝑁</m:t>
+                                  </m:r>
+                                  <m:r>
+                                    <a:rPr lang="en-US" altLang="zh-TW" sz="1800" i="1">
+                                      <a:effectLst/>
+                                      <a:latin typeface="Cambria Math" panose="02040503050406030204" pitchFamily="18" charset="0"/>
+                                      <a:ea typeface="新細明體" panose="02020500000000000000" pitchFamily="18" charset="-120"/>
+                                      <a:cs typeface="Times New Roman" panose="02020603050405020304" pitchFamily="18" charset="0"/>
+                                    </a:rPr>
+                                    <m:t>−</m:t>
+                                  </m:r>
+                                  <m:r>
+                                    <a:rPr lang="en-US" altLang="zh-TW" sz="1800" i="1">
+                                      <a:effectLst/>
+                                      <a:latin typeface="Cambria Math" panose="02040503050406030204" pitchFamily="18" charset="0"/>
+                                      <a:ea typeface="新細明體" panose="02020500000000000000" pitchFamily="18" charset="-120"/>
+                                      <a:cs typeface="Times New Roman" panose="02020603050405020304" pitchFamily="18" charset="0"/>
+                                    </a:rPr>
+                                    <m:t>𝑏</m:t>
+                                  </m:r>
+                                </m:e>
+                              </m:eqArr>
+                            </m:e>
+                          </m:d>
+                        </m:e>
+                      </m:d>
+                    </m:oMath>
+                  </m:oMathPara>
+                </a14:m>
+                <a:endParaRPr lang="en-US" altLang="zh-TW" sz="2400" dirty="0">
+                  <a:solidFill>
+                    <a:schemeClr val="tx1">
+                      <a:lumMod val="75000"/>
+                      <a:lumOff val="25000"/>
+                    </a:schemeClr>
+                  </a:solidFill>
+                  <a:latin typeface="Times New Roman" panose="02020603050405020304" pitchFamily="18" charset="0"/>
+                  <a:cs typeface="Times New Roman" panose="02020603050405020304" pitchFamily="18" charset="0"/>
+                </a:endParaRPr>
+              </a:p>
+              <a:p>
+                <a:pPr>
+                  <a:spcBef>
+                    <a:spcPts val="1200"/>
+                  </a:spcBef>
+                  <a:spcAft>
+                    <a:spcPts val="1200"/>
+                  </a:spcAft>
+                </a:pPr>
+                <a:r>
+                  <a:rPr lang="en-US" altLang="zh-TW" sz="2400" dirty="0">
+                    <a:latin typeface="Times New Roman" panose="02020603050405020304" pitchFamily="18" charset="0"/>
+                    <a:cs typeface="Times New Roman" panose="02020603050405020304" pitchFamily="18" charset="0"/>
+                  </a:rPr>
+                  <a:t>We obtain the total number of feasible states</a:t>
+                </a:r>
+              </a:p>
+              <a:p>
+                <a:pPr marL="0" indent="0">
+                  <a:spcBef>
+                    <a:spcPts val="1200"/>
+                  </a:spcBef>
+                  <a:spcAft>
+                    <a:spcPts val="1200"/>
+                  </a:spcAft>
+                  <a:buNone/>
+                </a:pPr>
+                <a14:m>
+                  <m:oMathPara xmlns:m="http://schemas.openxmlformats.org/officeDocument/2006/math">
+                    <m:oMathParaPr>
+                      <m:jc m:val="centerGroup"/>
+                    </m:oMathParaPr>
+                    <m:oMath xmlns:m="http://schemas.openxmlformats.org/officeDocument/2006/math">
+                      <m:d>
+                        <m:dPr>
+                          <m:begChr m:val="|"/>
+                          <m:endChr m:val="|"/>
+                          <m:ctrlPr>
+                            <a:rPr lang="zh-TW" altLang="zh-TW" i="1" smtClean="0">
+                              <a:effectLst/>
+                              <a:latin typeface="Cambria Math" panose="02040503050406030204" pitchFamily="18" charset="0"/>
+                              <a:ea typeface="Cambria Math" panose="02040503050406030204" pitchFamily="18" charset="0"/>
+                            </a:rPr>
+                          </m:ctrlPr>
+                        </m:dPr>
+                        <m:e>
+                          <m:r>
+                            <a:rPr lang="en-US" altLang="zh-TW" sz="1800" i="1">
+                              <a:effectLst/>
+                              <a:latin typeface="Cambria Math" panose="02040503050406030204" pitchFamily="18" charset="0"/>
+                              <a:ea typeface="新細明體" panose="02020500000000000000" pitchFamily="18" charset="-120"/>
+                              <a:cs typeface="Times New Roman" panose="02020603050405020304" pitchFamily="18" charset="0"/>
+                            </a:rPr>
+                            <m:t>𝑆</m:t>
+                          </m:r>
+                        </m:e>
+                      </m:d>
+                      <m:r>
+                        <a:rPr lang="en-US" altLang="zh-TW" sz="1800">
+                          <a:effectLst/>
+                          <a:latin typeface="Cambria Math" panose="02040503050406030204" pitchFamily="18" charset="0"/>
+                          <a:ea typeface="新細明體" panose="02020500000000000000" pitchFamily="18" charset="-120"/>
+                          <a:cs typeface="Times New Roman" panose="02020603050405020304" pitchFamily="18" charset="0"/>
+                        </a:rPr>
+                        <m:t>=2</m:t>
+                      </m:r>
+                      <m:d>
+                        <m:dPr>
+                          <m:ctrlPr>
+                            <a:rPr lang="zh-TW" altLang="zh-TW" i="1">
+                              <a:effectLst/>
+                              <a:latin typeface="Cambria Math" panose="02040503050406030204" pitchFamily="18" charset="0"/>
+                              <a:ea typeface="Cambria Math" panose="02040503050406030204" pitchFamily="18" charset="0"/>
+                            </a:rPr>
+                          </m:ctrlPr>
+                        </m:dPr>
+                        <m:e>
+                          <m:r>
+                            <a:rPr lang="en-US" altLang="zh-TW" sz="1800" i="1">
+                              <a:effectLst/>
+                              <a:latin typeface="Cambria Math" panose="02040503050406030204" pitchFamily="18" charset="0"/>
+                              <a:ea typeface="新細明體" panose="02020500000000000000" pitchFamily="18" charset="-120"/>
+                              <a:cs typeface="Times New Roman" panose="02020603050405020304" pitchFamily="18" charset="0"/>
+                            </a:rPr>
+                            <m:t>𝑁</m:t>
+                          </m:r>
+                          <m:r>
+                            <a:rPr lang="en-US" altLang="zh-TW" sz="1800">
+                              <a:effectLst/>
+                              <a:latin typeface="Cambria Math" panose="02040503050406030204" pitchFamily="18" charset="0"/>
+                              <a:ea typeface="新細明體" panose="02020500000000000000" pitchFamily="18" charset="-120"/>
+                              <a:cs typeface="Times New Roman" panose="02020603050405020304" pitchFamily="18" charset="0"/>
+                            </a:rPr>
+                            <m:t>+1</m:t>
+                          </m:r>
+                        </m:e>
+                      </m:d>
+                      <m:r>
+                        <a:rPr lang="en-US" altLang="zh-TW" sz="1800">
+                          <a:effectLst/>
+                          <a:latin typeface="Cambria Math" panose="02040503050406030204" pitchFamily="18" charset="0"/>
+                          <a:ea typeface="新細明體" panose="02020500000000000000" pitchFamily="18" charset="-120"/>
+                          <a:cs typeface="Times New Roman" panose="02020603050405020304" pitchFamily="18" charset="0"/>
+                        </a:rPr>
+                        <m:t>+2</m:t>
+                      </m:r>
+                      <m:r>
+                        <a:rPr lang="en-US" altLang="zh-TW" sz="1800" i="1">
+                          <a:effectLst/>
+                          <a:latin typeface="Cambria Math" panose="02040503050406030204" pitchFamily="18" charset="0"/>
+                          <a:ea typeface="新細明體" panose="02020500000000000000" pitchFamily="18" charset="-120"/>
+                          <a:cs typeface="Times New Roman" panose="02020603050405020304" pitchFamily="18" charset="0"/>
+                        </a:rPr>
+                        <m:t>𝑏</m:t>
+                      </m:r>
+                      <m:r>
+                        <a:rPr lang="en-US" altLang="zh-TW" sz="1800">
+                          <a:effectLst/>
+                          <a:latin typeface="Cambria Math" panose="02040503050406030204" pitchFamily="18" charset="0"/>
+                          <a:ea typeface="新細明體" panose="02020500000000000000" pitchFamily="18" charset="-120"/>
+                          <a:cs typeface="Times New Roman" panose="02020603050405020304" pitchFamily="18" charset="0"/>
+                        </a:rPr>
+                        <m:t>(</m:t>
+                      </m:r>
+                      <m:r>
+                        <a:rPr lang="en-US" altLang="zh-TW" sz="1800" i="1">
+                          <a:effectLst/>
+                          <a:latin typeface="Cambria Math" panose="02040503050406030204" pitchFamily="18" charset="0"/>
+                          <a:ea typeface="新細明體" panose="02020500000000000000" pitchFamily="18" charset="-120"/>
+                          <a:cs typeface="Times New Roman" panose="02020603050405020304" pitchFamily="18" charset="0"/>
+                        </a:rPr>
+                        <m:t>𝑁</m:t>
+                      </m:r>
+                      <m:r>
+                        <a:rPr lang="en-US" altLang="zh-TW" sz="1800" i="1">
+                          <a:effectLst/>
+                          <a:latin typeface="Cambria Math" panose="02040503050406030204" pitchFamily="18" charset="0"/>
+                          <a:ea typeface="新細明體" panose="02020500000000000000" pitchFamily="18" charset="-120"/>
+                          <a:cs typeface="Times New Roman" panose="02020603050405020304" pitchFamily="18" charset="0"/>
+                        </a:rPr>
+                        <m:t>−</m:t>
+                      </m:r>
+                      <m:r>
+                        <a:rPr lang="en-US" altLang="zh-TW" sz="1800" i="1">
+                          <a:effectLst/>
+                          <a:latin typeface="Cambria Math" panose="02040503050406030204" pitchFamily="18" charset="0"/>
+                          <a:ea typeface="新細明體" panose="02020500000000000000" pitchFamily="18" charset="-120"/>
+                          <a:cs typeface="Times New Roman" panose="02020603050405020304" pitchFamily="18" charset="0"/>
+                        </a:rPr>
+                        <m:t>𝑏</m:t>
+                      </m:r>
+                      <m:r>
+                        <a:rPr lang="en-US" altLang="zh-TW" sz="1800">
+                          <a:effectLst/>
+                          <a:latin typeface="Cambria Math" panose="02040503050406030204" pitchFamily="18" charset="0"/>
+                          <a:ea typeface="新細明體" panose="02020500000000000000" pitchFamily="18" charset="-120"/>
+                          <a:cs typeface="Times New Roman" panose="02020603050405020304" pitchFamily="18" charset="0"/>
+                        </a:rPr>
+                        <m:t>+1)</m:t>
+                      </m:r>
+                    </m:oMath>
+                  </m:oMathPara>
+                </a14:m>
+                <a:endParaRPr lang="en-US" altLang="zh-TW" sz="2400" dirty="0">
+                  <a:solidFill>
+                    <a:schemeClr val="tx1">
+                      <a:lumMod val="75000"/>
+                      <a:lumOff val="25000"/>
+                    </a:schemeClr>
+                  </a:solidFill>
+                  <a:latin typeface="Times New Roman" panose="02020603050405020304" pitchFamily="18" charset="0"/>
+                  <a:cs typeface="Times New Roman" panose="02020603050405020304" pitchFamily="18" charset="0"/>
+                </a:endParaRPr>
+              </a:p>
+            </p:txBody>
+          </p:sp>
+        </mc:Choice>
+        <mc:Fallback>
+          <p:sp>
+            <p:nvSpPr>
+              <p:cNvPr id="3" name="內容版面配置區 2">
+                <a:extLst>
+                  <a:ext uri="{FF2B5EF4-FFF2-40B4-BE49-F238E27FC236}">
+                    <a16:creationId xmlns:a16="http://schemas.microsoft.com/office/drawing/2014/main" id="{9DDF8944-FFEE-4775-8C11-B3713C2D6272}"/>
+                  </a:ext>
+                </a:extLst>
+              </p:cNvPr>
+              <p:cNvSpPr>
+                <a:spLocks noGrp="1" noRot="1" noChangeAspect="1" noMove="1" noResize="1" noEditPoints="1" noAdjustHandles="1" noChangeArrowheads="1" noChangeShapeType="1" noTextEdit="1"/>
+              </p:cNvSpPr>
+              <p:nvPr>
+                <p:ph idx="1"/>
+              </p:nvPr>
+            </p:nvSpPr>
+            <p:spPr>
+              <a:blipFill>
+                <a:blip r:embed="rId2"/>
+                <a:stretch>
+                  <a:fillRect l="-814"/>
+                </a:stretch>
+              </a:blipFill>
+            </p:spPr>
+            <p:txBody>
+              <a:bodyPr/>
+              <a:lstStyle/>
+              <a:p>
+                <a:r>
+                  <a:rPr lang="zh-TW" altLang="en-US">
+                    <a:noFill/>
+                  </a:rPr>
+                  <a:t> </a:t>
+                </a:r>
+              </a:p>
+            </p:txBody>
+          </p:sp>
+        </mc:Fallback>
+      </mc:AlternateContent>
+      <p:sp>
+        <p:nvSpPr>
+          <p:cNvPr id="4" name="投影片編號版面配置區 3">
+            <a:extLst>
+              <a:ext uri="{FF2B5EF4-FFF2-40B4-BE49-F238E27FC236}">
+                <a16:creationId xmlns:a16="http://schemas.microsoft.com/office/drawing/2014/main" id="{CAF252E1-A9D2-43EE-BC20-FE205F29DD24}"/>
+              </a:ext>
+            </a:extLst>
+          </p:cNvPr>
+          <p:cNvSpPr>
+            <a:spLocks noGrp="1"/>
+          </p:cNvSpPr>
+          <p:nvPr>
+            <p:ph type="sldNum" sz="quarter" idx="12"/>
+          </p:nvPr>
+        </p:nvSpPr>
+        <p:spPr/>
+        <p:txBody>
+          <a:bodyPr/>
+          <a:lstStyle/>
+          <a:p>
+            <a:fld id="{69E57DC2-970A-4B3E-BB1C-7A09969E49DF}" type="slidenum">
+              <a:rPr lang="en-US" smtClean="0"/>
+              <a:t>17</a:t>
+            </a:fld>
+            <a:endParaRPr lang="en-US" dirty="0"/>
+          </a:p>
+        </p:txBody>
+      </p:sp>
+    </p:spTree>
+    <p:extLst>
+      <p:ext uri="{BB962C8B-B14F-4D97-AF65-F5344CB8AC3E}">
+        <p14:creationId xmlns:p14="http://schemas.microsoft.com/office/powerpoint/2010/main" val="4108959692"/>
+      </p:ext>
+    </p:extLst>
+  </p:cSld>
+  <p:clrMapOvr>
+    <a:masterClrMapping/>
+  </p:clrMapOvr>
+</p:sld>
+</file>
+
+<file path=ppt/slides/slide18.xml><?xml version="1.0" encoding="utf-8"?>
 <p:sld xmlns:a="http://schemas.openxmlformats.org/drawingml/2006/main" xmlns:r="http://schemas.openxmlformats.org/officeDocument/2006/relationships" xmlns:p="http://schemas.openxmlformats.org/presentationml/2006/main">
   <p:cSld>
     <p:spTree>
@@ -8672,7 +12413,7 @@
           <a:p>
             <a:fld id="{69E57DC2-970A-4B3E-BB1C-7A09969E49DF}" type="slidenum">
               <a:rPr lang="en-US" smtClean="0"/>
-              <a:t>9</a:t>
+              <a:t>18</a:t>
             </a:fld>
             <a:endParaRPr lang="en-US" dirty="0"/>
           </a:p>
@@ -8682,6 +12423,2538 @@
     <p:extLst>
       <p:ext uri="{BB962C8B-B14F-4D97-AF65-F5344CB8AC3E}">
         <p14:creationId xmlns:p14="http://schemas.microsoft.com/office/powerpoint/2010/main" val="3482879806"/>
+      </p:ext>
+    </p:extLst>
+  </p:cSld>
+  <p:clrMapOvr>
+    <a:masterClrMapping/>
+  </p:clrMapOvr>
+</p:sld>
+</file>
+
+<file path=ppt/slides/slide19.xml><?xml version="1.0" encoding="utf-8"?>
+<p:sld xmlns:a="http://schemas.openxmlformats.org/drawingml/2006/main" xmlns:r="http://schemas.openxmlformats.org/officeDocument/2006/relationships" xmlns:p="http://schemas.openxmlformats.org/presentationml/2006/main">
+  <p:cSld>
+    <p:spTree>
+      <p:nvGrpSpPr>
+        <p:cNvPr id="1" name=""/>
+        <p:cNvGrpSpPr/>
+        <p:nvPr/>
+      </p:nvGrpSpPr>
+      <p:grpSpPr>
+        <a:xfrm>
+          <a:off x="0" y="0"/>
+          <a:ext cx="0" cy="0"/>
+          <a:chOff x="0" y="0"/>
+          <a:chExt cx="0" cy="0"/>
+        </a:xfrm>
+      </p:grpSpPr>
+      <p:sp>
+        <p:nvSpPr>
+          <p:cNvPr id="2" name="標題 1">
+            <a:extLst>
+              <a:ext uri="{FF2B5EF4-FFF2-40B4-BE49-F238E27FC236}">
+                <a16:creationId xmlns:a16="http://schemas.microsoft.com/office/drawing/2014/main" id="{C7E843D0-356E-4ADE-A166-FF0CAD8A696E}"/>
+              </a:ext>
+            </a:extLst>
+          </p:cNvPr>
+          <p:cNvSpPr>
+            <a:spLocks noGrp="1"/>
+          </p:cNvSpPr>
+          <p:nvPr>
+            <p:ph type="title"/>
+          </p:nvPr>
+        </p:nvSpPr>
+        <p:spPr/>
+        <p:txBody>
+          <a:bodyPr>
+            <a:normAutofit/>
+          </a:bodyPr>
+          <a:lstStyle/>
+          <a:p>
+            <a:pPr algn="l"/>
+            <a:r>
+              <a:rPr lang="en-US" altLang="zh-TW" sz="4000" b="1" dirty="0"/>
+              <a:t>Outline</a:t>
+            </a:r>
+            <a:endParaRPr lang="zh-TW" altLang="en-US" sz="4000" b="1" dirty="0"/>
+          </a:p>
+        </p:txBody>
+      </p:sp>
+      <p:sp>
+        <p:nvSpPr>
+          <p:cNvPr id="3" name="內容版面配置區 2">
+            <a:extLst>
+              <a:ext uri="{FF2B5EF4-FFF2-40B4-BE49-F238E27FC236}">
+                <a16:creationId xmlns:a16="http://schemas.microsoft.com/office/drawing/2014/main" id="{75121BD4-30C7-4F3C-AD2C-6553106AF8D9}"/>
+              </a:ext>
+            </a:extLst>
+          </p:cNvPr>
+          <p:cNvSpPr>
+            <a:spLocks noGrp="1"/>
+          </p:cNvSpPr>
+          <p:nvPr>
+            <p:ph idx="1"/>
+          </p:nvPr>
+        </p:nvSpPr>
+        <p:spPr/>
+        <p:txBody>
+          <a:bodyPr anchor="ctr">
+            <a:normAutofit/>
+          </a:bodyPr>
+          <a:lstStyle/>
+          <a:p>
+            <a:r>
+              <a:rPr lang="en-US" altLang="zh-TW" sz="2800" dirty="0">
+                <a:solidFill>
+                  <a:schemeClr val="bg1">
+                    <a:lumMod val="65000"/>
+                  </a:schemeClr>
+                </a:solidFill>
+              </a:rPr>
+              <a:t>Motivation</a:t>
+            </a:r>
+          </a:p>
+          <a:p>
+            <a:r>
+              <a:rPr lang="en-US" altLang="zh-TW" sz="2800" dirty="0">
+                <a:solidFill>
+                  <a:schemeClr val="bg1">
+                    <a:lumMod val="65000"/>
+                  </a:schemeClr>
+                </a:solidFill>
+              </a:rPr>
+              <a:t>System Model</a:t>
+            </a:r>
+          </a:p>
+          <a:p>
+            <a:r>
+              <a:rPr lang="en-US" altLang="zh-TW" sz="2800" dirty="0">
+                <a:solidFill>
+                  <a:schemeClr val="bg1">
+                    <a:lumMod val="65000"/>
+                  </a:schemeClr>
+                </a:solidFill>
+              </a:rPr>
+              <a:t>Analytical Model</a:t>
+            </a:r>
+          </a:p>
+          <a:p>
+            <a:r>
+              <a:rPr lang="en-US" altLang="zh-TW" sz="2800" dirty="0">
+                <a:solidFill>
+                  <a:schemeClr val="bg1">
+                    <a:lumMod val="65000"/>
+                  </a:schemeClr>
+                </a:solidFill>
+              </a:rPr>
+              <a:t>Numerical Results</a:t>
+            </a:r>
+          </a:p>
+          <a:p>
+            <a:r>
+              <a:rPr lang="en-US" altLang="zh-TW" sz="2800" dirty="0">
+                <a:latin typeface="Times New Roman" panose="02020603050405020304" pitchFamily="18" charset="0"/>
+                <a:cs typeface="Times New Roman" panose="02020603050405020304" pitchFamily="18" charset="0"/>
+              </a:rPr>
+              <a:t>Conclusions and Future Works</a:t>
+            </a:r>
+            <a:endParaRPr lang="zh-TW" altLang="zh-TW" sz="2800" dirty="0">
+              <a:latin typeface="Times New Roman" panose="02020603050405020304" pitchFamily="18" charset="0"/>
+              <a:cs typeface="Times New Roman" panose="02020603050405020304" pitchFamily="18" charset="0"/>
+            </a:endParaRPr>
+          </a:p>
+          <a:p>
+            <a:endParaRPr lang="zh-TW" altLang="en-US" sz="2800" dirty="0"/>
+          </a:p>
+        </p:txBody>
+      </p:sp>
+      <p:sp>
+        <p:nvSpPr>
+          <p:cNvPr id="5" name="投影片編號版面配置區 4">
+            <a:extLst>
+              <a:ext uri="{FF2B5EF4-FFF2-40B4-BE49-F238E27FC236}">
+                <a16:creationId xmlns:a16="http://schemas.microsoft.com/office/drawing/2014/main" id="{121747F0-CA9D-42D0-80A7-BAA33AA29E7A}"/>
+              </a:ext>
+            </a:extLst>
+          </p:cNvPr>
+          <p:cNvSpPr>
+            <a:spLocks noGrp="1"/>
+          </p:cNvSpPr>
+          <p:nvPr>
+            <p:ph type="sldNum" sz="quarter" idx="12"/>
+          </p:nvPr>
+        </p:nvSpPr>
+        <p:spPr/>
+        <p:txBody>
+          <a:bodyPr/>
+          <a:lstStyle/>
+          <a:p>
+            <a:fld id="{69E57DC2-970A-4B3E-BB1C-7A09969E49DF}" type="slidenum">
+              <a:rPr lang="en-US" smtClean="0"/>
+              <a:t>19</a:t>
+            </a:fld>
+            <a:endParaRPr lang="en-US" dirty="0"/>
+          </a:p>
+        </p:txBody>
+      </p:sp>
+    </p:spTree>
+    <p:extLst>
+      <p:ext uri="{BB962C8B-B14F-4D97-AF65-F5344CB8AC3E}">
+        <p14:creationId xmlns:p14="http://schemas.microsoft.com/office/powerpoint/2010/main" val="264090915"/>
+      </p:ext>
+    </p:extLst>
+  </p:cSld>
+  <p:clrMapOvr>
+    <a:masterClrMapping/>
+  </p:clrMapOvr>
+</p:sld>
+</file>
+
+<file path=ppt/slides/slide2.xml><?xml version="1.0" encoding="utf-8"?>
+<p:sld xmlns:a="http://schemas.openxmlformats.org/drawingml/2006/main" xmlns:r="http://schemas.openxmlformats.org/officeDocument/2006/relationships" xmlns:p="http://schemas.openxmlformats.org/presentationml/2006/main">
+  <p:cSld>
+    <p:spTree>
+      <p:nvGrpSpPr>
+        <p:cNvPr id="1" name=""/>
+        <p:cNvGrpSpPr/>
+        <p:nvPr/>
+      </p:nvGrpSpPr>
+      <p:grpSpPr>
+        <a:xfrm>
+          <a:off x="0" y="0"/>
+          <a:ext cx="0" cy="0"/>
+          <a:chOff x="0" y="0"/>
+          <a:chExt cx="0" cy="0"/>
+        </a:xfrm>
+      </p:grpSpPr>
+      <p:sp>
+        <p:nvSpPr>
+          <p:cNvPr id="2" name="標題 1">
+            <a:extLst>
+              <a:ext uri="{FF2B5EF4-FFF2-40B4-BE49-F238E27FC236}">
+                <a16:creationId xmlns:a16="http://schemas.microsoft.com/office/drawing/2014/main" id="{C7E843D0-356E-4ADE-A166-FF0CAD8A696E}"/>
+              </a:ext>
+            </a:extLst>
+          </p:cNvPr>
+          <p:cNvSpPr>
+            <a:spLocks noGrp="1"/>
+          </p:cNvSpPr>
+          <p:nvPr>
+            <p:ph type="title"/>
+          </p:nvPr>
+        </p:nvSpPr>
+        <p:spPr/>
+        <p:txBody>
+          <a:bodyPr>
+            <a:normAutofit/>
+          </a:bodyPr>
+          <a:lstStyle/>
+          <a:p>
+            <a:pPr algn="l"/>
+            <a:r>
+              <a:rPr lang="en-US" altLang="zh-TW" sz="4000" b="1" dirty="0"/>
+              <a:t>Outline</a:t>
+            </a:r>
+            <a:endParaRPr lang="zh-TW" altLang="en-US" sz="4000" b="1" dirty="0"/>
+          </a:p>
+        </p:txBody>
+      </p:sp>
+      <p:sp>
+        <p:nvSpPr>
+          <p:cNvPr id="3" name="內容版面配置區 2">
+            <a:extLst>
+              <a:ext uri="{FF2B5EF4-FFF2-40B4-BE49-F238E27FC236}">
+                <a16:creationId xmlns:a16="http://schemas.microsoft.com/office/drawing/2014/main" id="{75121BD4-30C7-4F3C-AD2C-6553106AF8D9}"/>
+              </a:ext>
+            </a:extLst>
+          </p:cNvPr>
+          <p:cNvSpPr>
+            <a:spLocks noGrp="1"/>
+          </p:cNvSpPr>
+          <p:nvPr>
+            <p:ph idx="1"/>
+          </p:nvPr>
+        </p:nvSpPr>
+        <p:spPr/>
+        <p:txBody>
+          <a:bodyPr anchor="ctr">
+            <a:normAutofit/>
+          </a:bodyPr>
+          <a:lstStyle/>
+          <a:p>
+            <a:r>
+              <a:rPr lang="en-US" altLang="zh-TW" sz="2800" dirty="0"/>
+              <a:t>Motivation</a:t>
+            </a:r>
+          </a:p>
+          <a:p>
+            <a:r>
+              <a:rPr lang="en-US" altLang="zh-TW" sz="2800" dirty="0">
+                <a:latin typeface="Times New Roman" panose="02020603050405020304" pitchFamily="18" charset="0"/>
+                <a:cs typeface="Times New Roman" panose="02020603050405020304" pitchFamily="18" charset="0"/>
+              </a:rPr>
+              <a:t>System Model</a:t>
+            </a:r>
+          </a:p>
+          <a:p>
+            <a:r>
+              <a:rPr lang="en-US" altLang="zh-TW" sz="2800" dirty="0">
+                <a:latin typeface="Times New Roman" panose="02020603050405020304" pitchFamily="18" charset="0"/>
+                <a:cs typeface="Times New Roman" panose="02020603050405020304" pitchFamily="18" charset="0"/>
+              </a:rPr>
+              <a:t>Analytical Model</a:t>
+            </a:r>
+          </a:p>
+          <a:p>
+            <a:r>
+              <a:rPr lang="en-US" altLang="zh-TW" sz="2800" dirty="0">
+                <a:latin typeface="Times New Roman" panose="02020603050405020304" pitchFamily="18" charset="0"/>
+                <a:cs typeface="Times New Roman" panose="02020603050405020304" pitchFamily="18" charset="0"/>
+              </a:rPr>
+              <a:t>Numerical Results</a:t>
+            </a:r>
+          </a:p>
+          <a:p>
+            <a:r>
+              <a:rPr lang="en-US" altLang="zh-TW" sz="2800" dirty="0">
+                <a:latin typeface="Times New Roman" panose="02020603050405020304" pitchFamily="18" charset="0"/>
+                <a:cs typeface="Times New Roman" panose="02020603050405020304" pitchFamily="18" charset="0"/>
+              </a:rPr>
+              <a:t>Conclusions and Future Works</a:t>
+            </a:r>
+            <a:endParaRPr lang="zh-TW" altLang="zh-TW" sz="2800" dirty="0">
+              <a:latin typeface="Times New Roman" panose="02020603050405020304" pitchFamily="18" charset="0"/>
+              <a:cs typeface="Times New Roman" panose="02020603050405020304" pitchFamily="18" charset="0"/>
+            </a:endParaRPr>
+          </a:p>
+          <a:p>
+            <a:endParaRPr lang="zh-TW" altLang="en-US" sz="2800" dirty="0"/>
+          </a:p>
+        </p:txBody>
+      </p:sp>
+      <p:sp>
+        <p:nvSpPr>
+          <p:cNvPr id="5" name="投影片編號版面配置區 4">
+            <a:extLst>
+              <a:ext uri="{FF2B5EF4-FFF2-40B4-BE49-F238E27FC236}">
+                <a16:creationId xmlns:a16="http://schemas.microsoft.com/office/drawing/2014/main" id="{121747F0-CA9D-42D0-80A7-BAA33AA29E7A}"/>
+              </a:ext>
+            </a:extLst>
+          </p:cNvPr>
+          <p:cNvSpPr>
+            <a:spLocks noGrp="1"/>
+          </p:cNvSpPr>
+          <p:nvPr>
+            <p:ph type="sldNum" sz="quarter" idx="12"/>
+          </p:nvPr>
+        </p:nvSpPr>
+        <p:spPr/>
+        <p:txBody>
+          <a:bodyPr/>
+          <a:lstStyle/>
+          <a:p>
+            <a:fld id="{69E57DC2-970A-4B3E-BB1C-7A09969E49DF}" type="slidenum">
+              <a:rPr lang="en-US" smtClean="0"/>
+              <a:t>2</a:t>
+            </a:fld>
+            <a:endParaRPr lang="en-US" dirty="0"/>
+          </a:p>
+        </p:txBody>
+      </p:sp>
+    </p:spTree>
+    <p:extLst>
+      <p:ext uri="{BB962C8B-B14F-4D97-AF65-F5344CB8AC3E}">
+        <p14:creationId xmlns:p14="http://schemas.microsoft.com/office/powerpoint/2010/main" val="2476028353"/>
+      </p:ext>
+    </p:extLst>
+  </p:cSld>
+  <p:clrMapOvr>
+    <a:masterClrMapping/>
+  </p:clrMapOvr>
+</p:sld>
+</file>
+
+<file path=ppt/slides/slide20.xml><?xml version="1.0" encoding="utf-8"?>
+<p:sld xmlns:a="http://schemas.openxmlformats.org/drawingml/2006/main" xmlns:r="http://schemas.openxmlformats.org/officeDocument/2006/relationships" xmlns:p="http://schemas.openxmlformats.org/presentationml/2006/main">
+  <p:cSld>
+    <p:spTree>
+      <p:nvGrpSpPr>
+        <p:cNvPr id="1" name=""/>
+        <p:cNvGrpSpPr/>
+        <p:nvPr/>
+      </p:nvGrpSpPr>
+      <p:grpSpPr>
+        <a:xfrm>
+          <a:off x="0" y="0"/>
+          <a:ext cx="0" cy="0"/>
+          <a:chOff x="0" y="0"/>
+          <a:chExt cx="0" cy="0"/>
+        </a:xfrm>
+      </p:grpSpPr>
+      <p:sp>
+        <p:nvSpPr>
+          <p:cNvPr id="2" name="標題 1">
+            <a:extLst>
+              <a:ext uri="{FF2B5EF4-FFF2-40B4-BE49-F238E27FC236}">
+                <a16:creationId xmlns:a16="http://schemas.microsoft.com/office/drawing/2014/main" id="{F3CD7E9B-4E0F-4577-9423-7CCCB2934038}"/>
+              </a:ext>
+            </a:extLst>
+          </p:cNvPr>
+          <p:cNvSpPr>
+            <a:spLocks noGrp="1"/>
+          </p:cNvSpPr>
+          <p:nvPr>
+            <p:ph type="title"/>
+          </p:nvPr>
+        </p:nvSpPr>
+        <p:spPr/>
+        <p:txBody>
+          <a:bodyPr/>
+          <a:lstStyle/>
+          <a:p>
+            <a:endParaRPr lang="zh-TW" altLang="en-US" dirty="0"/>
+          </a:p>
+        </p:txBody>
+      </p:sp>
+      <p:sp>
+        <p:nvSpPr>
+          <p:cNvPr id="3" name="內容版面配置區 2">
+            <a:extLst>
+              <a:ext uri="{FF2B5EF4-FFF2-40B4-BE49-F238E27FC236}">
+                <a16:creationId xmlns:a16="http://schemas.microsoft.com/office/drawing/2014/main" id="{AF4F6E4A-0807-4474-A452-ADF6DF938506}"/>
+              </a:ext>
+            </a:extLst>
+          </p:cNvPr>
+          <p:cNvSpPr>
+            <a:spLocks noGrp="1"/>
+          </p:cNvSpPr>
+          <p:nvPr>
+            <p:ph idx="1"/>
+          </p:nvPr>
+        </p:nvSpPr>
+        <p:spPr/>
+        <p:txBody>
+          <a:bodyPr/>
+          <a:lstStyle/>
+          <a:p>
+            <a:endParaRPr lang="zh-TW" altLang="en-US"/>
+          </a:p>
+        </p:txBody>
+      </p:sp>
+      <p:sp>
+        <p:nvSpPr>
+          <p:cNvPr id="4" name="投影片編號版面配置區 3">
+            <a:extLst>
+              <a:ext uri="{FF2B5EF4-FFF2-40B4-BE49-F238E27FC236}">
+                <a16:creationId xmlns:a16="http://schemas.microsoft.com/office/drawing/2014/main" id="{D6173B97-FDFD-4F22-ACB6-862D1DFE5194}"/>
+              </a:ext>
+            </a:extLst>
+          </p:cNvPr>
+          <p:cNvSpPr>
+            <a:spLocks noGrp="1"/>
+          </p:cNvSpPr>
+          <p:nvPr>
+            <p:ph type="sldNum" sz="quarter" idx="12"/>
+          </p:nvPr>
+        </p:nvSpPr>
+        <p:spPr/>
+        <p:txBody>
+          <a:bodyPr/>
+          <a:lstStyle/>
+          <a:p>
+            <a:fld id="{69E57DC2-970A-4B3E-BB1C-7A09969E49DF}" type="slidenum">
+              <a:rPr lang="en-US" smtClean="0"/>
+              <a:t>20</a:t>
+            </a:fld>
+            <a:endParaRPr lang="en-US" dirty="0"/>
+          </a:p>
+        </p:txBody>
+      </p:sp>
+    </p:spTree>
+    <p:extLst>
+      <p:ext uri="{BB962C8B-B14F-4D97-AF65-F5344CB8AC3E}">
+        <p14:creationId xmlns:p14="http://schemas.microsoft.com/office/powerpoint/2010/main" val="3926772210"/>
+      </p:ext>
+    </p:extLst>
+  </p:cSld>
+  <p:clrMapOvr>
+    <a:masterClrMapping/>
+  </p:clrMapOvr>
+</p:sld>
+</file>
+
+<file path=ppt/slides/slide21.xml><?xml version="1.0" encoding="utf-8"?>
+<p:sld xmlns:a="http://schemas.openxmlformats.org/drawingml/2006/main" xmlns:r="http://schemas.openxmlformats.org/officeDocument/2006/relationships" xmlns:p="http://schemas.openxmlformats.org/presentationml/2006/main">
+  <p:cSld>
+    <p:spTree>
+      <p:nvGrpSpPr>
+        <p:cNvPr id="1" name=""/>
+        <p:cNvGrpSpPr/>
+        <p:nvPr/>
+      </p:nvGrpSpPr>
+      <p:grpSpPr>
+        <a:xfrm>
+          <a:off x="0" y="0"/>
+          <a:ext cx="0" cy="0"/>
+          <a:chOff x="0" y="0"/>
+          <a:chExt cx="0" cy="0"/>
+        </a:xfrm>
+      </p:grpSpPr>
+      <p:sp>
+        <p:nvSpPr>
+          <p:cNvPr id="4" name="標題 3">
+            <a:extLst>
+              <a:ext uri="{FF2B5EF4-FFF2-40B4-BE49-F238E27FC236}">
+                <a16:creationId xmlns:a16="http://schemas.microsoft.com/office/drawing/2014/main" id="{B31E3521-B0DC-4B8C-B1A8-6E569993FF57}"/>
+              </a:ext>
+            </a:extLst>
+          </p:cNvPr>
+          <p:cNvSpPr>
+            <a:spLocks noGrp="1"/>
+          </p:cNvSpPr>
+          <p:nvPr>
+            <p:ph type="ctrTitle"/>
+          </p:nvPr>
+        </p:nvSpPr>
+        <p:spPr>
+          <a:xfrm>
+            <a:off x="1600200" y="2606040"/>
+            <a:ext cx="8991600" cy="1645920"/>
+          </a:xfrm>
+        </p:spPr>
+        <p:txBody>
+          <a:bodyPr/>
+          <a:lstStyle/>
+          <a:p>
+            <a:r>
+              <a:rPr lang="en-US" altLang="zh-TW" dirty="0"/>
+              <a:t>Thank you for listening</a:t>
+            </a:r>
+            <a:endParaRPr lang="zh-TW" altLang="en-US" dirty="0"/>
+          </a:p>
+        </p:txBody>
+      </p:sp>
+    </p:spTree>
+    <p:extLst>
+      <p:ext uri="{BB962C8B-B14F-4D97-AF65-F5344CB8AC3E}">
+        <p14:creationId xmlns:p14="http://schemas.microsoft.com/office/powerpoint/2010/main" val="2931838915"/>
+      </p:ext>
+    </p:extLst>
+  </p:cSld>
+  <p:clrMapOvr>
+    <a:masterClrMapping/>
+  </p:clrMapOvr>
+</p:sld>
+</file>
+
+<file path=ppt/slides/slide3.xml><?xml version="1.0" encoding="utf-8"?>
+<p:sld xmlns:a="http://schemas.openxmlformats.org/drawingml/2006/main" xmlns:r="http://schemas.openxmlformats.org/officeDocument/2006/relationships" xmlns:p="http://schemas.openxmlformats.org/presentationml/2006/main">
+  <p:cSld>
+    <p:spTree>
+      <p:nvGrpSpPr>
+        <p:cNvPr id="1" name=""/>
+        <p:cNvGrpSpPr/>
+        <p:nvPr/>
+      </p:nvGrpSpPr>
+      <p:grpSpPr>
+        <a:xfrm>
+          <a:off x="0" y="0"/>
+          <a:ext cx="0" cy="0"/>
+          <a:chOff x="0" y="0"/>
+          <a:chExt cx="0" cy="0"/>
+        </a:xfrm>
+      </p:grpSpPr>
+      <p:sp>
+        <p:nvSpPr>
+          <p:cNvPr id="2" name="標題 1">
+            <a:extLst>
+              <a:ext uri="{FF2B5EF4-FFF2-40B4-BE49-F238E27FC236}">
+                <a16:creationId xmlns:a16="http://schemas.microsoft.com/office/drawing/2014/main" id="{C7E843D0-356E-4ADE-A166-FF0CAD8A696E}"/>
+              </a:ext>
+            </a:extLst>
+          </p:cNvPr>
+          <p:cNvSpPr>
+            <a:spLocks noGrp="1"/>
+          </p:cNvSpPr>
+          <p:nvPr>
+            <p:ph type="title"/>
+          </p:nvPr>
+        </p:nvSpPr>
+        <p:spPr/>
+        <p:txBody>
+          <a:bodyPr>
+            <a:normAutofit/>
+          </a:bodyPr>
+          <a:lstStyle/>
+          <a:p>
+            <a:pPr algn="l"/>
+            <a:r>
+              <a:rPr lang="en-US" altLang="zh-TW" sz="4000" b="1" dirty="0"/>
+              <a:t>Outline</a:t>
+            </a:r>
+            <a:endParaRPr lang="zh-TW" altLang="en-US" sz="4000" b="1" dirty="0"/>
+          </a:p>
+        </p:txBody>
+      </p:sp>
+      <p:sp>
+        <p:nvSpPr>
+          <p:cNvPr id="3" name="內容版面配置區 2">
+            <a:extLst>
+              <a:ext uri="{FF2B5EF4-FFF2-40B4-BE49-F238E27FC236}">
+                <a16:creationId xmlns:a16="http://schemas.microsoft.com/office/drawing/2014/main" id="{75121BD4-30C7-4F3C-AD2C-6553106AF8D9}"/>
+              </a:ext>
+            </a:extLst>
+          </p:cNvPr>
+          <p:cNvSpPr>
+            <a:spLocks noGrp="1"/>
+          </p:cNvSpPr>
+          <p:nvPr>
+            <p:ph idx="1"/>
+          </p:nvPr>
+        </p:nvSpPr>
+        <p:spPr/>
+        <p:txBody>
+          <a:bodyPr anchor="ctr">
+            <a:normAutofit/>
+          </a:bodyPr>
+          <a:lstStyle/>
+          <a:p>
+            <a:r>
+              <a:rPr lang="en-US" altLang="zh-TW" sz="2800" dirty="0"/>
+              <a:t>Motivation</a:t>
+            </a:r>
+          </a:p>
+          <a:p>
+            <a:r>
+              <a:rPr lang="en-US" altLang="zh-TW" sz="2800" dirty="0">
+                <a:solidFill>
+                  <a:schemeClr val="bg1">
+                    <a:lumMod val="65000"/>
+                  </a:schemeClr>
+                </a:solidFill>
+                <a:latin typeface="Times New Roman" panose="02020603050405020304" pitchFamily="18" charset="0"/>
+                <a:cs typeface="Times New Roman" panose="02020603050405020304" pitchFamily="18" charset="0"/>
+              </a:rPr>
+              <a:t>System Model</a:t>
+            </a:r>
+          </a:p>
+          <a:p>
+            <a:r>
+              <a:rPr lang="en-US" altLang="zh-TW" sz="2800" dirty="0">
+                <a:solidFill>
+                  <a:schemeClr val="bg1">
+                    <a:lumMod val="65000"/>
+                  </a:schemeClr>
+                </a:solidFill>
+                <a:latin typeface="Times New Roman" panose="02020603050405020304" pitchFamily="18" charset="0"/>
+                <a:cs typeface="Times New Roman" panose="02020603050405020304" pitchFamily="18" charset="0"/>
+              </a:rPr>
+              <a:t>Analytical Model</a:t>
+            </a:r>
+          </a:p>
+          <a:p>
+            <a:r>
+              <a:rPr lang="en-US" altLang="zh-TW" sz="2800" dirty="0">
+                <a:solidFill>
+                  <a:schemeClr val="bg1">
+                    <a:lumMod val="65000"/>
+                  </a:schemeClr>
+                </a:solidFill>
+                <a:latin typeface="Times New Roman" panose="02020603050405020304" pitchFamily="18" charset="0"/>
+                <a:cs typeface="Times New Roman" panose="02020603050405020304" pitchFamily="18" charset="0"/>
+              </a:rPr>
+              <a:t>Numerical Results</a:t>
+            </a:r>
+          </a:p>
+          <a:p>
+            <a:r>
+              <a:rPr lang="en-US" altLang="zh-TW" sz="2800" dirty="0">
+                <a:solidFill>
+                  <a:schemeClr val="bg1">
+                    <a:lumMod val="65000"/>
+                  </a:schemeClr>
+                </a:solidFill>
+                <a:latin typeface="Times New Roman" panose="02020603050405020304" pitchFamily="18" charset="0"/>
+                <a:cs typeface="Times New Roman" panose="02020603050405020304" pitchFamily="18" charset="0"/>
+              </a:rPr>
+              <a:t>Conclusions and Future Works</a:t>
+            </a:r>
+            <a:endParaRPr lang="zh-TW" altLang="zh-TW" sz="2800" dirty="0">
+              <a:solidFill>
+                <a:schemeClr val="bg1">
+                  <a:lumMod val="65000"/>
+                </a:schemeClr>
+              </a:solidFill>
+              <a:latin typeface="Times New Roman" panose="02020603050405020304" pitchFamily="18" charset="0"/>
+              <a:cs typeface="Times New Roman" panose="02020603050405020304" pitchFamily="18" charset="0"/>
+            </a:endParaRPr>
+          </a:p>
+          <a:p>
+            <a:endParaRPr lang="zh-TW" altLang="en-US" sz="2800" dirty="0"/>
+          </a:p>
+        </p:txBody>
+      </p:sp>
+      <p:sp>
+        <p:nvSpPr>
+          <p:cNvPr id="5" name="投影片編號版面配置區 4">
+            <a:extLst>
+              <a:ext uri="{FF2B5EF4-FFF2-40B4-BE49-F238E27FC236}">
+                <a16:creationId xmlns:a16="http://schemas.microsoft.com/office/drawing/2014/main" id="{121747F0-CA9D-42D0-80A7-BAA33AA29E7A}"/>
+              </a:ext>
+            </a:extLst>
+          </p:cNvPr>
+          <p:cNvSpPr>
+            <a:spLocks noGrp="1"/>
+          </p:cNvSpPr>
+          <p:nvPr>
+            <p:ph type="sldNum" sz="quarter" idx="12"/>
+          </p:nvPr>
+        </p:nvSpPr>
+        <p:spPr/>
+        <p:txBody>
+          <a:bodyPr/>
+          <a:lstStyle/>
+          <a:p>
+            <a:fld id="{69E57DC2-970A-4B3E-BB1C-7A09969E49DF}" type="slidenum">
+              <a:rPr lang="en-US" smtClean="0"/>
+              <a:t>3</a:t>
+            </a:fld>
+            <a:endParaRPr lang="en-US" dirty="0"/>
+          </a:p>
+        </p:txBody>
+      </p:sp>
+    </p:spTree>
+    <p:extLst>
+      <p:ext uri="{BB962C8B-B14F-4D97-AF65-F5344CB8AC3E}">
+        <p14:creationId xmlns:p14="http://schemas.microsoft.com/office/powerpoint/2010/main" val="2587770757"/>
+      </p:ext>
+    </p:extLst>
+  </p:cSld>
+  <p:clrMapOvr>
+    <a:masterClrMapping/>
+  </p:clrMapOvr>
+</p:sld>
+</file>
+
+<file path=ppt/slides/slide4.xml><?xml version="1.0" encoding="utf-8"?>
+<p:sld xmlns:a="http://schemas.openxmlformats.org/drawingml/2006/main" xmlns:r="http://schemas.openxmlformats.org/officeDocument/2006/relationships" xmlns:p="http://schemas.openxmlformats.org/presentationml/2006/main">
+  <p:cSld>
+    <p:spTree>
+      <p:nvGrpSpPr>
+        <p:cNvPr id="1" name=""/>
+        <p:cNvGrpSpPr/>
+        <p:nvPr/>
+      </p:nvGrpSpPr>
+      <p:grpSpPr>
+        <a:xfrm>
+          <a:off x="0" y="0"/>
+          <a:ext cx="0" cy="0"/>
+          <a:chOff x="0" y="0"/>
+          <a:chExt cx="0" cy="0"/>
+        </a:xfrm>
+      </p:grpSpPr>
+      <p:sp>
+        <p:nvSpPr>
+          <p:cNvPr id="2" name="標題 1">
+            <a:extLst>
+              <a:ext uri="{FF2B5EF4-FFF2-40B4-BE49-F238E27FC236}">
+                <a16:creationId xmlns:a16="http://schemas.microsoft.com/office/drawing/2014/main" id="{3BE95446-60B2-49FD-9DB0-43476B140F81}"/>
+              </a:ext>
+            </a:extLst>
+          </p:cNvPr>
+          <p:cNvSpPr>
+            <a:spLocks noGrp="1"/>
+          </p:cNvSpPr>
+          <p:nvPr>
+            <p:ph type="title"/>
+          </p:nvPr>
+        </p:nvSpPr>
+        <p:spPr/>
+        <p:txBody>
+          <a:bodyPr/>
+          <a:lstStyle/>
+          <a:p>
+            <a:r>
+              <a:rPr lang="en-US" altLang="zh-TW" dirty="0"/>
+              <a:t>Motivation</a:t>
+            </a:r>
+            <a:endParaRPr lang="zh-TW" altLang="en-US" dirty="0"/>
+          </a:p>
+        </p:txBody>
+      </p:sp>
+      <p:sp>
+        <p:nvSpPr>
+          <p:cNvPr id="3" name="內容版面配置區 2">
+            <a:extLst>
+              <a:ext uri="{FF2B5EF4-FFF2-40B4-BE49-F238E27FC236}">
+                <a16:creationId xmlns:a16="http://schemas.microsoft.com/office/drawing/2014/main" id="{D52F5F52-243B-4DFA-A631-4A2A1EE482CA}"/>
+              </a:ext>
+            </a:extLst>
+          </p:cNvPr>
+          <p:cNvSpPr>
+            <a:spLocks noGrp="1"/>
+          </p:cNvSpPr>
+          <p:nvPr>
+            <p:ph idx="1"/>
+          </p:nvPr>
+        </p:nvSpPr>
+        <p:spPr>
+          <a:xfrm>
+            <a:off x="566057" y="1959365"/>
+            <a:ext cx="11059886" cy="3867404"/>
+          </a:xfrm>
+        </p:spPr>
+        <p:txBody>
+          <a:bodyPr anchor="ctr"/>
+          <a:lstStyle/>
+          <a:p>
+            <a:pPr algn="just"/>
+            <a:r>
+              <a:rPr lang="en-US" altLang="zh-TW" dirty="0"/>
+              <a:t>Blockchain is a foundational infrastructure for digital trust and decentralized system</a:t>
+            </a:r>
+          </a:p>
+          <a:p>
+            <a:pPr lvl="1" algn="just"/>
+            <a:r>
+              <a:rPr lang="en-US" altLang="zh-TW" dirty="0"/>
+              <a:t>Decentralization, transparency, and immutability</a:t>
+            </a:r>
+          </a:p>
+          <a:p>
+            <a:pPr lvl="1" algn="just"/>
+            <a:r>
+              <a:rPr lang="en-US" altLang="zh-TW" dirty="0"/>
+              <a:t>Bit coin,</a:t>
+            </a:r>
+            <a:r>
+              <a:rPr lang="zh-TW" altLang="en-US" dirty="0"/>
+              <a:t> </a:t>
+            </a:r>
+            <a:r>
+              <a:rPr lang="en-US" altLang="zh-TW" dirty="0"/>
+              <a:t>finance</a:t>
+            </a:r>
+            <a:r>
+              <a:rPr lang="zh-TW" altLang="en-US" dirty="0"/>
+              <a:t> </a:t>
+            </a:r>
+            <a:r>
+              <a:rPr lang="en-US" altLang="zh-TW" dirty="0"/>
+              <a:t>healthcare</a:t>
+            </a:r>
+            <a:r>
+              <a:rPr lang="zh-TW" altLang="en-US" dirty="0"/>
+              <a:t> </a:t>
+            </a:r>
+            <a:r>
+              <a:rPr lang="en-US" altLang="zh-TW" dirty="0"/>
+              <a:t>media logistics energy</a:t>
+            </a:r>
+          </a:p>
+          <a:p>
+            <a:pPr algn="just"/>
+            <a:r>
+              <a:rPr lang="en-US" altLang="zh-TW" dirty="0"/>
+              <a:t>Interoperability</a:t>
+            </a:r>
+            <a:r>
+              <a:rPr lang="zh-TW" altLang="en-US" dirty="0"/>
+              <a:t> → </a:t>
+            </a:r>
+            <a:r>
+              <a:rPr lang="en-US" altLang="zh-TW" dirty="0"/>
+              <a:t>Cross-chain bridges</a:t>
+            </a:r>
+          </a:p>
+        </p:txBody>
+      </p:sp>
+      <p:sp>
+        <p:nvSpPr>
+          <p:cNvPr id="4" name="投影片編號版面配置區 3">
+            <a:extLst>
+              <a:ext uri="{FF2B5EF4-FFF2-40B4-BE49-F238E27FC236}">
+                <a16:creationId xmlns:a16="http://schemas.microsoft.com/office/drawing/2014/main" id="{4B685C6A-1E0B-4328-8398-12DE0DB7EB95}"/>
+              </a:ext>
+            </a:extLst>
+          </p:cNvPr>
+          <p:cNvSpPr>
+            <a:spLocks noGrp="1"/>
+          </p:cNvSpPr>
+          <p:nvPr>
+            <p:ph type="sldNum" sz="quarter" idx="12"/>
+          </p:nvPr>
+        </p:nvSpPr>
+        <p:spPr/>
+        <p:txBody>
+          <a:bodyPr/>
+          <a:lstStyle/>
+          <a:p>
+            <a:fld id="{69E57DC2-970A-4B3E-BB1C-7A09969E49DF}" type="slidenum">
+              <a:rPr lang="en-US" smtClean="0"/>
+              <a:t>4</a:t>
+            </a:fld>
+            <a:endParaRPr lang="en-US" dirty="0"/>
+          </a:p>
+        </p:txBody>
+      </p:sp>
+    </p:spTree>
+    <p:extLst>
+      <p:ext uri="{BB962C8B-B14F-4D97-AF65-F5344CB8AC3E}">
+        <p14:creationId xmlns:p14="http://schemas.microsoft.com/office/powerpoint/2010/main" val="3468022601"/>
+      </p:ext>
+    </p:extLst>
+  </p:cSld>
+  <p:clrMapOvr>
+    <a:masterClrMapping/>
+  </p:clrMapOvr>
+</p:sld>
+</file>
+
+<file path=ppt/slides/slide5.xml><?xml version="1.0" encoding="utf-8"?>
+<p:sld xmlns:a="http://schemas.openxmlformats.org/drawingml/2006/main" xmlns:r="http://schemas.openxmlformats.org/officeDocument/2006/relationships" xmlns:p="http://schemas.openxmlformats.org/presentationml/2006/main">
+  <p:cSld>
+    <p:spTree>
+      <p:nvGrpSpPr>
+        <p:cNvPr id="1" name=""/>
+        <p:cNvGrpSpPr/>
+        <p:nvPr/>
+      </p:nvGrpSpPr>
+      <p:grpSpPr>
+        <a:xfrm>
+          <a:off x="0" y="0"/>
+          <a:ext cx="0" cy="0"/>
+          <a:chOff x="0" y="0"/>
+          <a:chExt cx="0" cy="0"/>
+        </a:xfrm>
+      </p:grpSpPr>
+      <p:sp>
+        <p:nvSpPr>
+          <p:cNvPr id="2" name="標題 1">
+            <a:extLst>
+              <a:ext uri="{FF2B5EF4-FFF2-40B4-BE49-F238E27FC236}">
+                <a16:creationId xmlns:a16="http://schemas.microsoft.com/office/drawing/2014/main" id="{9803C7C3-4D73-4F94-8192-6B5587375E96}"/>
+              </a:ext>
+            </a:extLst>
+          </p:cNvPr>
+          <p:cNvSpPr>
+            <a:spLocks noGrp="1"/>
+          </p:cNvSpPr>
+          <p:nvPr>
+            <p:ph type="title"/>
+          </p:nvPr>
+        </p:nvSpPr>
+        <p:spPr/>
+        <p:txBody>
+          <a:bodyPr/>
+          <a:lstStyle/>
+          <a:p>
+            <a:r>
+              <a:rPr lang="en-US" altLang="zh-TW" dirty="0"/>
+              <a:t>Motivation</a:t>
+            </a:r>
+            <a:endParaRPr lang="zh-TW" altLang="en-US" dirty="0"/>
+          </a:p>
+        </p:txBody>
+      </p:sp>
+      <p:sp>
+        <p:nvSpPr>
+          <p:cNvPr id="3" name="內容版面配置區 2">
+            <a:extLst>
+              <a:ext uri="{FF2B5EF4-FFF2-40B4-BE49-F238E27FC236}">
+                <a16:creationId xmlns:a16="http://schemas.microsoft.com/office/drawing/2014/main" id="{FA29EB69-540F-4E3B-A7E7-FC13BE290E87}"/>
+              </a:ext>
+            </a:extLst>
+          </p:cNvPr>
+          <p:cNvSpPr>
+            <a:spLocks noGrp="1"/>
+          </p:cNvSpPr>
+          <p:nvPr>
+            <p:ph idx="1"/>
+          </p:nvPr>
+        </p:nvSpPr>
+        <p:spPr/>
+        <p:txBody>
+          <a:bodyPr anchor="ctr"/>
+          <a:lstStyle/>
+          <a:p>
+            <a:r>
+              <a:rPr lang="en-US" altLang="zh-TW" dirty="0"/>
+              <a:t>In [2], apply M/M/n/L queues </a:t>
+            </a:r>
+            <a:r>
+              <a:rPr lang="en-US" altLang="zh-TW" dirty="0">
+                <a:effectLst/>
+                <a:latin typeface="Times New Roman" panose="02020603050405020304" pitchFamily="18" charset="0"/>
+                <a:ea typeface="新細明體" panose="02020500000000000000" pitchFamily="18" charset="-120"/>
+              </a:rPr>
+              <a:t>modeling transaction processing and block generation in Bitcoin </a:t>
+            </a:r>
+          </a:p>
+          <a:p>
+            <a:pPr lvl="1"/>
+            <a:r>
+              <a:rPr lang="en-US" altLang="zh-TW" dirty="0">
+                <a:ea typeface="新細明體" panose="02020500000000000000" pitchFamily="18" charset="-120"/>
+              </a:rPr>
+              <a:t>Queue length / </a:t>
+            </a:r>
+            <a:r>
+              <a:rPr lang="en-US" altLang="zh-TW" dirty="0">
+                <a:solidFill>
+                  <a:srgbClr val="FF0000"/>
+                </a:solidFill>
+                <a:ea typeface="新細明體" panose="02020500000000000000" pitchFamily="18" charset="-120"/>
+              </a:rPr>
+              <a:t>block generation rate</a:t>
+            </a:r>
+            <a:endParaRPr lang="en-US" altLang="zh-TW" dirty="0">
+              <a:solidFill>
+                <a:srgbClr val="FF0000"/>
+              </a:solidFill>
+            </a:endParaRPr>
+          </a:p>
+          <a:p>
+            <a:r>
+              <a:rPr lang="en-US" altLang="zh-TW" dirty="0"/>
+              <a:t>In [7], Blockchain queuing model with </a:t>
+            </a:r>
+            <a:r>
+              <a:rPr lang="en-US" altLang="zh-TW" dirty="0">
+                <a:solidFill>
+                  <a:srgbClr val="FF0000"/>
+                </a:solidFill>
+              </a:rPr>
+              <a:t>non-preemptive limited-priority </a:t>
+            </a:r>
+            <a:r>
+              <a:rPr lang="en-US" altLang="zh-TW" dirty="0"/>
+              <a:t>is proposed. </a:t>
+            </a:r>
+          </a:p>
+          <a:p>
+            <a:r>
+              <a:rPr lang="en-US" altLang="zh-TW" dirty="0"/>
+              <a:t>In [10], Queueing model for </a:t>
+            </a:r>
+            <a:r>
+              <a:rPr lang="en-US" altLang="zh-TW" dirty="0">
+                <a:solidFill>
+                  <a:srgbClr val="FF0000"/>
+                </a:solidFill>
+              </a:rPr>
+              <a:t>cross-chain transaction flows</a:t>
+            </a:r>
+            <a:r>
+              <a:rPr lang="zh-TW" altLang="en-US" dirty="0">
+                <a:solidFill>
+                  <a:srgbClr val="FF0000"/>
+                </a:solidFill>
+              </a:rPr>
+              <a:t> </a:t>
+            </a:r>
+            <a:r>
+              <a:rPr lang="en-US" altLang="zh-TW" dirty="0"/>
+              <a:t>is presented.</a:t>
+            </a:r>
+            <a:endParaRPr lang="zh-TW" altLang="en-US" dirty="0"/>
+          </a:p>
+        </p:txBody>
+      </p:sp>
+      <p:sp>
+        <p:nvSpPr>
+          <p:cNvPr id="4" name="投影片編號版面配置區 3">
+            <a:extLst>
+              <a:ext uri="{FF2B5EF4-FFF2-40B4-BE49-F238E27FC236}">
+                <a16:creationId xmlns:a16="http://schemas.microsoft.com/office/drawing/2014/main" id="{DB1D85AF-0A32-47D0-8F9B-CD7394D479F4}"/>
+              </a:ext>
+            </a:extLst>
+          </p:cNvPr>
+          <p:cNvSpPr>
+            <a:spLocks noGrp="1"/>
+          </p:cNvSpPr>
+          <p:nvPr>
+            <p:ph type="sldNum" sz="quarter" idx="12"/>
+          </p:nvPr>
+        </p:nvSpPr>
+        <p:spPr/>
+        <p:txBody>
+          <a:bodyPr/>
+          <a:lstStyle/>
+          <a:p>
+            <a:fld id="{69E57DC2-970A-4B3E-BB1C-7A09969E49DF}" type="slidenum">
+              <a:rPr lang="en-US" smtClean="0"/>
+              <a:t>5</a:t>
+            </a:fld>
+            <a:endParaRPr lang="en-US" dirty="0"/>
+          </a:p>
+        </p:txBody>
+      </p:sp>
+    </p:spTree>
+    <p:extLst>
+      <p:ext uri="{BB962C8B-B14F-4D97-AF65-F5344CB8AC3E}">
+        <p14:creationId xmlns:p14="http://schemas.microsoft.com/office/powerpoint/2010/main" val="504306013"/>
+      </p:ext>
+    </p:extLst>
+  </p:cSld>
+  <p:clrMapOvr>
+    <a:masterClrMapping/>
+  </p:clrMapOvr>
+</p:sld>
+</file>
+
+<file path=ppt/slides/slide6.xml><?xml version="1.0" encoding="utf-8"?>
+<p:sld xmlns:a="http://schemas.openxmlformats.org/drawingml/2006/main" xmlns:r="http://schemas.openxmlformats.org/officeDocument/2006/relationships" xmlns:p="http://schemas.openxmlformats.org/presentationml/2006/main">
+  <p:cSld>
+    <p:spTree>
+      <p:nvGrpSpPr>
+        <p:cNvPr id="1" name=""/>
+        <p:cNvGrpSpPr/>
+        <p:nvPr/>
+      </p:nvGrpSpPr>
+      <p:grpSpPr>
+        <a:xfrm>
+          <a:off x="0" y="0"/>
+          <a:ext cx="0" cy="0"/>
+          <a:chOff x="0" y="0"/>
+          <a:chExt cx="0" cy="0"/>
+        </a:xfrm>
+      </p:grpSpPr>
+      <p:sp>
+        <p:nvSpPr>
+          <p:cNvPr id="2" name="標題 1">
+            <a:extLst>
+              <a:ext uri="{FF2B5EF4-FFF2-40B4-BE49-F238E27FC236}">
+                <a16:creationId xmlns:a16="http://schemas.microsoft.com/office/drawing/2014/main" id="{1EA3F173-05C7-4E9E-9CE7-658F5BB18C24}"/>
+              </a:ext>
+            </a:extLst>
+          </p:cNvPr>
+          <p:cNvSpPr>
+            <a:spLocks noGrp="1"/>
+          </p:cNvSpPr>
+          <p:nvPr>
+            <p:ph type="title"/>
+          </p:nvPr>
+        </p:nvSpPr>
+        <p:spPr/>
+        <p:txBody>
+          <a:bodyPr/>
+          <a:lstStyle/>
+          <a:p>
+            <a:r>
+              <a:rPr lang="en-US" altLang="zh-TW" dirty="0"/>
+              <a:t>Motivation</a:t>
+            </a:r>
+            <a:endParaRPr lang="zh-TW" altLang="en-US" dirty="0"/>
+          </a:p>
+        </p:txBody>
+      </p:sp>
+      <p:sp>
+        <p:nvSpPr>
+          <p:cNvPr id="3" name="內容版面配置區 2">
+            <a:extLst>
+              <a:ext uri="{FF2B5EF4-FFF2-40B4-BE49-F238E27FC236}">
+                <a16:creationId xmlns:a16="http://schemas.microsoft.com/office/drawing/2014/main" id="{AE780AA3-F858-4B70-8164-BFB9D0C416AC}"/>
+              </a:ext>
+            </a:extLst>
+          </p:cNvPr>
+          <p:cNvSpPr>
+            <a:spLocks noGrp="1"/>
+          </p:cNvSpPr>
+          <p:nvPr>
+            <p:ph idx="1"/>
+          </p:nvPr>
+        </p:nvSpPr>
+        <p:spPr>
+          <a:xfrm>
+            <a:off x="850900" y="1663700"/>
+            <a:ext cx="10490200" cy="4814805"/>
+          </a:xfrm>
+        </p:spPr>
+        <p:txBody>
+          <a:bodyPr>
+            <a:normAutofit/>
+          </a:bodyPr>
+          <a:lstStyle/>
+          <a:p>
+            <a:r>
+              <a:rPr lang="en-US" altLang="zh-TW" dirty="0"/>
+              <a:t>Two sequential queues: </a:t>
+            </a:r>
+            <a:r>
+              <a:rPr lang="en-US" altLang="zh-TW" b="1" dirty="0"/>
+              <a:t>customer queue</a:t>
+            </a:r>
+            <a:r>
+              <a:rPr lang="zh-TW" altLang="en-US" b="1" dirty="0"/>
+              <a:t> </a:t>
+            </a:r>
+            <a:r>
+              <a:rPr lang="en-US" altLang="zh-TW" dirty="0"/>
+              <a:t>and</a:t>
+            </a:r>
+            <a:r>
+              <a:rPr lang="zh-TW" altLang="en-US" b="1" dirty="0"/>
+              <a:t> </a:t>
+            </a:r>
+            <a:r>
+              <a:rPr lang="en-US" altLang="zh-TW" b="1" dirty="0"/>
+              <a:t>block queue</a:t>
+            </a:r>
+          </a:p>
+          <a:p>
+            <a:pPr lvl="1"/>
+            <a:r>
+              <a:rPr lang="en-US" altLang="zh-TW" b="1" dirty="0"/>
+              <a:t>Customer queue: </a:t>
+            </a:r>
+            <a:r>
+              <a:rPr lang="en-US" altLang="zh-TW" dirty="0"/>
+              <a:t>waiting to be selected for block formation</a:t>
+            </a:r>
+          </a:p>
+          <a:p>
+            <a:pPr lvl="1"/>
+            <a:r>
+              <a:rPr lang="en-US" altLang="zh-TW" b="1" dirty="0"/>
+              <a:t>Block queue: </a:t>
+            </a:r>
+            <a:r>
+              <a:rPr lang="en-US" altLang="zh-TW" dirty="0"/>
+              <a:t>undergoing consensus</a:t>
+            </a:r>
+          </a:p>
+          <a:p>
+            <a:r>
+              <a:rPr lang="en-US" altLang="zh-TW" b="1" dirty="0"/>
+              <a:t>ON / OFF</a:t>
+            </a:r>
+            <a:r>
+              <a:rPr lang="en-US" altLang="zh-TW" dirty="0"/>
+              <a:t> mechanism</a:t>
+            </a:r>
+          </a:p>
+          <a:p>
+            <a:r>
+              <a:rPr lang="en-US" altLang="zh-TW" dirty="0"/>
+              <a:t>Partial batch service</a:t>
+            </a:r>
+          </a:p>
+          <a:p>
+            <a:r>
+              <a:rPr lang="en-US" altLang="zh-TW" dirty="0"/>
+              <a:t>Capture realistic life</a:t>
+            </a:r>
+          </a:p>
+          <a:p>
+            <a:pPr lvl="1"/>
+            <a:r>
+              <a:rPr lang="en-US" altLang="zh-TW" dirty="0"/>
+              <a:t>Non-preemptive priority</a:t>
+            </a:r>
+          </a:p>
+          <a:p>
+            <a:pPr lvl="1"/>
+            <a:r>
+              <a:rPr lang="en-US" altLang="zh-TW" dirty="0"/>
+              <a:t>Impatience</a:t>
+            </a:r>
+          </a:p>
+        </p:txBody>
+      </p:sp>
+      <p:sp>
+        <p:nvSpPr>
+          <p:cNvPr id="4" name="投影片編號版面配置區 3">
+            <a:extLst>
+              <a:ext uri="{FF2B5EF4-FFF2-40B4-BE49-F238E27FC236}">
+                <a16:creationId xmlns:a16="http://schemas.microsoft.com/office/drawing/2014/main" id="{304E3714-A58A-4776-9112-929BC59003F3}"/>
+              </a:ext>
+            </a:extLst>
+          </p:cNvPr>
+          <p:cNvSpPr>
+            <a:spLocks noGrp="1"/>
+          </p:cNvSpPr>
+          <p:nvPr>
+            <p:ph type="sldNum" sz="quarter" idx="12"/>
+          </p:nvPr>
+        </p:nvSpPr>
+        <p:spPr/>
+        <p:txBody>
+          <a:bodyPr/>
+          <a:lstStyle/>
+          <a:p>
+            <a:fld id="{69E57DC2-970A-4B3E-BB1C-7A09969E49DF}" type="slidenum">
+              <a:rPr lang="en-US" smtClean="0"/>
+              <a:t>6</a:t>
+            </a:fld>
+            <a:endParaRPr lang="en-US" dirty="0"/>
+          </a:p>
+        </p:txBody>
+      </p:sp>
+    </p:spTree>
+    <p:extLst>
+      <p:ext uri="{BB962C8B-B14F-4D97-AF65-F5344CB8AC3E}">
+        <p14:creationId xmlns:p14="http://schemas.microsoft.com/office/powerpoint/2010/main" val="3913887257"/>
+      </p:ext>
+    </p:extLst>
+  </p:cSld>
+  <p:clrMapOvr>
+    <a:masterClrMapping/>
+  </p:clrMapOvr>
+</p:sld>
+</file>
+
+<file path=ppt/slides/slide7.xml><?xml version="1.0" encoding="utf-8"?>
+<p:sld xmlns:a="http://schemas.openxmlformats.org/drawingml/2006/main" xmlns:r="http://schemas.openxmlformats.org/officeDocument/2006/relationships" xmlns:p="http://schemas.openxmlformats.org/presentationml/2006/main">
+  <p:cSld>
+    <p:spTree>
+      <p:nvGrpSpPr>
+        <p:cNvPr id="1" name=""/>
+        <p:cNvGrpSpPr/>
+        <p:nvPr/>
+      </p:nvGrpSpPr>
+      <p:grpSpPr>
+        <a:xfrm>
+          <a:off x="0" y="0"/>
+          <a:ext cx="0" cy="0"/>
+          <a:chOff x="0" y="0"/>
+          <a:chExt cx="0" cy="0"/>
+        </a:xfrm>
+      </p:grpSpPr>
+      <p:sp>
+        <p:nvSpPr>
+          <p:cNvPr id="2" name="標題 1">
+            <a:extLst>
+              <a:ext uri="{FF2B5EF4-FFF2-40B4-BE49-F238E27FC236}">
+                <a16:creationId xmlns:a16="http://schemas.microsoft.com/office/drawing/2014/main" id="{C7E843D0-356E-4ADE-A166-FF0CAD8A696E}"/>
+              </a:ext>
+            </a:extLst>
+          </p:cNvPr>
+          <p:cNvSpPr>
+            <a:spLocks noGrp="1"/>
+          </p:cNvSpPr>
+          <p:nvPr>
+            <p:ph type="title"/>
+          </p:nvPr>
+        </p:nvSpPr>
+        <p:spPr/>
+        <p:txBody>
+          <a:bodyPr>
+            <a:normAutofit/>
+          </a:bodyPr>
+          <a:lstStyle/>
+          <a:p>
+            <a:pPr algn="l"/>
+            <a:r>
+              <a:rPr lang="en-US" altLang="zh-TW" sz="4000" b="1" dirty="0"/>
+              <a:t>Outline</a:t>
+            </a:r>
+            <a:endParaRPr lang="zh-TW" altLang="en-US" sz="4000" b="1" dirty="0"/>
+          </a:p>
+        </p:txBody>
+      </p:sp>
+      <p:sp>
+        <p:nvSpPr>
+          <p:cNvPr id="3" name="內容版面配置區 2">
+            <a:extLst>
+              <a:ext uri="{FF2B5EF4-FFF2-40B4-BE49-F238E27FC236}">
+                <a16:creationId xmlns:a16="http://schemas.microsoft.com/office/drawing/2014/main" id="{75121BD4-30C7-4F3C-AD2C-6553106AF8D9}"/>
+              </a:ext>
+            </a:extLst>
+          </p:cNvPr>
+          <p:cNvSpPr>
+            <a:spLocks noGrp="1"/>
+          </p:cNvSpPr>
+          <p:nvPr>
+            <p:ph idx="1"/>
+          </p:nvPr>
+        </p:nvSpPr>
+        <p:spPr/>
+        <p:txBody>
+          <a:bodyPr anchor="ctr">
+            <a:normAutofit/>
+          </a:bodyPr>
+          <a:lstStyle/>
+          <a:p>
+            <a:r>
+              <a:rPr lang="en-US" altLang="zh-TW" sz="2800" dirty="0">
+                <a:solidFill>
+                  <a:schemeClr val="bg1">
+                    <a:lumMod val="65000"/>
+                  </a:schemeClr>
+                </a:solidFill>
+              </a:rPr>
+              <a:t>Motivation</a:t>
+            </a:r>
+          </a:p>
+          <a:p>
+            <a:r>
+              <a:rPr lang="en-US" altLang="zh-TW" sz="2800" dirty="0">
+                <a:latin typeface="Times New Roman" panose="02020603050405020304" pitchFamily="18" charset="0"/>
+                <a:cs typeface="Times New Roman" panose="02020603050405020304" pitchFamily="18" charset="0"/>
+              </a:rPr>
+              <a:t>System Model</a:t>
+            </a:r>
+          </a:p>
+          <a:p>
+            <a:r>
+              <a:rPr lang="en-US" altLang="zh-TW" sz="2800" dirty="0">
+                <a:solidFill>
+                  <a:schemeClr val="bg1">
+                    <a:lumMod val="65000"/>
+                  </a:schemeClr>
+                </a:solidFill>
+              </a:rPr>
+              <a:t>Analytical Model</a:t>
+            </a:r>
+          </a:p>
+          <a:p>
+            <a:r>
+              <a:rPr lang="en-US" altLang="zh-TW" sz="2800" dirty="0">
+                <a:solidFill>
+                  <a:schemeClr val="bg1">
+                    <a:lumMod val="65000"/>
+                  </a:schemeClr>
+                </a:solidFill>
+              </a:rPr>
+              <a:t>Numerical Results</a:t>
+            </a:r>
+          </a:p>
+          <a:p>
+            <a:r>
+              <a:rPr lang="en-US" altLang="zh-TW" sz="2800" dirty="0">
+                <a:solidFill>
+                  <a:schemeClr val="bg1">
+                    <a:lumMod val="65000"/>
+                  </a:schemeClr>
+                </a:solidFill>
+              </a:rPr>
+              <a:t>Conclusions and Future Works</a:t>
+            </a:r>
+            <a:endParaRPr lang="zh-TW" altLang="zh-TW" sz="2800" dirty="0">
+              <a:solidFill>
+                <a:schemeClr val="bg1">
+                  <a:lumMod val="65000"/>
+                </a:schemeClr>
+              </a:solidFill>
+            </a:endParaRPr>
+          </a:p>
+          <a:p>
+            <a:endParaRPr lang="zh-TW" altLang="en-US" sz="2800" dirty="0"/>
+          </a:p>
+        </p:txBody>
+      </p:sp>
+      <p:sp>
+        <p:nvSpPr>
+          <p:cNvPr id="5" name="投影片編號版面配置區 4">
+            <a:extLst>
+              <a:ext uri="{FF2B5EF4-FFF2-40B4-BE49-F238E27FC236}">
+                <a16:creationId xmlns:a16="http://schemas.microsoft.com/office/drawing/2014/main" id="{121747F0-CA9D-42D0-80A7-BAA33AA29E7A}"/>
+              </a:ext>
+            </a:extLst>
+          </p:cNvPr>
+          <p:cNvSpPr>
+            <a:spLocks noGrp="1"/>
+          </p:cNvSpPr>
+          <p:nvPr>
+            <p:ph type="sldNum" sz="quarter" idx="12"/>
+          </p:nvPr>
+        </p:nvSpPr>
+        <p:spPr/>
+        <p:txBody>
+          <a:bodyPr/>
+          <a:lstStyle/>
+          <a:p>
+            <a:fld id="{69E57DC2-970A-4B3E-BB1C-7A09969E49DF}" type="slidenum">
+              <a:rPr lang="en-US" smtClean="0"/>
+              <a:t>7</a:t>
+            </a:fld>
+            <a:endParaRPr lang="en-US" dirty="0"/>
+          </a:p>
+        </p:txBody>
+      </p:sp>
+    </p:spTree>
+    <p:extLst>
+      <p:ext uri="{BB962C8B-B14F-4D97-AF65-F5344CB8AC3E}">
+        <p14:creationId xmlns:p14="http://schemas.microsoft.com/office/powerpoint/2010/main" val="1701097428"/>
+      </p:ext>
+    </p:extLst>
+  </p:cSld>
+  <p:clrMapOvr>
+    <a:masterClrMapping/>
+  </p:clrMapOvr>
+</p:sld>
+</file>
+
+<file path=ppt/slides/slide8.xml><?xml version="1.0" encoding="utf-8"?>
+<p:sld xmlns:a="http://schemas.openxmlformats.org/drawingml/2006/main" xmlns:r="http://schemas.openxmlformats.org/officeDocument/2006/relationships" xmlns:p="http://schemas.openxmlformats.org/presentationml/2006/main">
+  <p:cSld>
+    <p:spTree>
+      <p:nvGrpSpPr>
+        <p:cNvPr id="1" name=""/>
+        <p:cNvGrpSpPr/>
+        <p:nvPr/>
+      </p:nvGrpSpPr>
+      <p:grpSpPr>
+        <a:xfrm>
+          <a:off x="0" y="0"/>
+          <a:ext cx="0" cy="0"/>
+          <a:chOff x="0" y="0"/>
+          <a:chExt cx="0" cy="0"/>
+        </a:xfrm>
+      </p:grpSpPr>
+      <p:sp>
+        <p:nvSpPr>
+          <p:cNvPr id="2" name="標題 1">
+            <a:extLst>
+              <a:ext uri="{FF2B5EF4-FFF2-40B4-BE49-F238E27FC236}">
+                <a16:creationId xmlns:a16="http://schemas.microsoft.com/office/drawing/2014/main" id="{28844C0C-FB90-477D-963C-5152E05F424F}"/>
+              </a:ext>
+            </a:extLst>
+          </p:cNvPr>
+          <p:cNvSpPr>
+            <a:spLocks noGrp="1"/>
+          </p:cNvSpPr>
+          <p:nvPr>
+            <p:ph type="title"/>
+          </p:nvPr>
+        </p:nvSpPr>
+        <p:spPr/>
+        <p:txBody>
+          <a:bodyPr/>
+          <a:lstStyle/>
+          <a:p>
+            <a:r>
+              <a:rPr lang="en-US" altLang="zh-TW" dirty="0"/>
+              <a:t>System Model</a:t>
+            </a:r>
+            <a:endParaRPr lang="zh-TW" altLang="en-US" dirty="0"/>
+          </a:p>
+        </p:txBody>
+      </p:sp>
+      <mc:AlternateContent xmlns:mc="http://schemas.openxmlformats.org/markup-compatibility/2006">
+        <mc:Choice xmlns:a14="http://schemas.microsoft.com/office/drawing/2010/main" Requires="a14">
+          <p:sp>
+            <p:nvSpPr>
+              <p:cNvPr id="11" name="內容版面配置區 10">
+                <a:extLst>
+                  <a:ext uri="{FF2B5EF4-FFF2-40B4-BE49-F238E27FC236}">
+                    <a16:creationId xmlns:a16="http://schemas.microsoft.com/office/drawing/2014/main" id="{AB3647AA-60C9-48EB-AF10-EA9A9A2AAE72}"/>
+                  </a:ext>
+                </a:extLst>
+              </p:cNvPr>
+              <p:cNvSpPr>
+                <a:spLocks noGrp="1"/>
+              </p:cNvSpPr>
+              <p:nvPr>
+                <p:ph idx="1"/>
+              </p:nvPr>
+            </p:nvSpPr>
+            <p:spPr/>
+            <p:txBody>
+              <a:bodyPr anchor="t"/>
+              <a:lstStyle/>
+              <a:p>
+                <a:r>
+                  <a:rPr lang="en-US" altLang="zh-TW" dirty="0"/>
+                  <a:t>Two sequential queue with finite capacity</a:t>
+                </a:r>
+              </a:p>
+              <a:p>
+                <a:r>
+                  <a:rPr lang="en-US" altLang="zh-TW" dirty="0"/>
+                  <a:t>Total capacity of system: </a:t>
+                </a:r>
+                <a14:m>
+                  <m:oMath xmlns:m="http://schemas.openxmlformats.org/officeDocument/2006/math">
+                    <m:r>
+                      <a:rPr lang="en-US" altLang="zh-TW" b="0" i="1" smtClean="0">
+                        <a:latin typeface="Cambria Math" panose="02040503050406030204" pitchFamily="18" charset="0"/>
+                      </a:rPr>
+                      <m:t>𝑁</m:t>
+                    </m:r>
+                  </m:oMath>
+                </a14:m>
+                <a:endParaRPr lang="en-US" altLang="zh-TW" dirty="0"/>
+              </a:p>
+              <a:p>
+                <a:pPr marL="685800" lvl="1" indent="-457200">
+                  <a:buFont typeface="+mj-lt"/>
+                  <a:buAutoNum type="arabicPeriod"/>
+                </a:pPr>
+                <a:r>
+                  <a:rPr lang="en-US" altLang="zh-TW" sz="2400" b="1" dirty="0"/>
+                  <a:t>Customer queue</a:t>
+                </a:r>
+                <a:r>
+                  <a:rPr lang="en-US" altLang="zh-TW" sz="2400" dirty="0"/>
+                  <a:t>: </a:t>
+                </a:r>
+                <a14:m>
+                  <m:oMath xmlns:m="http://schemas.openxmlformats.org/officeDocument/2006/math">
+                    <m:r>
+                      <a:rPr lang="en-US" altLang="zh-TW" sz="2400" b="0" i="1" smtClean="0">
+                        <a:latin typeface="Cambria Math" panose="02040503050406030204" pitchFamily="18" charset="0"/>
+                      </a:rPr>
+                      <m:t>𝑁</m:t>
+                    </m:r>
+                  </m:oMath>
+                </a14:m>
+                <a:r>
+                  <a:rPr lang="en-US" altLang="zh-TW" sz="2400" b="1" dirty="0"/>
+                  <a:t> </a:t>
+                </a:r>
+                <a:r>
+                  <a:rPr lang="en-US" altLang="zh-TW" sz="2400" dirty="0"/>
+                  <a:t>or </a:t>
+                </a:r>
+                <a14:m>
+                  <m:oMath xmlns:m="http://schemas.openxmlformats.org/officeDocument/2006/math">
+                    <m:r>
+                      <a:rPr lang="en-US" altLang="zh-TW" sz="2400" b="0" i="1" smtClean="0">
+                        <a:latin typeface="Cambria Math" panose="02040503050406030204" pitchFamily="18" charset="0"/>
+                      </a:rPr>
+                      <m:t>𝑁</m:t>
+                    </m:r>
+                    <m:r>
+                      <a:rPr lang="en-US" altLang="zh-TW" sz="2400" b="0" i="1" smtClean="0">
+                        <a:latin typeface="Cambria Math" panose="02040503050406030204" pitchFamily="18" charset="0"/>
+                      </a:rPr>
+                      <m:t>−</m:t>
+                    </m:r>
+                    <m:r>
+                      <a:rPr lang="en-US" altLang="zh-TW" sz="2400" b="0" i="1" smtClean="0">
+                        <a:latin typeface="Cambria Math" panose="02040503050406030204" pitchFamily="18" charset="0"/>
+                      </a:rPr>
+                      <m:t>𝑏</m:t>
+                    </m:r>
+                  </m:oMath>
+                </a14:m>
+                <a:endParaRPr lang="en-US" altLang="zh-TW" sz="2400" b="1" dirty="0"/>
+              </a:p>
+              <a:p>
+                <a:pPr marL="685800" lvl="1" indent="-457200">
+                  <a:buFont typeface="+mj-lt"/>
+                  <a:buAutoNum type="arabicPeriod"/>
+                </a:pPr>
+                <a:r>
+                  <a:rPr lang="en-US" altLang="zh-TW" sz="2400" b="1" dirty="0"/>
+                  <a:t>Block queue: </a:t>
+                </a:r>
+                <a14:m>
+                  <m:oMath xmlns:m="http://schemas.openxmlformats.org/officeDocument/2006/math">
+                    <m:r>
+                      <a:rPr lang="en-US" altLang="zh-TW" sz="2400" b="0" i="1" smtClean="0">
+                        <a:latin typeface="Cambria Math" panose="02040503050406030204" pitchFamily="18" charset="0"/>
+                      </a:rPr>
+                      <m:t>𝑏</m:t>
+                    </m:r>
+                  </m:oMath>
+                </a14:m>
+                <a:endParaRPr lang="en-US" altLang="zh-TW" sz="2800" dirty="0"/>
+              </a:p>
+              <a:p>
+                <a:r>
+                  <a:rPr lang="en-US" altLang="zh-TW" dirty="0"/>
+                  <a:t>HP customers have non-preemptive priority over LP customers</a:t>
+                </a:r>
+              </a:p>
+              <a:p>
+                <a:endParaRPr lang="zh-TW" altLang="en-US" dirty="0"/>
+              </a:p>
+            </p:txBody>
+          </p:sp>
+        </mc:Choice>
+        <mc:Fallback>
+          <p:sp>
+            <p:nvSpPr>
+              <p:cNvPr id="11" name="內容版面配置區 10">
+                <a:extLst>
+                  <a:ext uri="{FF2B5EF4-FFF2-40B4-BE49-F238E27FC236}">
+                    <a16:creationId xmlns:a16="http://schemas.microsoft.com/office/drawing/2014/main" id="{AB3647AA-60C9-48EB-AF10-EA9A9A2AAE72}"/>
+                  </a:ext>
+                </a:extLst>
+              </p:cNvPr>
+              <p:cNvSpPr>
+                <a:spLocks noGrp="1" noRot="1" noChangeAspect="1" noMove="1" noResize="1" noEditPoints="1" noAdjustHandles="1" noChangeArrowheads="1" noChangeShapeType="1" noTextEdit="1"/>
+              </p:cNvSpPr>
+              <p:nvPr>
+                <p:ph idx="1"/>
+              </p:nvPr>
+            </p:nvSpPr>
+            <p:spPr>
+              <a:blipFill>
+                <a:blip r:embed="rId3"/>
+                <a:stretch>
+                  <a:fillRect l="-814" t="-1260"/>
+                </a:stretch>
+              </a:blipFill>
+            </p:spPr>
+            <p:txBody>
+              <a:bodyPr/>
+              <a:lstStyle/>
+              <a:p>
+                <a:r>
+                  <a:rPr lang="zh-TW" altLang="en-US">
+                    <a:noFill/>
+                  </a:rPr>
+                  <a:t> </a:t>
+                </a:r>
+              </a:p>
+            </p:txBody>
+          </p:sp>
+        </mc:Fallback>
+      </mc:AlternateContent>
+    </p:spTree>
+    <p:extLst>
+      <p:ext uri="{BB962C8B-B14F-4D97-AF65-F5344CB8AC3E}">
+        <p14:creationId xmlns:p14="http://schemas.microsoft.com/office/powerpoint/2010/main" val="661825405"/>
+      </p:ext>
+    </p:extLst>
+  </p:cSld>
+  <p:clrMapOvr>
+    <a:masterClrMapping/>
+  </p:clrMapOvr>
+</p:sld>
+</file>
+
+<file path=ppt/slides/slide9.xml><?xml version="1.0" encoding="utf-8"?>
+<p:sld xmlns:a="http://schemas.openxmlformats.org/drawingml/2006/main" xmlns:r="http://schemas.openxmlformats.org/officeDocument/2006/relationships" xmlns:p="http://schemas.openxmlformats.org/presentationml/2006/main">
+  <p:cSld>
+    <p:spTree>
+      <p:nvGrpSpPr>
+        <p:cNvPr id="1" name=""/>
+        <p:cNvGrpSpPr/>
+        <p:nvPr/>
+      </p:nvGrpSpPr>
+      <p:grpSpPr>
+        <a:xfrm>
+          <a:off x="0" y="0"/>
+          <a:ext cx="0" cy="0"/>
+          <a:chOff x="0" y="0"/>
+          <a:chExt cx="0" cy="0"/>
+        </a:xfrm>
+      </p:grpSpPr>
+      <p:sp>
+        <p:nvSpPr>
+          <p:cNvPr id="2" name="標題 1">
+            <a:extLst>
+              <a:ext uri="{FF2B5EF4-FFF2-40B4-BE49-F238E27FC236}">
+                <a16:creationId xmlns:a16="http://schemas.microsoft.com/office/drawing/2014/main" id="{28844C0C-FB90-477D-963C-5152E05F424F}"/>
+              </a:ext>
+            </a:extLst>
+          </p:cNvPr>
+          <p:cNvSpPr>
+            <a:spLocks noGrp="1"/>
+          </p:cNvSpPr>
+          <p:nvPr>
+            <p:ph type="title"/>
+          </p:nvPr>
+        </p:nvSpPr>
+        <p:spPr/>
+        <p:txBody>
+          <a:bodyPr/>
+          <a:lstStyle/>
+          <a:p>
+            <a:r>
+              <a:rPr lang="en-US" altLang="zh-TW" dirty="0"/>
+              <a:t>System Model</a:t>
+            </a:r>
+            <a:endParaRPr lang="zh-TW" altLang="en-US" dirty="0"/>
+          </a:p>
+        </p:txBody>
+      </p:sp>
+      <p:sp>
+        <p:nvSpPr>
+          <p:cNvPr id="4" name="投影片編號版面配置區 3">
+            <a:extLst>
+              <a:ext uri="{FF2B5EF4-FFF2-40B4-BE49-F238E27FC236}">
+                <a16:creationId xmlns:a16="http://schemas.microsoft.com/office/drawing/2014/main" id="{95050E97-45E4-470E-8911-16F8B3D7F0C2}"/>
+              </a:ext>
+            </a:extLst>
+          </p:cNvPr>
+          <p:cNvSpPr>
+            <a:spLocks noGrp="1"/>
+          </p:cNvSpPr>
+          <p:nvPr>
+            <p:ph type="sldNum" sz="quarter" idx="12"/>
+          </p:nvPr>
+        </p:nvSpPr>
+        <p:spPr/>
+        <p:txBody>
+          <a:bodyPr/>
+          <a:lstStyle/>
+          <a:p>
+            <a:fld id="{69E57DC2-970A-4B3E-BB1C-7A09969E49DF}" type="slidenum">
+              <a:rPr lang="en-US" smtClean="0"/>
+              <a:t>9</a:t>
+            </a:fld>
+            <a:endParaRPr lang="en-US" dirty="0"/>
+          </a:p>
+        </p:txBody>
+      </p:sp>
+      <p:sp>
+        <p:nvSpPr>
+          <p:cNvPr id="5" name="投影片編號版面配置區 3">
+            <a:extLst>
+              <a:ext uri="{FF2B5EF4-FFF2-40B4-BE49-F238E27FC236}">
+                <a16:creationId xmlns:a16="http://schemas.microsoft.com/office/drawing/2014/main" id="{F22FAC9C-38CF-4058-AE68-944C619C5AAB}"/>
+              </a:ext>
+            </a:extLst>
+          </p:cNvPr>
+          <p:cNvSpPr txBox="1">
+            <a:spLocks/>
+          </p:cNvSpPr>
+          <p:nvPr/>
+        </p:nvSpPr>
+        <p:spPr>
+          <a:xfrm>
+            <a:off x="10758922" y="6217920"/>
+            <a:ext cx="365760" cy="365760"/>
+          </a:xfrm>
+          <a:prstGeom prst="ellipse">
+            <a:avLst/>
+          </a:prstGeom>
+          <a:solidFill>
+            <a:srgbClr val="1D1D1D">
+              <a:alpha val="70000"/>
+            </a:srgbClr>
+          </a:solidFill>
+        </p:spPr>
+        <p:txBody>
+          <a:bodyPr vert="horz" lIns="18288" tIns="45720" rIns="18288" bIns="45720" rtlCol="0" anchor="ctr">
+            <a:noAutofit/>
+          </a:bodyPr>
+          <a:lstStyle>
+            <a:defPPr>
+              <a:defRPr lang="en-US"/>
+            </a:defPPr>
+            <a:lvl1pPr marL="0" algn="ctr" defTabSz="457200" rtl="0" eaLnBrk="1" latinLnBrk="0" hangingPunct="1">
+              <a:defRPr sz="1100" kern="1200" spc="0" baseline="0">
+                <a:solidFill>
+                  <a:srgbClr val="FFFFFF"/>
+                </a:solidFill>
+                <a:latin typeface="+mn-lt"/>
+                <a:ea typeface="+mn-ea"/>
+                <a:cs typeface="+mn-cs"/>
+              </a:defRPr>
+            </a:lvl1pPr>
+            <a:lvl2pPr marL="457200" algn="l" defTabSz="457200" rtl="0" eaLnBrk="1" latinLnBrk="0" hangingPunct="1">
+              <a:defRPr sz="1800" kern="1200">
+                <a:solidFill>
+                  <a:schemeClr val="tx1"/>
+                </a:solidFill>
+                <a:latin typeface="+mn-lt"/>
+                <a:ea typeface="+mn-ea"/>
+                <a:cs typeface="+mn-cs"/>
+              </a:defRPr>
+            </a:lvl2pPr>
+            <a:lvl3pPr marL="914400" algn="l" defTabSz="457200" rtl="0" eaLnBrk="1" latinLnBrk="0" hangingPunct="1">
+              <a:defRPr sz="1800" kern="1200">
+                <a:solidFill>
+                  <a:schemeClr val="tx1"/>
+                </a:solidFill>
+                <a:latin typeface="+mn-lt"/>
+                <a:ea typeface="+mn-ea"/>
+                <a:cs typeface="+mn-cs"/>
+              </a:defRPr>
+            </a:lvl3pPr>
+            <a:lvl4pPr marL="1371600" algn="l" defTabSz="457200" rtl="0" eaLnBrk="1" latinLnBrk="0" hangingPunct="1">
+              <a:defRPr sz="1800" kern="1200">
+                <a:solidFill>
+                  <a:schemeClr val="tx1"/>
+                </a:solidFill>
+                <a:latin typeface="+mn-lt"/>
+                <a:ea typeface="+mn-ea"/>
+                <a:cs typeface="+mn-cs"/>
+              </a:defRPr>
+            </a:lvl4pPr>
+            <a:lvl5pPr marL="1828800" algn="l" defTabSz="457200" rtl="0" eaLnBrk="1" latinLnBrk="0" hangingPunct="1">
+              <a:defRPr sz="1800" kern="1200">
+                <a:solidFill>
+                  <a:schemeClr val="tx1"/>
+                </a:solidFill>
+                <a:latin typeface="+mn-lt"/>
+                <a:ea typeface="+mn-ea"/>
+                <a:cs typeface="+mn-cs"/>
+              </a:defRPr>
+            </a:lvl5pPr>
+            <a:lvl6pPr marL="2286000" algn="l" defTabSz="457200" rtl="0" eaLnBrk="1" latinLnBrk="0" hangingPunct="1">
+              <a:defRPr sz="1800" kern="1200">
+                <a:solidFill>
+                  <a:schemeClr val="tx1"/>
+                </a:solidFill>
+                <a:latin typeface="+mn-lt"/>
+                <a:ea typeface="+mn-ea"/>
+                <a:cs typeface="+mn-cs"/>
+              </a:defRPr>
+            </a:lvl6pPr>
+            <a:lvl7pPr marL="2743200" algn="l" defTabSz="457200" rtl="0" eaLnBrk="1" latinLnBrk="0" hangingPunct="1">
+              <a:defRPr sz="1800" kern="1200">
+                <a:solidFill>
+                  <a:schemeClr val="tx1"/>
+                </a:solidFill>
+                <a:latin typeface="+mn-lt"/>
+                <a:ea typeface="+mn-ea"/>
+                <a:cs typeface="+mn-cs"/>
+              </a:defRPr>
+            </a:lvl7pPr>
+            <a:lvl8pPr marL="3200400" algn="l" defTabSz="457200" rtl="0" eaLnBrk="1" latinLnBrk="0" hangingPunct="1">
+              <a:defRPr sz="1800" kern="1200">
+                <a:solidFill>
+                  <a:schemeClr val="tx1"/>
+                </a:solidFill>
+                <a:latin typeface="+mn-lt"/>
+                <a:ea typeface="+mn-ea"/>
+                <a:cs typeface="+mn-cs"/>
+              </a:defRPr>
+            </a:lvl8pPr>
+            <a:lvl9pPr marL="3657600" algn="l" defTabSz="457200" rtl="0" eaLnBrk="1" latinLnBrk="0" hangingPunct="1">
+              <a:defRPr sz="1800" kern="1200">
+                <a:solidFill>
+                  <a:schemeClr val="tx1"/>
+                </a:solidFill>
+                <a:latin typeface="+mn-lt"/>
+                <a:ea typeface="+mn-ea"/>
+                <a:cs typeface="+mn-cs"/>
+              </a:defRPr>
+            </a:lvl9pPr>
+          </a:lstStyle>
+          <a:p>
+            <a:fld id="{69E57DC2-970A-4B3E-BB1C-7A09969E49DF}" type="slidenum">
+              <a:rPr lang="en-US" smtClean="0"/>
+              <a:pPr/>
+              <a:t>9</a:t>
+            </a:fld>
+            <a:endParaRPr lang="en-US" dirty="0"/>
+          </a:p>
+        </p:txBody>
+      </p:sp>
+      <p:grpSp>
+        <p:nvGrpSpPr>
+          <p:cNvPr id="25" name="群組 24">
+            <a:extLst>
+              <a:ext uri="{FF2B5EF4-FFF2-40B4-BE49-F238E27FC236}">
+                <a16:creationId xmlns:a16="http://schemas.microsoft.com/office/drawing/2014/main" id="{CC0DBB3E-7D6C-4C30-BB4C-6DAD7ACFF723}"/>
+              </a:ext>
+            </a:extLst>
+          </p:cNvPr>
+          <p:cNvGrpSpPr/>
+          <p:nvPr/>
+        </p:nvGrpSpPr>
+        <p:grpSpPr>
+          <a:xfrm>
+            <a:off x="934005" y="2175642"/>
+            <a:ext cx="9773294" cy="3324128"/>
+            <a:chOff x="2042183" y="3162353"/>
+            <a:chExt cx="9842843" cy="3508105"/>
+          </a:xfrm>
+        </p:grpSpPr>
+        <p:pic>
+          <p:nvPicPr>
+            <p:cNvPr id="26" name="圖片 25">
+              <a:extLst>
+                <a:ext uri="{FF2B5EF4-FFF2-40B4-BE49-F238E27FC236}">
+                  <a16:creationId xmlns:a16="http://schemas.microsoft.com/office/drawing/2014/main" id="{071D6BEA-402A-4234-B360-909CF32AC938}"/>
+                </a:ext>
+              </a:extLst>
+            </p:cNvPr>
+            <p:cNvPicPr>
+              <a:picLocks noChangeAspect="1"/>
+            </p:cNvPicPr>
+            <p:nvPr/>
+          </p:nvPicPr>
+          <p:blipFill>
+            <a:blip r:embed="rId3"/>
+            <a:srcRect/>
+            <a:stretch/>
+          </p:blipFill>
+          <p:spPr>
+            <a:xfrm>
+              <a:off x="3186804" y="3461772"/>
+              <a:ext cx="8698222" cy="2172571"/>
+            </a:xfrm>
+            <a:prstGeom prst="rect">
+              <a:avLst/>
+            </a:prstGeom>
+          </p:spPr>
+        </p:pic>
+        <p:sp>
+          <p:nvSpPr>
+            <p:cNvPr id="27" name="左中括弧 26">
+              <a:extLst>
+                <a:ext uri="{FF2B5EF4-FFF2-40B4-BE49-F238E27FC236}">
+                  <a16:creationId xmlns:a16="http://schemas.microsoft.com/office/drawing/2014/main" id="{189CF6CC-DE68-45EE-94E3-BAF1F1C5AB38}"/>
+                </a:ext>
+              </a:extLst>
+            </p:cNvPr>
+            <p:cNvSpPr/>
+            <p:nvPr/>
+          </p:nvSpPr>
+          <p:spPr>
+            <a:xfrm rot="5400000">
+              <a:off x="7454384" y="1218347"/>
+              <a:ext cx="229337" cy="4996183"/>
+            </a:xfrm>
+            <a:prstGeom prst="leftBracket">
+              <a:avLst/>
+            </a:prstGeom>
+          </p:spPr>
+          <p:style>
+            <a:lnRef idx="3">
+              <a:schemeClr val="accent2"/>
+            </a:lnRef>
+            <a:fillRef idx="0">
+              <a:schemeClr val="accent2"/>
+            </a:fillRef>
+            <a:effectRef idx="2">
+              <a:schemeClr val="accent2"/>
+            </a:effectRef>
+            <a:fontRef idx="minor">
+              <a:schemeClr val="tx1"/>
+            </a:fontRef>
+          </p:style>
+          <p:txBody>
+            <a:bodyPr rtlCol="0" anchor="ctr"/>
+            <a:lstStyle/>
+            <a:p>
+              <a:pPr algn="ctr"/>
+              <a:endParaRPr lang="zh-TW" altLang="en-US"/>
+            </a:p>
+          </p:txBody>
+        </p:sp>
+        <mc:AlternateContent xmlns:mc="http://schemas.openxmlformats.org/markup-compatibility/2006">
+          <mc:Choice xmlns:a14="http://schemas.microsoft.com/office/drawing/2010/main" Requires="a14">
+            <p:sp>
+              <p:nvSpPr>
+                <p:cNvPr id="28" name="文字方塊 27">
+                  <a:extLst>
+                    <a:ext uri="{FF2B5EF4-FFF2-40B4-BE49-F238E27FC236}">
+                      <a16:creationId xmlns:a16="http://schemas.microsoft.com/office/drawing/2014/main" id="{AE5767BE-7713-4110-BCD9-78347F1EF75F}"/>
+                    </a:ext>
+                  </a:extLst>
+                </p:cNvPr>
+                <p:cNvSpPr txBox="1"/>
+                <p:nvPr/>
+              </p:nvSpPr>
+              <p:spPr>
+                <a:xfrm>
+                  <a:off x="6395542" y="3162353"/>
+                  <a:ext cx="2280745" cy="369332"/>
+                </a:xfrm>
+                <a:prstGeom prst="rect">
+                  <a:avLst/>
+                </a:prstGeom>
+                <a:noFill/>
+              </p:spPr>
+              <p:txBody>
+                <a:bodyPr wrap="square" rtlCol="0">
+                  <a:spAutoFit/>
+                </a:bodyPr>
+                <a:lstStyle/>
+                <a:p>
+                  <a:pPr algn="ctr"/>
+                  <a:r>
+                    <a:rPr lang="en-US" altLang="zh-TW" dirty="0">
+                      <a:latin typeface="Times New Roman" panose="02020603050405020304" pitchFamily="18" charset="0"/>
+                      <a:cs typeface="Times New Roman" panose="02020603050405020304" pitchFamily="18" charset="0"/>
+                    </a:rPr>
+                    <a:t>Total capacity = </a:t>
+                  </a:r>
+                  <a14:m>
+                    <m:oMath xmlns:m="http://schemas.openxmlformats.org/officeDocument/2006/math">
+                      <m:r>
+                        <a:rPr lang="en-US" altLang="zh-TW" b="0" i="1" smtClean="0">
+                          <a:latin typeface="Cambria Math" panose="02040503050406030204" pitchFamily="18" charset="0"/>
+                        </a:rPr>
+                        <m:t>𝑁</m:t>
+                      </m:r>
+                    </m:oMath>
+                  </a14:m>
+                  <a:endParaRPr lang="zh-TW" altLang="en-US" dirty="0">
+                    <a:latin typeface="Times New Roman" panose="02020603050405020304" pitchFamily="18" charset="0"/>
+                    <a:cs typeface="Times New Roman" panose="02020603050405020304" pitchFamily="18" charset="0"/>
+                  </a:endParaRPr>
+                </a:p>
+              </p:txBody>
+            </p:sp>
+          </mc:Choice>
+          <mc:Fallback>
+            <p:sp>
+              <p:nvSpPr>
+                <p:cNvPr id="28" name="文字方塊 27">
+                  <a:extLst>
+                    <a:ext uri="{FF2B5EF4-FFF2-40B4-BE49-F238E27FC236}">
+                      <a16:creationId xmlns:a16="http://schemas.microsoft.com/office/drawing/2014/main" id="{AE5767BE-7713-4110-BCD9-78347F1EF75F}"/>
+                    </a:ext>
+                  </a:extLst>
+                </p:cNvPr>
+                <p:cNvSpPr txBox="1">
+                  <a:spLocks noRot="1" noChangeAspect="1" noMove="1" noResize="1" noEditPoints="1" noAdjustHandles="1" noChangeArrowheads="1" noChangeShapeType="1" noTextEdit="1"/>
+                </p:cNvSpPr>
+                <p:nvPr/>
+              </p:nvSpPr>
+              <p:spPr>
+                <a:xfrm>
+                  <a:off x="6395542" y="3162353"/>
+                  <a:ext cx="2280745" cy="369332"/>
+                </a:xfrm>
+                <a:prstGeom prst="rect">
+                  <a:avLst/>
+                </a:prstGeom>
+                <a:blipFill>
+                  <a:blip r:embed="rId4"/>
+                  <a:stretch>
+                    <a:fillRect t="-10526" b="-33333"/>
+                  </a:stretch>
+                </a:blipFill>
+              </p:spPr>
+              <p:txBody>
+                <a:bodyPr/>
+                <a:lstStyle/>
+                <a:p>
+                  <a:r>
+                    <a:rPr lang="zh-TW" altLang="en-US">
+                      <a:noFill/>
+                    </a:rPr>
+                    <a:t> </a:t>
+                  </a:r>
+                </a:p>
+              </p:txBody>
+            </p:sp>
+          </mc:Fallback>
+        </mc:AlternateContent>
+        <mc:AlternateContent xmlns:mc="http://schemas.openxmlformats.org/markup-compatibility/2006">
+          <mc:Choice xmlns:a14="http://schemas.microsoft.com/office/drawing/2010/main" Requires="a14">
+            <p:sp>
+              <p:nvSpPr>
+                <p:cNvPr id="29" name="左中括弧 28">
+                  <a:extLst>
+                    <a:ext uri="{FF2B5EF4-FFF2-40B4-BE49-F238E27FC236}">
+                      <a16:creationId xmlns:a16="http://schemas.microsoft.com/office/drawing/2014/main" id="{27B9A4CA-E2E2-46FE-B504-35D1A7F6C589}"/>
+                    </a:ext>
+                  </a:extLst>
+                </p:cNvPr>
+                <p:cNvSpPr/>
+                <p:nvPr/>
+              </p:nvSpPr>
+              <p:spPr>
+                <a:xfrm rot="16200000">
+                  <a:off x="5817909" y="4961982"/>
+                  <a:ext cx="224830" cy="1718725"/>
+                </a:xfrm>
+                <a:prstGeom prst="leftBracket">
+                  <a:avLst/>
+                </a:prstGeom>
+              </p:spPr>
+              <p:style>
+                <a:lnRef idx="3">
+                  <a:schemeClr val="accent2"/>
+                </a:lnRef>
+                <a:fillRef idx="0">
+                  <a:schemeClr val="accent2"/>
+                </a:fillRef>
+                <a:effectRef idx="2">
+                  <a:schemeClr val="accent2"/>
+                </a:effectRef>
+                <a:fontRef idx="minor">
+                  <a:schemeClr val="tx1"/>
+                </a:fontRef>
+              </p:style>
+              <p:txBody>
+                <a:bodyPr vert="eaVert" rtlCol="0" anchor="ctr"/>
+                <a:lstStyle/>
+                <a:p>
+                  <a:pPr algn="ctr"/>
+                  <a14:m>
+                    <m:oMathPara xmlns:m="http://schemas.openxmlformats.org/officeDocument/2006/math">
+                      <m:oMathParaPr>
+                        <m:jc m:val="centerGroup"/>
+                      </m:oMathParaPr>
+                      <m:oMath xmlns:m="http://schemas.openxmlformats.org/officeDocument/2006/math">
+                        <m:r>
+                          <a:rPr lang="en-US" altLang="zh-TW" b="0" i="1" smtClean="0">
+                            <a:latin typeface="Cambria Math" panose="02040503050406030204" pitchFamily="18" charset="0"/>
+                          </a:rPr>
+                          <m:t>𝑁</m:t>
+                        </m:r>
+                      </m:oMath>
+                    </m:oMathPara>
+                  </a14:m>
+                  <a:endParaRPr lang="en-US" altLang="zh-TW" b="0" dirty="0"/>
+                </a:p>
+              </p:txBody>
+            </p:sp>
+          </mc:Choice>
+          <mc:Fallback>
+            <p:sp>
+              <p:nvSpPr>
+                <p:cNvPr id="29" name="左中括弧 28">
+                  <a:extLst>
+                    <a:ext uri="{FF2B5EF4-FFF2-40B4-BE49-F238E27FC236}">
+                      <a16:creationId xmlns:a16="http://schemas.microsoft.com/office/drawing/2014/main" id="{27B9A4CA-E2E2-46FE-B504-35D1A7F6C589}"/>
+                    </a:ext>
+                  </a:extLst>
+                </p:cNvPr>
+                <p:cNvSpPr>
+                  <a:spLocks noRot="1" noChangeAspect="1" noMove="1" noResize="1" noEditPoints="1" noAdjustHandles="1" noChangeArrowheads="1" noChangeShapeType="1" noTextEdit="1"/>
+                </p:cNvSpPr>
+                <p:nvPr/>
+              </p:nvSpPr>
+              <p:spPr>
+                <a:xfrm rot="16200000">
+                  <a:off x="5817909" y="4961982"/>
+                  <a:ext cx="224830" cy="1718725"/>
+                </a:xfrm>
+                <a:prstGeom prst="leftBracket">
+                  <a:avLst/>
+                </a:prstGeom>
+                <a:blipFill>
+                  <a:blip r:embed="rId5"/>
+                  <a:stretch>
+                    <a:fillRect/>
+                  </a:stretch>
+                </a:blipFill>
+              </p:spPr>
+              <p:txBody>
+                <a:bodyPr/>
+                <a:lstStyle/>
+                <a:p>
+                  <a:r>
+                    <a:rPr lang="zh-TW" altLang="en-US">
+                      <a:noFill/>
+                    </a:rPr>
+                    <a:t> </a:t>
+                  </a:r>
+                </a:p>
+              </p:txBody>
+            </p:sp>
+          </mc:Fallback>
+        </mc:AlternateContent>
+        <p:sp>
+          <p:nvSpPr>
+            <p:cNvPr id="30" name="文字方塊 29">
+              <a:extLst>
+                <a:ext uri="{FF2B5EF4-FFF2-40B4-BE49-F238E27FC236}">
+                  <a16:creationId xmlns:a16="http://schemas.microsoft.com/office/drawing/2014/main" id="{F2A93E56-3264-463E-930E-88C2A064A043}"/>
+                </a:ext>
+              </a:extLst>
+            </p:cNvPr>
+            <p:cNvSpPr txBox="1"/>
+            <p:nvPr/>
+          </p:nvSpPr>
+          <p:spPr>
+            <a:xfrm>
+              <a:off x="2042183" y="5598316"/>
+              <a:ext cx="2529380" cy="389773"/>
+            </a:xfrm>
+            <a:prstGeom prst="rect">
+              <a:avLst/>
+            </a:prstGeom>
+            <a:noFill/>
+          </p:spPr>
+          <p:txBody>
+            <a:bodyPr wrap="square" rtlCol="0">
+              <a:spAutoFit/>
+            </a:bodyPr>
+            <a:lstStyle/>
+            <a:p>
+              <a:pPr algn="ctr"/>
+              <a:r>
+                <a:rPr lang="en-US" altLang="zh-TW" dirty="0">
+                  <a:latin typeface="Times New Roman" panose="02020603050405020304" pitchFamily="18" charset="0"/>
+                  <a:cs typeface="Times New Roman" panose="02020603050405020304" pitchFamily="18" charset="0"/>
+                </a:rPr>
+                <a:t>num in block queue = 0</a:t>
+              </a:r>
+              <a:endParaRPr lang="zh-TW" altLang="en-US" dirty="0">
+                <a:latin typeface="Times New Roman" panose="02020603050405020304" pitchFamily="18" charset="0"/>
+                <a:cs typeface="Times New Roman" panose="02020603050405020304" pitchFamily="18" charset="0"/>
+              </a:endParaRPr>
+            </a:p>
+          </p:txBody>
+        </p:sp>
+        <mc:AlternateContent xmlns:mc="http://schemas.openxmlformats.org/markup-compatibility/2006">
+          <mc:Choice xmlns:a14="http://schemas.microsoft.com/office/drawing/2010/main" Requires="a14">
+            <p:sp>
+              <p:nvSpPr>
+                <p:cNvPr id="31" name="左中括弧 30">
+                  <a:extLst>
+                    <a:ext uri="{FF2B5EF4-FFF2-40B4-BE49-F238E27FC236}">
+                      <a16:creationId xmlns:a16="http://schemas.microsoft.com/office/drawing/2014/main" id="{450A87C1-7B81-48AF-AA1E-2D4D4F9E6DAD}"/>
+                    </a:ext>
+                  </a:extLst>
+                </p:cNvPr>
+                <p:cNvSpPr/>
+                <p:nvPr/>
+              </p:nvSpPr>
+              <p:spPr>
+                <a:xfrm rot="16200000">
+                  <a:off x="5839109" y="5623155"/>
+                  <a:ext cx="182431" cy="1718724"/>
+                </a:xfrm>
+                <a:prstGeom prst="leftBracket">
+                  <a:avLst/>
+                </a:prstGeom>
+              </p:spPr>
+              <p:style>
+                <a:lnRef idx="3">
+                  <a:schemeClr val="accent2"/>
+                </a:lnRef>
+                <a:fillRef idx="0">
+                  <a:schemeClr val="accent2"/>
+                </a:fillRef>
+                <a:effectRef idx="2">
+                  <a:schemeClr val="accent2"/>
+                </a:effectRef>
+                <a:fontRef idx="minor">
+                  <a:schemeClr val="tx1"/>
+                </a:fontRef>
+              </p:style>
+              <p:txBody>
+                <a:bodyPr vert="eaVert" rtlCol="0" anchor="ctr"/>
+                <a:lstStyle/>
+                <a:p>
+                  <a:pPr algn="ctr"/>
+                  <a14:m>
+                    <m:oMathPara xmlns:m="http://schemas.openxmlformats.org/officeDocument/2006/math">
+                      <m:oMathParaPr>
+                        <m:jc m:val="centerGroup"/>
+                      </m:oMathParaPr>
+                      <m:oMath xmlns:m="http://schemas.openxmlformats.org/officeDocument/2006/math">
+                        <m:r>
+                          <a:rPr lang="en-US" altLang="zh-TW" b="0" i="1" smtClean="0">
+                            <a:latin typeface="Cambria Math" panose="02040503050406030204" pitchFamily="18" charset="0"/>
+                          </a:rPr>
+                          <m:t>𝑁</m:t>
+                        </m:r>
+                        <m:r>
+                          <a:rPr lang="en-US" altLang="zh-TW" b="0" i="1" smtClean="0">
+                            <a:latin typeface="Cambria Math" panose="02040503050406030204" pitchFamily="18" charset="0"/>
+                          </a:rPr>
+                          <m:t>−</m:t>
+                        </m:r>
+                        <m:r>
+                          <a:rPr lang="en-US" altLang="zh-TW" b="0" i="1" smtClean="0">
+                            <a:latin typeface="Cambria Math" panose="02040503050406030204" pitchFamily="18" charset="0"/>
+                          </a:rPr>
+                          <m:t>𝑏</m:t>
+                        </m:r>
+                      </m:oMath>
+                    </m:oMathPara>
+                  </a14:m>
+                  <a:endParaRPr lang="en-US" altLang="zh-TW" b="0" dirty="0"/>
+                </a:p>
+              </p:txBody>
+            </p:sp>
+          </mc:Choice>
+          <mc:Fallback>
+            <p:sp>
+              <p:nvSpPr>
+                <p:cNvPr id="31" name="左中括弧 30">
+                  <a:extLst>
+                    <a:ext uri="{FF2B5EF4-FFF2-40B4-BE49-F238E27FC236}">
+                      <a16:creationId xmlns:a16="http://schemas.microsoft.com/office/drawing/2014/main" id="{450A87C1-7B81-48AF-AA1E-2D4D4F9E6DAD}"/>
+                    </a:ext>
+                  </a:extLst>
+                </p:cNvPr>
+                <p:cNvSpPr>
+                  <a:spLocks noRot="1" noChangeAspect="1" noMove="1" noResize="1" noEditPoints="1" noAdjustHandles="1" noChangeArrowheads="1" noChangeShapeType="1" noTextEdit="1"/>
+                </p:cNvSpPr>
+                <p:nvPr/>
+              </p:nvSpPr>
+              <p:spPr>
+                <a:xfrm rot="16200000">
+                  <a:off x="5839109" y="5623155"/>
+                  <a:ext cx="182431" cy="1718724"/>
+                </a:xfrm>
+                <a:prstGeom prst="leftBracket">
+                  <a:avLst/>
+                </a:prstGeom>
+                <a:blipFill>
+                  <a:blip r:embed="rId6"/>
+                  <a:stretch>
+                    <a:fillRect t="-12903"/>
+                  </a:stretch>
+                </a:blipFill>
+              </p:spPr>
+              <p:txBody>
+                <a:bodyPr/>
+                <a:lstStyle/>
+                <a:p>
+                  <a:r>
+                    <a:rPr lang="zh-TW" altLang="en-US">
+                      <a:noFill/>
+                    </a:rPr>
+                    <a:t> </a:t>
+                  </a:r>
+                </a:p>
+              </p:txBody>
+            </p:sp>
+          </mc:Fallback>
+        </mc:AlternateContent>
+        <p:sp>
+          <p:nvSpPr>
+            <p:cNvPr id="32" name="文字方塊 31">
+              <a:extLst>
+                <a:ext uri="{FF2B5EF4-FFF2-40B4-BE49-F238E27FC236}">
+                  <a16:creationId xmlns:a16="http://schemas.microsoft.com/office/drawing/2014/main" id="{19609A3B-2A93-4B68-B0A6-17F06AB9EC8F}"/>
+                </a:ext>
+              </a:extLst>
+            </p:cNvPr>
+            <p:cNvSpPr txBox="1"/>
+            <p:nvPr/>
+          </p:nvSpPr>
+          <p:spPr>
+            <a:xfrm>
+              <a:off x="2042183" y="6280685"/>
+              <a:ext cx="2529380" cy="389773"/>
+            </a:xfrm>
+            <a:prstGeom prst="rect">
+              <a:avLst/>
+            </a:prstGeom>
+            <a:noFill/>
+          </p:spPr>
+          <p:txBody>
+            <a:bodyPr wrap="square" rtlCol="0">
+              <a:spAutoFit/>
+            </a:bodyPr>
+            <a:lstStyle/>
+            <a:p>
+              <a:pPr algn="ctr"/>
+              <a:r>
+                <a:rPr lang="en-US" altLang="zh-TW" dirty="0">
+                  <a:latin typeface="Times New Roman" panose="02020603050405020304" pitchFamily="18" charset="0"/>
+                  <a:cs typeface="Times New Roman" panose="02020603050405020304" pitchFamily="18" charset="0"/>
+                </a:rPr>
+                <a:t>num in block queue &gt; 0</a:t>
+              </a:r>
+              <a:endParaRPr lang="zh-TW" altLang="en-US" dirty="0">
+                <a:latin typeface="Times New Roman" panose="02020603050405020304" pitchFamily="18" charset="0"/>
+                <a:cs typeface="Times New Roman" panose="02020603050405020304" pitchFamily="18" charset="0"/>
+              </a:endParaRPr>
+            </a:p>
+          </p:txBody>
+        </p:sp>
+        <mc:AlternateContent xmlns:mc="http://schemas.openxmlformats.org/markup-compatibility/2006">
+          <mc:Choice xmlns:a14="http://schemas.microsoft.com/office/drawing/2010/main" Requires="a14">
+            <p:sp>
+              <p:nvSpPr>
+                <p:cNvPr id="33" name="左中括弧 32">
+                  <a:extLst>
+                    <a:ext uri="{FF2B5EF4-FFF2-40B4-BE49-F238E27FC236}">
+                      <a16:creationId xmlns:a16="http://schemas.microsoft.com/office/drawing/2014/main" id="{CED91AA1-CFE6-4D75-9F8C-D13AE4ACAA7F}"/>
+                    </a:ext>
+                  </a:extLst>
+                </p:cNvPr>
+                <p:cNvSpPr/>
+                <p:nvPr/>
+              </p:nvSpPr>
+              <p:spPr>
+                <a:xfrm rot="16200000">
+                  <a:off x="9117106" y="5623694"/>
+                  <a:ext cx="181355" cy="1718722"/>
+                </a:xfrm>
+                <a:prstGeom prst="leftBracket">
+                  <a:avLst/>
+                </a:prstGeom>
+              </p:spPr>
+              <p:style>
+                <a:lnRef idx="3">
+                  <a:schemeClr val="accent2"/>
+                </a:lnRef>
+                <a:fillRef idx="0">
+                  <a:schemeClr val="accent2"/>
+                </a:fillRef>
+                <a:effectRef idx="2">
+                  <a:schemeClr val="accent2"/>
+                </a:effectRef>
+                <a:fontRef idx="minor">
+                  <a:schemeClr val="tx1"/>
+                </a:fontRef>
+              </p:style>
+              <p:txBody>
+                <a:bodyPr vert="eaVert" rtlCol="0" anchor="ctr"/>
+                <a:lstStyle/>
+                <a:p>
+                  <a:pPr algn="ctr"/>
+                  <a14:m>
+                    <m:oMathPara xmlns:m="http://schemas.openxmlformats.org/officeDocument/2006/math">
+                      <m:oMathParaPr>
+                        <m:jc m:val="centerGroup"/>
+                      </m:oMathParaPr>
+                      <m:oMath xmlns:m="http://schemas.openxmlformats.org/officeDocument/2006/math">
+                        <m:r>
+                          <a:rPr lang="en-US" altLang="zh-TW" b="0" i="1" smtClean="0">
+                            <a:latin typeface="Cambria Math" panose="02040503050406030204" pitchFamily="18" charset="0"/>
+                          </a:rPr>
+                          <m:t>0~</m:t>
+                        </m:r>
+                        <m:r>
+                          <a:rPr lang="en-US" altLang="zh-TW" b="0" i="1" smtClean="0">
+                            <a:latin typeface="Cambria Math" panose="02040503050406030204" pitchFamily="18" charset="0"/>
+                          </a:rPr>
+                          <m:t>𝑏</m:t>
+                        </m:r>
+                      </m:oMath>
+                    </m:oMathPara>
+                  </a14:m>
+                  <a:endParaRPr lang="en-US" altLang="zh-TW" b="0" dirty="0"/>
+                </a:p>
+              </p:txBody>
+            </p:sp>
+          </mc:Choice>
+          <mc:Fallback>
+            <p:sp>
+              <p:nvSpPr>
+                <p:cNvPr id="33" name="左中括弧 32">
+                  <a:extLst>
+                    <a:ext uri="{FF2B5EF4-FFF2-40B4-BE49-F238E27FC236}">
+                      <a16:creationId xmlns:a16="http://schemas.microsoft.com/office/drawing/2014/main" id="{CED91AA1-CFE6-4D75-9F8C-D13AE4ACAA7F}"/>
+                    </a:ext>
+                  </a:extLst>
+                </p:cNvPr>
+                <p:cNvSpPr>
+                  <a:spLocks noRot="1" noChangeAspect="1" noMove="1" noResize="1" noEditPoints="1" noAdjustHandles="1" noChangeArrowheads="1" noChangeShapeType="1" noTextEdit="1"/>
+                </p:cNvSpPr>
+                <p:nvPr/>
+              </p:nvSpPr>
+              <p:spPr>
+                <a:xfrm rot="16200000">
+                  <a:off x="9117106" y="5623694"/>
+                  <a:ext cx="181355" cy="1718722"/>
+                </a:xfrm>
+                <a:prstGeom prst="leftBracket">
+                  <a:avLst/>
+                </a:prstGeom>
+                <a:blipFill>
+                  <a:blip r:embed="rId7"/>
+                  <a:stretch>
+                    <a:fillRect t="-12903"/>
+                  </a:stretch>
+                </a:blipFill>
+              </p:spPr>
+              <p:txBody>
+                <a:bodyPr/>
+                <a:lstStyle/>
+                <a:p>
+                  <a:r>
+                    <a:rPr lang="zh-TW" altLang="en-US">
+                      <a:noFill/>
+                    </a:rPr>
+                    <a:t> </a:t>
+                  </a:r>
+                </a:p>
+              </p:txBody>
+            </p:sp>
+          </mc:Fallback>
+        </mc:AlternateContent>
+      </p:grpSp>
+    </p:spTree>
+    <p:extLst>
+      <p:ext uri="{BB962C8B-B14F-4D97-AF65-F5344CB8AC3E}">
+        <p14:creationId xmlns:p14="http://schemas.microsoft.com/office/powerpoint/2010/main" val="3553965325"/>
       </p:ext>
     </p:extLst>
   </p:cSld>
